--- a/Boom Bike Analysis Highlights - Balakumar Seethapathy.pptx
+++ b/Boom Bike Analysis Highlights - Balakumar Seethapathy.pptx
@@ -112,7 +112,773 @@
       </a:defRPr>
     </a:lvl9pPr>
   </p:defaultTextStyle>
+  <p:extLst>
+    <p:ext uri="{EFAFB233-063F-42B5-8137-9DF3F51BA10A}">
+      <p15:sldGuideLst xmlns:p15="http://schemas.microsoft.com/office/powerpoint/2012/main"/>
+    </p:ext>
+  </p:extLst>
 </p:presentation>
+</file>
+
+<file path=ppt/revisionInfo.xml><?xml version="1.0" encoding="utf-8"?>
+<p1510:revInfo xmlns:a="http://schemas.openxmlformats.org/drawingml/2006/main" xmlns:r="http://schemas.openxmlformats.org/officeDocument/2006/relationships" xmlns:p1510="http://schemas.microsoft.com/office/powerpoint/2015/10/main">
+  <p1510:revLst>
+    <p1510:client id="{6902DEF2-52FE-4651-AA79-7ECBF5D35358}" v="10" dt="2022-03-16T17:00:42.294"/>
+  </p1510:revLst>
+</p1510:revInfo>
+</file>
+
+<file path=ppt/changesInfos/changesInfo1.xml><?xml version="1.0" encoding="utf-8"?>
+<pc:chgInfo xmlns:a="http://schemas.openxmlformats.org/drawingml/2006/main" xmlns:r="http://schemas.openxmlformats.org/officeDocument/2006/relationships" xmlns:ac="http://schemas.microsoft.com/office/drawing/2013/main/command" xmlns:pc="http://schemas.microsoft.com/office/powerpoint/2013/main/command">
+  <pc:docChgLst>
+    <pc:chgData name="Balakumar Seethapathy" userId="5decaead7f3560f2" providerId="LiveId" clId="{6902DEF2-52FE-4651-AA79-7ECBF5D35358}"/>
+    <pc:docChg chg="undo custSel modSld">
+      <pc:chgData name="Balakumar Seethapathy" userId="5decaead7f3560f2" providerId="LiveId" clId="{6902DEF2-52FE-4651-AA79-7ECBF5D35358}" dt="2022-03-16T17:01:39.173" v="214" actId="255"/>
+      <pc:docMkLst>
+        <pc:docMk/>
+      </pc:docMkLst>
+      <pc:sldChg chg="modSp mod">
+        <pc:chgData name="Balakumar Seethapathy" userId="5decaead7f3560f2" providerId="LiveId" clId="{6902DEF2-52FE-4651-AA79-7ECBF5D35358}" dt="2022-03-16T16:03:37.890" v="134" actId="20577"/>
+        <pc:sldMkLst>
+          <pc:docMk/>
+          <pc:sldMk cId="619393430" sldId="265"/>
+        </pc:sldMkLst>
+        <pc:spChg chg="mod">
+          <ac:chgData name="Balakumar Seethapathy" userId="5decaead7f3560f2" providerId="LiveId" clId="{6902DEF2-52FE-4651-AA79-7ECBF5D35358}" dt="2022-03-16T16:03:37.890" v="134" actId="20577"/>
+          <ac:spMkLst>
+            <pc:docMk/>
+            <pc:sldMk cId="619393430" sldId="265"/>
+            <ac:spMk id="3" creationId="{3399A9BC-040A-4FA7-A5A6-DFC05D83EAD7}"/>
+          </ac:spMkLst>
+        </pc:spChg>
+      </pc:sldChg>
+      <pc:sldChg chg="addSp delSp modSp mod">
+        <pc:chgData name="Balakumar Seethapathy" userId="5decaead7f3560f2" providerId="LiveId" clId="{6902DEF2-52FE-4651-AA79-7ECBF5D35358}" dt="2022-03-16T16:46:50.659" v="139" actId="26606"/>
+        <pc:sldMkLst>
+          <pc:docMk/>
+          <pc:sldMk cId="1852276874" sldId="268"/>
+        </pc:sldMkLst>
+        <pc:spChg chg="mod ord">
+          <ac:chgData name="Balakumar Seethapathy" userId="5decaead7f3560f2" providerId="LiveId" clId="{6902DEF2-52FE-4651-AA79-7ECBF5D35358}" dt="2022-03-16T16:46:50.659" v="139" actId="26606"/>
+          <ac:spMkLst>
+            <pc:docMk/>
+            <pc:sldMk cId="1852276874" sldId="268"/>
+            <ac:spMk id="2" creationId="{5F878171-2F3E-4B1A-9973-60EABFF48572}"/>
+          </ac:spMkLst>
+        </pc:spChg>
+        <pc:spChg chg="add mod ord">
+          <ac:chgData name="Balakumar Seethapathy" userId="5decaead7f3560f2" providerId="LiveId" clId="{6902DEF2-52FE-4651-AA79-7ECBF5D35358}" dt="2022-03-16T16:46:50.659" v="139" actId="26606"/>
+          <ac:spMkLst>
+            <pc:docMk/>
+            <pc:sldMk cId="1852276874" sldId="268"/>
+            <ac:spMk id="8" creationId="{4D52C936-EA94-4ADF-98FA-848F40B47678}"/>
+          </ac:spMkLst>
+        </pc:spChg>
+        <pc:spChg chg="add del">
+          <ac:chgData name="Balakumar Seethapathy" userId="5decaead7f3560f2" providerId="LiveId" clId="{6902DEF2-52FE-4651-AA79-7ECBF5D35358}" dt="2022-03-16T16:00:39.523" v="8" actId="26606"/>
+          <ac:spMkLst>
+            <pc:docMk/>
+            <pc:sldMk cId="1852276874" sldId="268"/>
+            <ac:spMk id="11" creationId="{42285737-90EE-47DC-AC80-8AE156B11969}"/>
+          </ac:spMkLst>
+        </pc:spChg>
+        <pc:spChg chg="add del">
+          <ac:chgData name="Balakumar Seethapathy" userId="5decaead7f3560f2" providerId="LiveId" clId="{6902DEF2-52FE-4651-AA79-7ECBF5D35358}" dt="2022-03-16T16:00:30.227" v="3" actId="26606"/>
+          <ac:spMkLst>
+            <pc:docMk/>
+            <pc:sldMk cId="1852276874" sldId="268"/>
+            <ac:spMk id="23" creationId="{1739A0B8-5267-F2D7-A205-D46E5F3932DC}"/>
+          </ac:spMkLst>
+        </pc:spChg>
+        <pc:spChg chg="add del">
+          <ac:chgData name="Balakumar Seethapathy" userId="5decaead7f3560f2" providerId="LiveId" clId="{6902DEF2-52FE-4651-AA79-7ECBF5D35358}" dt="2022-03-16T16:00:23.986" v="1" actId="26606"/>
+          <ac:spMkLst>
+            <pc:docMk/>
+            <pc:sldMk cId="1852276874" sldId="268"/>
+            <ac:spMk id="24" creationId="{2151139A-886F-4B97-8815-729AD3831BBD}"/>
+          </ac:spMkLst>
+        </pc:spChg>
+        <pc:spChg chg="add del">
+          <ac:chgData name="Balakumar Seethapathy" userId="5decaead7f3560f2" providerId="LiveId" clId="{6902DEF2-52FE-4651-AA79-7ECBF5D35358}" dt="2022-03-16T16:00:23.986" v="1" actId="26606"/>
+          <ac:spMkLst>
+            <pc:docMk/>
+            <pc:sldMk cId="1852276874" sldId="268"/>
+            <ac:spMk id="26" creationId="{5428AC11-BFDF-42EF-80FF-717BBF909067}"/>
+          </ac:spMkLst>
+        </pc:spChg>
+        <pc:spChg chg="add del">
+          <ac:chgData name="Balakumar Seethapathy" userId="5decaead7f3560f2" providerId="LiveId" clId="{6902DEF2-52FE-4651-AA79-7ECBF5D35358}" dt="2022-03-16T16:00:23.986" v="1" actId="26606"/>
+          <ac:spMkLst>
+            <pc:docMk/>
+            <pc:sldMk cId="1852276874" sldId="268"/>
+            <ac:spMk id="28" creationId="{2CC56AF6-38E4-490B-8E2B-1A1037B4EDD4}"/>
+          </ac:spMkLst>
+        </pc:spChg>
+        <pc:spChg chg="add del">
+          <ac:chgData name="Balakumar Seethapathy" userId="5decaead7f3560f2" providerId="LiveId" clId="{6902DEF2-52FE-4651-AA79-7ECBF5D35358}" dt="2022-03-16T16:00:23.986" v="1" actId="26606"/>
+          <ac:spMkLst>
+            <pc:docMk/>
+            <pc:sldMk cId="1852276874" sldId="268"/>
+            <ac:spMk id="30" creationId="{2339A6F5-AD6A-4D80-8AD9-6290D13AC49F}"/>
+          </ac:spMkLst>
+        </pc:spChg>
+        <pc:spChg chg="add del">
+          <ac:chgData name="Balakumar Seethapathy" userId="5decaead7f3560f2" providerId="LiveId" clId="{6902DEF2-52FE-4651-AA79-7ECBF5D35358}" dt="2022-03-16T16:00:30.227" v="3" actId="26606"/>
+          <ac:spMkLst>
+            <pc:docMk/>
+            <pc:sldMk cId="1852276874" sldId="268"/>
+            <ac:spMk id="32" creationId="{17DD09DE-0DA8-44FF-9FF1-1BE6F302EA46}"/>
+          </ac:spMkLst>
+        </pc:spChg>
+        <pc:spChg chg="add del">
+          <ac:chgData name="Balakumar Seethapathy" userId="5decaead7f3560f2" providerId="LiveId" clId="{6902DEF2-52FE-4651-AA79-7ECBF5D35358}" dt="2022-03-16T16:00:30.227" v="3" actId="26606"/>
+          <ac:spMkLst>
+            <pc:docMk/>
+            <pc:sldMk cId="1852276874" sldId="268"/>
+            <ac:spMk id="33" creationId="{E273CFC6-4BC9-4FFE-8361-FBFE61417A0B}"/>
+          </ac:spMkLst>
+        </pc:spChg>
+        <pc:spChg chg="add del">
+          <ac:chgData name="Balakumar Seethapathy" userId="5decaead7f3560f2" providerId="LiveId" clId="{6902DEF2-52FE-4651-AA79-7ECBF5D35358}" dt="2022-03-16T16:00:30.227" v="3" actId="26606"/>
+          <ac:spMkLst>
+            <pc:docMk/>
+            <pc:sldMk cId="1852276874" sldId="268"/>
+            <ac:spMk id="34" creationId="{28ACCB42-777B-4109-A531-8C0A6CD7150C}"/>
+          </ac:spMkLst>
+        </pc:spChg>
+        <pc:spChg chg="add del">
+          <ac:chgData name="Balakumar Seethapathy" userId="5decaead7f3560f2" providerId="LiveId" clId="{6902DEF2-52FE-4651-AA79-7ECBF5D35358}" dt="2022-03-16T16:00:30.227" v="3" actId="26606"/>
+          <ac:spMkLst>
+            <pc:docMk/>
+            <pc:sldMk cId="1852276874" sldId="268"/>
+            <ac:spMk id="35" creationId="{C48CB8C7-4970-4395-A8AB-5D3774D91A0A}"/>
+          </ac:spMkLst>
+        </pc:spChg>
+        <pc:spChg chg="add del">
+          <ac:chgData name="Balakumar Seethapathy" userId="5decaead7f3560f2" providerId="LiveId" clId="{6902DEF2-52FE-4651-AA79-7ECBF5D35358}" dt="2022-03-16T16:00:30.227" v="3" actId="26606"/>
+          <ac:spMkLst>
+            <pc:docMk/>
+            <pc:sldMk cId="1852276874" sldId="268"/>
+            <ac:spMk id="36" creationId="{9D919DD6-6BB7-45C3-9500-A7448E149B0C}"/>
+          </ac:spMkLst>
+        </pc:spChg>
+        <pc:spChg chg="add del">
+          <ac:chgData name="Balakumar Seethapathy" userId="5decaead7f3560f2" providerId="LiveId" clId="{6902DEF2-52FE-4651-AA79-7ECBF5D35358}" dt="2022-03-16T16:00:32.466" v="5" actId="26606"/>
+          <ac:spMkLst>
+            <pc:docMk/>
+            <pc:sldMk cId="1852276874" sldId="268"/>
+            <ac:spMk id="39" creationId="{C5278130-DFE0-457B-8698-88DF69019DDE}"/>
+          </ac:spMkLst>
+        </pc:spChg>
+        <pc:spChg chg="add del">
+          <ac:chgData name="Balakumar Seethapathy" userId="5decaead7f3560f2" providerId="LiveId" clId="{6902DEF2-52FE-4651-AA79-7ECBF5D35358}" dt="2022-03-16T16:00:32.466" v="5" actId="26606"/>
+          <ac:spMkLst>
+            <pc:docMk/>
+            <pc:sldMk cId="1852276874" sldId="268"/>
+            <ac:spMk id="40" creationId="{2F99531B-1681-4D6E-BECB-18325B33A618}"/>
+          </ac:spMkLst>
+        </pc:spChg>
+        <pc:spChg chg="add del">
+          <ac:chgData name="Balakumar Seethapathy" userId="5decaead7f3560f2" providerId="LiveId" clId="{6902DEF2-52FE-4651-AA79-7ECBF5D35358}" dt="2022-03-16T16:00:32.466" v="5" actId="26606"/>
+          <ac:spMkLst>
+            <pc:docMk/>
+            <pc:sldMk cId="1852276874" sldId="268"/>
+            <ac:spMk id="41" creationId="{BEE39D25-F6C3-49C6-9DCC-F22D92A9B2A2}"/>
+          </ac:spMkLst>
+        </pc:spChg>
+        <pc:spChg chg="add del">
+          <ac:chgData name="Balakumar Seethapathy" userId="5decaead7f3560f2" providerId="LiveId" clId="{6902DEF2-52FE-4651-AA79-7ECBF5D35358}" dt="2022-03-16T16:00:32.466" v="5" actId="26606"/>
+          <ac:spMkLst>
+            <pc:docMk/>
+            <pc:sldMk cId="1852276874" sldId="268"/>
+            <ac:spMk id="42" creationId="{FA4213E4-E02C-29B3-51D5-C5940E30B4CA}"/>
+          </ac:spMkLst>
+        </pc:spChg>
+        <pc:spChg chg="add del">
+          <ac:chgData name="Balakumar Seethapathy" userId="5decaead7f3560f2" providerId="LiveId" clId="{6902DEF2-52FE-4651-AA79-7ECBF5D35358}" dt="2022-03-16T16:00:32.466" v="5" actId="26606"/>
+          <ac:spMkLst>
+            <pc:docMk/>
+            <pc:sldMk cId="1852276874" sldId="268"/>
+            <ac:spMk id="44" creationId="{1B6A2B32-FA4E-4012-AA9A-4722860D13D9}"/>
+          </ac:spMkLst>
+        </pc:spChg>
+        <pc:spChg chg="add del">
+          <ac:chgData name="Balakumar Seethapathy" userId="5decaead7f3560f2" providerId="LiveId" clId="{6902DEF2-52FE-4651-AA79-7ECBF5D35358}" dt="2022-03-16T16:00:32.466" v="5" actId="26606"/>
+          <ac:spMkLst>
+            <pc:docMk/>
+            <pc:sldMk cId="1852276874" sldId="268"/>
+            <ac:spMk id="45" creationId="{965B5ED8-112D-4362-947F-A3C0636F4C98}"/>
+          </ac:spMkLst>
+        </pc:spChg>
+        <pc:spChg chg="add del">
+          <ac:chgData name="Balakumar Seethapathy" userId="5decaead7f3560f2" providerId="LiveId" clId="{6902DEF2-52FE-4651-AA79-7ECBF5D35358}" dt="2022-03-16T16:00:39.513" v="7" actId="26606"/>
+          <ac:spMkLst>
+            <pc:docMk/>
+            <pc:sldMk cId="1852276874" sldId="268"/>
+            <ac:spMk id="48" creationId="{2A27562B-B84B-3B94-91FE-7AFA145C5F9B}"/>
+          </ac:spMkLst>
+        </pc:spChg>
+        <pc:spChg chg="add del">
+          <ac:chgData name="Balakumar Seethapathy" userId="5decaead7f3560f2" providerId="LiveId" clId="{6902DEF2-52FE-4651-AA79-7ECBF5D35358}" dt="2022-03-16T16:00:39.513" v="7" actId="26606"/>
+          <ac:spMkLst>
+            <pc:docMk/>
+            <pc:sldMk cId="1852276874" sldId="268"/>
+            <ac:spMk id="49" creationId="{11313EAB-AFBD-44FC-B96C-9C9A7416E5DD}"/>
+          </ac:spMkLst>
+        </pc:spChg>
+        <pc:spChg chg="add del">
+          <ac:chgData name="Balakumar Seethapathy" userId="5decaead7f3560f2" providerId="LiveId" clId="{6902DEF2-52FE-4651-AA79-7ECBF5D35358}" dt="2022-03-16T16:00:39.513" v="7" actId="26606"/>
+          <ac:spMkLst>
+            <pc:docMk/>
+            <pc:sldMk cId="1852276874" sldId="268"/>
+            <ac:spMk id="50" creationId="{EA279C60-B3AB-4994-BBA4-00CB99B2FD2C}"/>
+          </ac:spMkLst>
+        </pc:spChg>
+        <pc:spChg chg="add del">
+          <ac:chgData name="Balakumar Seethapathy" userId="5decaead7f3560f2" providerId="LiveId" clId="{6902DEF2-52FE-4651-AA79-7ECBF5D35358}" dt="2022-03-16T16:00:39.513" v="7" actId="26606"/>
+          <ac:spMkLst>
+            <pc:docMk/>
+            <pc:sldMk cId="1852276874" sldId="268"/>
+            <ac:spMk id="51" creationId="{480C5C28-3276-4497-8BC1-366BAD074B8D}"/>
+          </ac:spMkLst>
+        </pc:spChg>
+        <pc:spChg chg="add del">
+          <ac:chgData name="Balakumar Seethapathy" userId="5decaead7f3560f2" providerId="LiveId" clId="{6902DEF2-52FE-4651-AA79-7ECBF5D35358}" dt="2022-03-16T16:00:39.513" v="7" actId="26606"/>
+          <ac:spMkLst>
+            <pc:docMk/>
+            <pc:sldMk cId="1852276874" sldId="268"/>
+            <ac:spMk id="52" creationId="{F79976EB-B5B0-40FD-ABF3-AD6041BA5944}"/>
+          </ac:spMkLst>
+        </pc:spChg>
+        <pc:spChg chg="add del">
+          <ac:chgData name="Balakumar Seethapathy" userId="5decaead7f3560f2" providerId="LiveId" clId="{6902DEF2-52FE-4651-AA79-7ECBF5D35358}" dt="2022-03-16T16:00:39.513" v="7" actId="26606"/>
+          <ac:spMkLst>
+            <pc:docMk/>
+            <pc:sldMk cId="1852276874" sldId="268"/>
+            <ac:spMk id="53" creationId="{5256CDE3-F9C5-4283-AD5F-6148D5AD83BD}"/>
+          </ac:spMkLst>
+        </pc:spChg>
+        <pc:spChg chg="add del">
+          <ac:chgData name="Balakumar Seethapathy" userId="5decaead7f3560f2" providerId="LiveId" clId="{6902DEF2-52FE-4651-AA79-7ECBF5D35358}" dt="2022-03-16T16:46:50.659" v="139" actId="26606"/>
+          <ac:spMkLst>
+            <pc:docMk/>
+            <pc:sldMk cId="1852276874" sldId="268"/>
+            <ac:spMk id="55" creationId="{2151139A-886F-4B97-8815-729AD3831BBD}"/>
+          </ac:spMkLst>
+        </pc:spChg>
+        <pc:spChg chg="add del">
+          <ac:chgData name="Balakumar Seethapathy" userId="5decaead7f3560f2" providerId="LiveId" clId="{6902DEF2-52FE-4651-AA79-7ECBF5D35358}" dt="2022-03-16T16:46:50.659" v="139" actId="26606"/>
+          <ac:spMkLst>
+            <pc:docMk/>
+            <pc:sldMk cId="1852276874" sldId="268"/>
+            <ac:spMk id="56" creationId="{5428AC11-BFDF-42EF-80FF-717BBF909067}"/>
+          </ac:spMkLst>
+        </pc:spChg>
+        <pc:spChg chg="add del">
+          <ac:chgData name="Balakumar Seethapathy" userId="5decaead7f3560f2" providerId="LiveId" clId="{6902DEF2-52FE-4651-AA79-7ECBF5D35358}" dt="2022-03-16T16:46:50.659" v="139" actId="26606"/>
+          <ac:spMkLst>
+            <pc:docMk/>
+            <pc:sldMk cId="1852276874" sldId="268"/>
+            <ac:spMk id="57" creationId="{2CC56AF6-38E4-490B-8E2B-1A1037B4EDD4}"/>
+          </ac:spMkLst>
+        </pc:spChg>
+        <pc:spChg chg="add del">
+          <ac:chgData name="Balakumar Seethapathy" userId="5decaead7f3560f2" providerId="LiveId" clId="{6902DEF2-52FE-4651-AA79-7ECBF5D35358}" dt="2022-03-16T16:46:50.659" v="139" actId="26606"/>
+          <ac:spMkLst>
+            <pc:docMk/>
+            <pc:sldMk cId="1852276874" sldId="268"/>
+            <ac:spMk id="58" creationId="{2339A6F5-AD6A-4D80-8AD9-6290D13AC49F}"/>
+          </ac:spMkLst>
+        </pc:spChg>
+        <pc:spChg chg="add">
+          <ac:chgData name="Balakumar Seethapathy" userId="5decaead7f3560f2" providerId="LiveId" clId="{6902DEF2-52FE-4651-AA79-7ECBF5D35358}" dt="2022-03-16T16:46:50.659" v="139" actId="26606"/>
+          <ac:spMkLst>
+            <pc:docMk/>
+            <pc:sldMk cId="1852276874" sldId="268"/>
+            <ac:spMk id="63" creationId="{E273CFC6-4BC9-4FFE-8361-FBFE61417A0B}"/>
+          </ac:spMkLst>
+        </pc:spChg>
+        <pc:spChg chg="add">
+          <ac:chgData name="Balakumar Seethapathy" userId="5decaead7f3560f2" providerId="LiveId" clId="{6902DEF2-52FE-4651-AA79-7ECBF5D35358}" dt="2022-03-16T16:46:50.659" v="139" actId="26606"/>
+          <ac:spMkLst>
+            <pc:docMk/>
+            <pc:sldMk cId="1852276874" sldId="268"/>
+            <ac:spMk id="65" creationId="{C48CB8C7-4970-4395-A8AB-5D3774D91A0A}"/>
+          </ac:spMkLst>
+        </pc:spChg>
+        <pc:spChg chg="add">
+          <ac:chgData name="Balakumar Seethapathy" userId="5decaead7f3560f2" providerId="LiveId" clId="{6902DEF2-52FE-4651-AA79-7ECBF5D35358}" dt="2022-03-16T16:46:50.659" v="139" actId="26606"/>
+          <ac:spMkLst>
+            <pc:docMk/>
+            <pc:sldMk cId="1852276874" sldId="268"/>
+            <ac:spMk id="67" creationId="{9D919DD6-6BB7-45C3-9500-A7448E149B0C}"/>
+          </ac:spMkLst>
+        </pc:spChg>
+        <pc:spChg chg="add">
+          <ac:chgData name="Balakumar Seethapathy" userId="5decaead7f3560f2" providerId="LiveId" clId="{6902DEF2-52FE-4651-AA79-7ECBF5D35358}" dt="2022-03-16T16:46:50.659" v="139" actId="26606"/>
+          <ac:spMkLst>
+            <pc:docMk/>
+            <pc:sldMk cId="1852276874" sldId="268"/>
+            <ac:spMk id="69" creationId="{17DD09DE-0DA8-44FF-9FF1-1BE6F302EA46}"/>
+          </ac:spMkLst>
+        </pc:spChg>
+        <pc:spChg chg="add">
+          <ac:chgData name="Balakumar Seethapathy" userId="5decaead7f3560f2" providerId="LiveId" clId="{6902DEF2-52FE-4651-AA79-7ECBF5D35358}" dt="2022-03-16T16:46:50.659" v="139" actId="26606"/>
+          <ac:spMkLst>
+            <pc:docMk/>
+            <pc:sldMk cId="1852276874" sldId="268"/>
+            <ac:spMk id="71" creationId="{28ACCB42-777B-4109-A531-8C0A6CD7150C}"/>
+          </ac:spMkLst>
+        </pc:spChg>
+        <pc:grpChg chg="add del">
+          <ac:chgData name="Balakumar Seethapathy" userId="5decaead7f3560f2" providerId="LiveId" clId="{6902DEF2-52FE-4651-AA79-7ECBF5D35358}" dt="2022-03-16T16:00:39.523" v="8" actId="26606"/>
+          <ac:grpSpMkLst>
+            <pc:docMk/>
+            <pc:sldMk cId="1852276874" sldId="268"/>
+            <ac:grpSpMk id="13" creationId="{B57BDC17-F1B3-455F-BBF1-680AA1F25C06}"/>
+          </ac:grpSpMkLst>
+        </pc:grpChg>
+        <pc:picChg chg="del mod ord">
+          <ac:chgData name="Balakumar Seethapathy" userId="5decaead7f3560f2" providerId="LiveId" clId="{6902DEF2-52FE-4651-AA79-7ECBF5D35358}" dt="2022-03-16T16:45:59.615" v="137" actId="478"/>
+          <ac:picMkLst>
+            <pc:docMk/>
+            <pc:sldMk cId="1852276874" sldId="268"/>
+            <ac:picMk id="4" creationId="{D390E12E-5C93-4D5C-8437-DD13A74A1BAD}"/>
+          </ac:picMkLst>
+        </pc:picChg>
+        <pc:picChg chg="add mod">
+          <ac:chgData name="Balakumar Seethapathy" userId="5decaead7f3560f2" providerId="LiveId" clId="{6902DEF2-52FE-4651-AA79-7ECBF5D35358}" dt="2022-03-16T16:46:50.659" v="139" actId="26606"/>
+          <ac:picMkLst>
+            <pc:docMk/>
+            <pc:sldMk cId="1852276874" sldId="268"/>
+            <ac:picMk id="5" creationId="{7572F8BE-DC51-459E-AEBB-CB0538FB4A13}"/>
+          </ac:picMkLst>
+        </pc:picChg>
+        <pc:picChg chg="del mod ord">
+          <ac:chgData name="Balakumar Seethapathy" userId="5decaead7f3560f2" providerId="LiveId" clId="{6902DEF2-52FE-4651-AA79-7ECBF5D35358}" dt="2022-03-16T16:45:53.927" v="135" actId="478"/>
+          <ac:picMkLst>
+            <pc:docMk/>
+            <pc:sldMk cId="1852276874" sldId="268"/>
+            <ac:picMk id="6" creationId="{68760049-F4ED-458D-A43B-A8C7B3D6E86A}"/>
+          </ac:picMkLst>
+        </pc:picChg>
+        <pc:picChg chg="add mod">
+          <ac:chgData name="Balakumar Seethapathy" userId="5decaead7f3560f2" providerId="LiveId" clId="{6902DEF2-52FE-4651-AA79-7ECBF5D35358}" dt="2022-03-16T16:46:50.659" v="139" actId="26606"/>
+          <ac:picMkLst>
+            <pc:docMk/>
+            <pc:sldMk cId="1852276874" sldId="268"/>
+            <ac:picMk id="10" creationId="{D027F487-B199-47E8-B62A-84B7B6F0AFD6}"/>
+          </ac:picMkLst>
+        </pc:picChg>
+        <pc:cxnChg chg="add del">
+          <ac:chgData name="Balakumar Seethapathy" userId="5decaead7f3560f2" providerId="LiveId" clId="{6902DEF2-52FE-4651-AA79-7ECBF5D35358}" dt="2022-03-16T16:00:32.466" v="5" actId="26606"/>
+          <ac:cxnSpMkLst>
+            <pc:docMk/>
+            <pc:sldMk cId="1852276874" sldId="268"/>
+            <ac:cxnSpMk id="38" creationId="{0F90855A-CFDE-4C18-8007-CC1D26F553F9}"/>
+          </ac:cxnSpMkLst>
+        </pc:cxnChg>
+        <pc:cxnChg chg="add del">
+          <ac:chgData name="Balakumar Seethapathy" userId="5decaead7f3560f2" providerId="LiveId" clId="{6902DEF2-52FE-4651-AA79-7ECBF5D35358}" dt="2022-03-16T16:00:32.466" v="5" actId="26606"/>
+          <ac:cxnSpMkLst>
+            <pc:docMk/>
+            <pc:sldMk cId="1852276874" sldId="268"/>
+            <ac:cxnSpMk id="43" creationId="{F085D7B9-E066-4923-8CB7-294BF306296A}"/>
+          </ac:cxnSpMkLst>
+        </pc:cxnChg>
+        <pc:cxnChg chg="add del">
+          <ac:chgData name="Balakumar Seethapathy" userId="5decaead7f3560f2" providerId="LiveId" clId="{6902DEF2-52FE-4651-AA79-7ECBF5D35358}" dt="2022-03-16T16:00:39.513" v="7" actId="26606"/>
+          <ac:cxnSpMkLst>
+            <pc:docMk/>
+            <pc:sldMk cId="1852276874" sldId="268"/>
+            <ac:cxnSpMk id="47" creationId="{B2D13A27-BA7B-4AC1-BAF1-72B1496204F1}"/>
+          </ac:cxnSpMkLst>
+        </pc:cxnChg>
+      </pc:sldChg>
+      <pc:sldChg chg="addSp delSp modSp mod">
+        <pc:chgData name="Balakumar Seethapathy" userId="5decaead7f3560f2" providerId="LiveId" clId="{6902DEF2-52FE-4651-AA79-7ECBF5D35358}" dt="2022-03-16T16:47:22.005" v="142" actId="26606"/>
+        <pc:sldMkLst>
+          <pc:docMk/>
+          <pc:sldMk cId="2226267917" sldId="269"/>
+        </pc:sldMkLst>
+        <pc:spChg chg="del">
+          <ac:chgData name="Balakumar Seethapathy" userId="5decaead7f3560f2" providerId="LiveId" clId="{6902DEF2-52FE-4651-AA79-7ECBF5D35358}" dt="2022-03-16T16:47:22.005" v="142" actId="26606"/>
+          <ac:spMkLst>
+            <pc:docMk/>
+            <pc:sldMk cId="2226267917" sldId="269"/>
+            <ac:spMk id="27" creationId="{D12DDE76-C203-4047-9998-63900085B5E8}"/>
+          </ac:spMkLst>
+        </pc:spChg>
+        <pc:spChg chg="add">
+          <ac:chgData name="Balakumar Seethapathy" userId="5decaead7f3560f2" providerId="LiveId" clId="{6902DEF2-52FE-4651-AA79-7ECBF5D35358}" dt="2022-03-16T16:47:22.005" v="142" actId="26606"/>
+          <ac:spMkLst>
+            <pc:docMk/>
+            <pc:sldMk cId="2226267917" sldId="269"/>
+            <ac:spMk id="32" creationId="{D12DDE76-C203-4047-9998-63900085B5E8}"/>
+          </ac:spMkLst>
+        </pc:spChg>
+        <pc:picChg chg="add mod">
+          <ac:chgData name="Balakumar Seethapathy" userId="5decaead7f3560f2" providerId="LiveId" clId="{6902DEF2-52FE-4651-AA79-7ECBF5D35358}" dt="2022-03-16T16:47:22.005" v="142" actId="26606"/>
+          <ac:picMkLst>
+            <pc:docMk/>
+            <pc:sldMk cId="2226267917" sldId="269"/>
+            <ac:picMk id="4" creationId="{75656650-FDCC-44EC-9C53-9029B5E1F0FE}"/>
+          </ac:picMkLst>
+        </pc:picChg>
+        <pc:picChg chg="del">
+          <ac:chgData name="Balakumar Seethapathy" userId="5decaead7f3560f2" providerId="LiveId" clId="{6902DEF2-52FE-4651-AA79-7ECBF5D35358}" dt="2022-03-16T16:47:18.054" v="140" actId="478"/>
+          <ac:picMkLst>
+            <pc:docMk/>
+            <pc:sldMk cId="2226267917" sldId="269"/>
+            <ac:picMk id="5" creationId="{7D63FFD1-BA5C-46BA-A0A3-B72C8019A0D1}"/>
+          </ac:picMkLst>
+        </pc:picChg>
+      </pc:sldChg>
+      <pc:sldChg chg="addSp delSp modSp mod">
+        <pc:chgData name="Balakumar Seethapathy" userId="5decaead7f3560f2" providerId="LiveId" clId="{6902DEF2-52FE-4651-AA79-7ECBF5D35358}" dt="2022-03-16T16:49:27.278" v="182" actId="20577"/>
+        <pc:sldMkLst>
+          <pc:docMk/>
+          <pc:sldMk cId="2749437889" sldId="270"/>
+        </pc:sldMkLst>
+        <pc:spChg chg="mod">
+          <ac:chgData name="Balakumar Seethapathy" userId="5decaead7f3560f2" providerId="LiveId" clId="{6902DEF2-52FE-4651-AA79-7ECBF5D35358}" dt="2022-03-16T16:48:06.916" v="149" actId="26606"/>
+          <ac:spMkLst>
+            <pc:docMk/>
+            <pc:sldMk cId="2749437889" sldId="270"/>
+            <ac:spMk id="2" creationId="{C516235E-22F3-41A5-9358-76663DB3E4C3}"/>
+          </ac:spMkLst>
+        </pc:spChg>
+        <pc:spChg chg="add">
+          <ac:chgData name="Balakumar Seethapathy" userId="5decaead7f3560f2" providerId="LiveId" clId="{6902DEF2-52FE-4651-AA79-7ECBF5D35358}" dt="2022-03-16T16:48:35.045" v="150"/>
+          <ac:spMkLst>
+            <pc:docMk/>
+            <pc:sldMk cId="2749437889" sldId="270"/>
+            <ac:spMk id="5" creationId="{F4339051-6F60-4304-A98A-C0324D593E6E}"/>
+          </ac:spMkLst>
+        </pc:spChg>
+        <pc:spChg chg="ord">
+          <ac:chgData name="Balakumar Seethapathy" userId="5decaead7f3560f2" providerId="LiveId" clId="{6902DEF2-52FE-4651-AA79-7ECBF5D35358}" dt="2022-03-16T16:48:06.916" v="149" actId="26606"/>
+          <ac:spMkLst>
+            <pc:docMk/>
+            <pc:sldMk cId="2749437889" sldId="270"/>
+            <ac:spMk id="11" creationId="{F452568A-07F9-4DAA-AB32-E18563E926E2}"/>
+          </ac:spMkLst>
+        </pc:spChg>
+        <pc:spChg chg="mod">
+          <ac:chgData name="Balakumar Seethapathy" userId="5decaead7f3560f2" providerId="LiveId" clId="{6902DEF2-52FE-4651-AA79-7ECBF5D35358}" dt="2022-03-16T16:49:27.278" v="182" actId="20577"/>
+          <ac:spMkLst>
+            <pc:docMk/>
+            <pc:sldMk cId="2749437889" sldId="270"/>
+            <ac:spMk id="16" creationId="{AC018AF2-43CF-23D6-66AA-401EA6F1554E}"/>
+          </ac:spMkLst>
+        </pc:spChg>
+        <pc:spChg chg="add del">
+          <ac:chgData name="Balakumar Seethapathy" userId="5decaead7f3560f2" providerId="LiveId" clId="{6902DEF2-52FE-4651-AA79-7ECBF5D35358}" dt="2022-03-16T16:48:06.916" v="149" actId="26606"/>
+          <ac:spMkLst>
+            <pc:docMk/>
+            <pc:sldMk cId="2749437889" sldId="270"/>
+            <ac:spMk id="32" creationId="{F4C0B10B-D2C4-4A54-AFAD-3D27DF88BB37}"/>
+          </ac:spMkLst>
+        </pc:spChg>
+        <pc:spChg chg="add del">
+          <ac:chgData name="Balakumar Seethapathy" userId="5decaead7f3560f2" providerId="LiveId" clId="{6902DEF2-52FE-4651-AA79-7ECBF5D35358}" dt="2022-03-16T16:48:03.752" v="146" actId="26606"/>
+          <ac:spMkLst>
+            <pc:docMk/>
+            <pc:sldMk cId="2749437889" sldId="270"/>
+            <ac:spMk id="44" creationId="{5E39A796-BE83-48B1-B33F-35C4A32AAB57}"/>
+          </ac:spMkLst>
+        </pc:spChg>
+        <pc:spChg chg="add del">
+          <ac:chgData name="Balakumar Seethapathy" userId="5decaead7f3560f2" providerId="LiveId" clId="{6902DEF2-52FE-4651-AA79-7ECBF5D35358}" dt="2022-03-16T16:48:03.752" v="146" actId="26606"/>
+          <ac:spMkLst>
+            <pc:docMk/>
+            <pc:sldMk cId="2749437889" sldId="270"/>
+            <ac:spMk id="46" creationId="{72F84B47-E267-4194-8194-831DB7B5547F}"/>
+          </ac:spMkLst>
+        </pc:spChg>
+        <pc:spChg chg="add del">
+          <ac:chgData name="Balakumar Seethapathy" userId="5decaead7f3560f2" providerId="LiveId" clId="{6902DEF2-52FE-4651-AA79-7ECBF5D35358}" dt="2022-03-16T16:48:06.903" v="148" actId="26606"/>
+          <ac:spMkLst>
+            <pc:docMk/>
+            <pc:sldMk cId="2749437889" sldId="270"/>
+            <ac:spMk id="48" creationId="{4B9FAFB2-BEB5-4848-8018-BCAD99E2E1AA}"/>
+          </ac:spMkLst>
+        </pc:spChg>
+        <pc:spChg chg="add del">
+          <ac:chgData name="Balakumar Seethapathy" userId="5decaead7f3560f2" providerId="LiveId" clId="{6902DEF2-52FE-4651-AA79-7ECBF5D35358}" dt="2022-03-16T16:48:06.903" v="148" actId="26606"/>
+          <ac:spMkLst>
+            <pc:docMk/>
+            <pc:sldMk cId="2749437889" sldId="270"/>
+            <ac:spMk id="49" creationId="{C232B152-3720-4D3B-97ED-45CE5483F16F}"/>
+          </ac:spMkLst>
+        </pc:spChg>
+        <pc:spChg chg="add del">
+          <ac:chgData name="Balakumar Seethapathy" userId="5decaead7f3560f2" providerId="LiveId" clId="{6902DEF2-52FE-4651-AA79-7ECBF5D35358}" dt="2022-03-16T16:48:06.903" v="148" actId="26606"/>
+          <ac:spMkLst>
+            <pc:docMk/>
+            <pc:sldMk cId="2749437889" sldId="270"/>
+            <ac:spMk id="50" creationId="{11BAB570-FF10-4E96-8A3F-FA9804702B89}"/>
+          </ac:spMkLst>
+        </pc:spChg>
+        <pc:spChg chg="add">
+          <ac:chgData name="Balakumar Seethapathy" userId="5decaead7f3560f2" providerId="LiveId" clId="{6902DEF2-52FE-4651-AA79-7ECBF5D35358}" dt="2022-03-16T16:48:06.916" v="149" actId="26606"/>
+          <ac:spMkLst>
+            <pc:docMk/>
+            <pc:sldMk cId="2749437889" sldId="270"/>
+            <ac:spMk id="52" creationId="{131031D3-26CD-4214-A9A4-5857EFA15A0C}"/>
+          </ac:spMkLst>
+        </pc:spChg>
+        <pc:spChg chg="add">
+          <ac:chgData name="Balakumar Seethapathy" userId="5decaead7f3560f2" providerId="LiveId" clId="{6902DEF2-52FE-4651-AA79-7ECBF5D35358}" dt="2022-03-16T16:48:06.916" v="149" actId="26606"/>
+          <ac:spMkLst>
+            <pc:docMk/>
+            <pc:sldMk cId="2749437889" sldId="270"/>
+            <ac:spMk id="53" creationId="{B5FA7C47-B7C1-4D2E-AB49-ED23BA34BA83}"/>
+          </ac:spMkLst>
+        </pc:spChg>
+        <pc:spChg chg="add">
+          <ac:chgData name="Balakumar Seethapathy" userId="5decaead7f3560f2" providerId="LiveId" clId="{6902DEF2-52FE-4651-AA79-7ECBF5D35358}" dt="2022-03-16T16:48:06.916" v="149" actId="26606"/>
+          <ac:spMkLst>
+            <pc:docMk/>
+            <pc:sldMk cId="2749437889" sldId="270"/>
+            <ac:spMk id="54" creationId="{596EE156-ABF1-4329-A6BA-03B4254E0877}"/>
+          </ac:spMkLst>
+        </pc:spChg>
+        <pc:spChg chg="add">
+          <ac:chgData name="Balakumar Seethapathy" userId="5decaead7f3560f2" providerId="LiveId" clId="{6902DEF2-52FE-4651-AA79-7ECBF5D35358}" dt="2022-03-16T16:48:06.916" v="149" actId="26606"/>
+          <ac:spMkLst>
+            <pc:docMk/>
+            <pc:sldMk cId="2749437889" sldId="270"/>
+            <ac:spMk id="55" creationId="{19B9933F-AAB3-444A-8BB5-9CA194A8BC63}"/>
+          </ac:spMkLst>
+        </pc:spChg>
+        <pc:spChg chg="add">
+          <ac:chgData name="Balakumar Seethapathy" userId="5decaead7f3560f2" providerId="LiveId" clId="{6902DEF2-52FE-4651-AA79-7ECBF5D35358}" dt="2022-03-16T16:48:06.916" v="149" actId="26606"/>
+          <ac:spMkLst>
+            <pc:docMk/>
+            <pc:sldMk cId="2749437889" sldId="270"/>
+            <ac:spMk id="56" creationId="{7D20183A-0B1D-4A1F-89B1-ADBEDBC6E54E}"/>
+          </ac:spMkLst>
+        </pc:spChg>
+        <pc:grpChg chg="add del">
+          <ac:chgData name="Balakumar Seethapathy" userId="5decaead7f3560f2" providerId="LiveId" clId="{6902DEF2-52FE-4651-AA79-7ECBF5D35358}" dt="2022-03-16T16:48:06.916" v="149" actId="26606"/>
+          <ac:grpSpMkLst>
+            <pc:docMk/>
+            <pc:sldMk cId="2749437889" sldId="270"/>
+            <ac:grpSpMk id="34" creationId="{B6BADB90-C74B-40D6-86DC-503F65FCE8DC}"/>
+          </ac:grpSpMkLst>
+        </pc:grpChg>
+        <pc:picChg chg="add mod">
+          <ac:chgData name="Balakumar Seethapathy" userId="5decaead7f3560f2" providerId="LiveId" clId="{6902DEF2-52FE-4651-AA79-7ECBF5D35358}" dt="2022-03-16T16:48:06.916" v="149" actId="26606"/>
+          <ac:picMkLst>
+            <pc:docMk/>
+            <pc:sldMk cId="2749437889" sldId="270"/>
+            <ac:picMk id="4" creationId="{19901737-EB9D-4C85-8037-9B7D3E7EB63A}"/>
+          </ac:picMkLst>
+        </pc:picChg>
+        <pc:picChg chg="del">
+          <ac:chgData name="Balakumar Seethapathy" userId="5decaead7f3560f2" providerId="LiveId" clId="{6902DEF2-52FE-4651-AA79-7ECBF5D35358}" dt="2022-03-16T16:47:48.077" v="143" actId="478"/>
+          <ac:picMkLst>
+            <pc:docMk/>
+            <pc:sldMk cId="2749437889" sldId="270"/>
+            <ac:picMk id="15" creationId="{59866778-0F39-4BD5-B957-26911B6A3A57}"/>
+          </ac:picMkLst>
+        </pc:picChg>
+      </pc:sldChg>
+      <pc:sldChg chg="addSp delSp modSp mod">
+        <pc:chgData name="Balakumar Seethapathy" userId="5decaead7f3560f2" providerId="LiveId" clId="{6902DEF2-52FE-4651-AA79-7ECBF5D35358}" dt="2022-03-16T17:01:39.173" v="214" actId="255"/>
+        <pc:sldMkLst>
+          <pc:docMk/>
+          <pc:sldMk cId="2141327933" sldId="271"/>
+        </pc:sldMkLst>
+        <pc:spChg chg="mod">
+          <ac:chgData name="Balakumar Seethapathy" userId="5decaead7f3560f2" providerId="LiveId" clId="{6902DEF2-52FE-4651-AA79-7ECBF5D35358}" dt="2022-03-16T17:00:59.332" v="210" actId="26606"/>
+          <ac:spMkLst>
+            <pc:docMk/>
+            <pc:sldMk cId="2141327933" sldId="271"/>
+            <ac:spMk id="2" creationId="{04BCD2E8-A961-409A-B472-8573C7E69B7D}"/>
+          </ac:spMkLst>
+        </pc:spChg>
+        <pc:spChg chg="mod">
+          <ac:chgData name="Balakumar Seethapathy" userId="5decaead7f3560f2" providerId="LiveId" clId="{6902DEF2-52FE-4651-AA79-7ECBF5D35358}" dt="2022-03-16T17:01:39.173" v="214" actId="255"/>
+          <ac:spMkLst>
+            <pc:docMk/>
+            <pc:sldMk cId="2141327933" sldId="271"/>
+            <ac:spMk id="3" creationId="{D9737B97-9507-4C05-8F08-20C8CB85DC07}"/>
+          </ac:spMkLst>
+        </pc:spChg>
+        <pc:spChg chg="add del">
+          <ac:chgData name="Balakumar Seethapathy" userId="5decaead7f3560f2" providerId="LiveId" clId="{6902DEF2-52FE-4651-AA79-7ECBF5D35358}" dt="2022-03-16T17:00:59.332" v="210" actId="26606"/>
+          <ac:spMkLst>
+            <pc:docMk/>
+            <pc:sldMk cId="2141327933" sldId="271"/>
+            <ac:spMk id="6" creationId="{B5FA7C47-B7C1-4D2E-AB49-ED23BA34BA83}"/>
+          </ac:spMkLst>
+        </pc:spChg>
+        <pc:spChg chg="add del">
+          <ac:chgData name="Balakumar Seethapathy" userId="5decaead7f3560f2" providerId="LiveId" clId="{6902DEF2-52FE-4651-AA79-7ECBF5D35358}" dt="2022-03-16T17:00:59.332" v="210" actId="26606"/>
+          <ac:spMkLst>
+            <pc:docMk/>
+            <pc:sldMk cId="2141327933" sldId="271"/>
+            <ac:spMk id="7" creationId="{596EE156-ABF1-4329-A6BA-03B4254E0877}"/>
+          </ac:spMkLst>
+        </pc:spChg>
+        <pc:spChg chg="add del">
+          <ac:chgData name="Balakumar Seethapathy" userId="5decaead7f3560f2" providerId="LiveId" clId="{6902DEF2-52FE-4651-AA79-7ECBF5D35358}" dt="2022-03-16T17:00:59.332" v="210" actId="26606"/>
+          <ac:spMkLst>
+            <pc:docMk/>
+            <pc:sldMk cId="2141327933" sldId="271"/>
+            <ac:spMk id="8" creationId="{19B9933F-AAB3-444A-8BB5-9CA194A8BC63}"/>
+          </ac:spMkLst>
+        </pc:spChg>
+        <pc:spChg chg="add del">
+          <ac:chgData name="Balakumar Seethapathy" userId="5decaead7f3560f2" providerId="LiveId" clId="{6902DEF2-52FE-4651-AA79-7ECBF5D35358}" dt="2022-03-16T17:00:59.332" v="210" actId="26606"/>
+          <ac:spMkLst>
+            <pc:docMk/>
+            <pc:sldMk cId="2141327933" sldId="271"/>
+            <ac:spMk id="10" creationId="{7D20183A-0B1D-4A1F-89B1-ADBEDBC6E54E}"/>
+          </ac:spMkLst>
+        </pc:spChg>
+        <pc:spChg chg="add del">
+          <ac:chgData name="Balakumar Seethapathy" userId="5decaead7f3560f2" providerId="LiveId" clId="{6902DEF2-52FE-4651-AA79-7ECBF5D35358}" dt="2022-03-16T17:00:59.332" v="210" actId="26606"/>
+          <ac:spMkLst>
+            <pc:docMk/>
+            <pc:sldMk cId="2141327933" sldId="271"/>
+            <ac:spMk id="12" creationId="{131031D3-26CD-4214-A9A4-5857EFA15A0C}"/>
+          </ac:spMkLst>
+        </pc:spChg>
+        <pc:spChg chg="add del">
+          <ac:chgData name="Balakumar Seethapathy" userId="5decaead7f3560f2" providerId="LiveId" clId="{6902DEF2-52FE-4651-AA79-7ECBF5D35358}" dt="2022-03-16T17:00:49.237" v="205" actId="26606"/>
+          <ac:spMkLst>
+            <pc:docMk/>
+            <pc:sldMk cId="2141327933" sldId="271"/>
+            <ac:spMk id="17" creationId="{DD38EE57-B708-47C9-A4A4-E25F09FAB029}"/>
+          </ac:spMkLst>
+        </pc:spChg>
+        <pc:spChg chg="add del">
+          <ac:chgData name="Balakumar Seethapathy" userId="5decaead7f3560f2" providerId="LiveId" clId="{6902DEF2-52FE-4651-AA79-7ECBF5D35358}" dt="2022-03-16T17:00:50.891" v="207" actId="26606"/>
+          <ac:spMkLst>
+            <pc:docMk/>
+            <pc:sldMk cId="2141327933" sldId="271"/>
+            <ac:spMk id="25" creationId="{131031D3-26CD-4214-A9A4-5857EFA15A0C}"/>
+          </ac:spMkLst>
+        </pc:spChg>
+        <pc:spChg chg="add del">
+          <ac:chgData name="Balakumar Seethapathy" userId="5decaead7f3560f2" providerId="LiveId" clId="{6902DEF2-52FE-4651-AA79-7ECBF5D35358}" dt="2022-03-16T17:00:50.891" v="207" actId="26606"/>
+          <ac:spMkLst>
+            <pc:docMk/>
+            <pc:sldMk cId="2141327933" sldId="271"/>
+            <ac:spMk id="26" creationId="{B5FA7C47-B7C1-4D2E-AB49-ED23BA34BA83}"/>
+          </ac:spMkLst>
+        </pc:spChg>
+        <pc:spChg chg="add del">
+          <ac:chgData name="Balakumar Seethapathy" userId="5decaead7f3560f2" providerId="LiveId" clId="{6902DEF2-52FE-4651-AA79-7ECBF5D35358}" dt="2022-03-16T17:00:50.891" v="207" actId="26606"/>
+          <ac:spMkLst>
+            <pc:docMk/>
+            <pc:sldMk cId="2141327933" sldId="271"/>
+            <ac:spMk id="27" creationId="{596EE156-ABF1-4329-A6BA-03B4254E0877}"/>
+          </ac:spMkLst>
+        </pc:spChg>
+        <pc:spChg chg="add del">
+          <ac:chgData name="Balakumar Seethapathy" userId="5decaead7f3560f2" providerId="LiveId" clId="{6902DEF2-52FE-4651-AA79-7ECBF5D35358}" dt="2022-03-16T17:00:50.891" v="207" actId="26606"/>
+          <ac:spMkLst>
+            <pc:docMk/>
+            <pc:sldMk cId="2141327933" sldId="271"/>
+            <ac:spMk id="28" creationId="{19B9933F-AAB3-444A-8BB5-9CA194A8BC63}"/>
+          </ac:spMkLst>
+        </pc:spChg>
+        <pc:spChg chg="add del">
+          <ac:chgData name="Balakumar Seethapathy" userId="5decaead7f3560f2" providerId="LiveId" clId="{6902DEF2-52FE-4651-AA79-7ECBF5D35358}" dt="2022-03-16T17:00:50.891" v="207" actId="26606"/>
+          <ac:spMkLst>
+            <pc:docMk/>
+            <pc:sldMk cId="2141327933" sldId="271"/>
+            <ac:spMk id="29" creationId="{7D20183A-0B1D-4A1F-89B1-ADBEDBC6E54E}"/>
+          </ac:spMkLst>
+        </pc:spChg>
+        <pc:spChg chg="add del">
+          <ac:chgData name="Balakumar Seethapathy" userId="5decaead7f3560f2" providerId="LiveId" clId="{6902DEF2-52FE-4651-AA79-7ECBF5D35358}" dt="2022-03-16T17:00:59.276" v="209" actId="26606"/>
+          <ac:spMkLst>
+            <pc:docMk/>
+            <pc:sldMk cId="2141327933" sldId="271"/>
+            <ac:spMk id="31" creationId="{DD38EE57-B708-47C9-A4A4-E25F09FAB029}"/>
+          </ac:spMkLst>
+        </pc:spChg>
+        <pc:spChg chg="add">
+          <ac:chgData name="Balakumar Seethapathy" userId="5decaead7f3560f2" providerId="LiveId" clId="{6902DEF2-52FE-4651-AA79-7ECBF5D35358}" dt="2022-03-16T17:00:59.332" v="210" actId="26606"/>
+          <ac:spMkLst>
+            <pc:docMk/>
+            <pc:sldMk cId="2141327933" sldId="271"/>
+            <ac:spMk id="34" creationId="{B5FA7C47-B7C1-4D2E-AB49-ED23BA34BA83}"/>
+          </ac:spMkLst>
+        </pc:spChg>
+        <pc:spChg chg="add">
+          <ac:chgData name="Balakumar Seethapathy" userId="5decaead7f3560f2" providerId="LiveId" clId="{6902DEF2-52FE-4651-AA79-7ECBF5D35358}" dt="2022-03-16T17:00:59.332" v="210" actId="26606"/>
+          <ac:spMkLst>
+            <pc:docMk/>
+            <pc:sldMk cId="2141327933" sldId="271"/>
+            <ac:spMk id="35" creationId="{596EE156-ABF1-4329-A6BA-03B4254E0877}"/>
+          </ac:spMkLst>
+        </pc:spChg>
+        <pc:spChg chg="add">
+          <ac:chgData name="Balakumar Seethapathy" userId="5decaead7f3560f2" providerId="LiveId" clId="{6902DEF2-52FE-4651-AA79-7ECBF5D35358}" dt="2022-03-16T17:00:59.332" v="210" actId="26606"/>
+          <ac:spMkLst>
+            <pc:docMk/>
+            <pc:sldMk cId="2141327933" sldId="271"/>
+            <ac:spMk id="36" creationId="{19B9933F-AAB3-444A-8BB5-9CA194A8BC63}"/>
+          </ac:spMkLst>
+        </pc:spChg>
+        <pc:spChg chg="add">
+          <ac:chgData name="Balakumar Seethapathy" userId="5decaead7f3560f2" providerId="LiveId" clId="{6902DEF2-52FE-4651-AA79-7ECBF5D35358}" dt="2022-03-16T17:00:59.332" v="210" actId="26606"/>
+          <ac:spMkLst>
+            <pc:docMk/>
+            <pc:sldMk cId="2141327933" sldId="271"/>
+            <ac:spMk id="37" creationId="{7D20183A-0B1D-4A1F-89B1-ADBEDBC6E54E}"/>
+          </ac:spMkLst>
+        </pc:spChg>
+        <pc:spChg chg="add">
+          <ac:chgData name="Balakumar Seethapathy" userId="5decaead7f3560f2" providerId="LiveId" clId="{6902DEF2-52FE-4651-AA79-7ECBF5D35358}" dt="2022-03-16T17:00:59.332" v="210" actId="26606"/>
+          <ac:spMkLst>
+            <pc:docMk/>
+            <pc:sldMk cId="2141327933" sldId="271"/>
+            <ac:spMk id="38" creationId="{131031D3-26CD-4214-A9A4-5857EFA15A0C}"/>
+          </ac:spMkLst>
+        </pc:spChg>
+        <pc:grpChg chg="add del">
+          <ac:chgData name="Balakumar Seethapathy" userId="5decaead7f3560f2" providerId="LiveId" clId="{6902DEF2-52FE-4651-AA79-7ECBF5D35358}" dt="2022-03-16T17:00:49.237" v="205" actId="26606"/>
+          <ac:grpSpMkLst>
+            <pc:docMk/>
+            <pc:sldMk cId="2141327933" sldId="271"/>
+            <ac:grpSpMk id="19" creationId="{57A28182-58A5-4DBB-8F64-BD944BCA8154}"/>
+          </ac:grpSpMkLst>
+        </pc:grpChg>
+        <pc:grpChg chg="add del">
+          <ac:chgData name="Balakumar Seethapathy" userId="5decaead7f3560f2" providerId="LiveId" clId="{6902DEF2-52FE-4651-AA79-7ECBF5D35358}" dt="2022-03-16T17:00:59.276" v="209" actId="26606"/>
+          <ac:grpSpMkLst>
+            <pc:docMk/>
+            <pc:sldMk cId="2141327933" sldId="271"/>
+            <ac:grpSpMk id="32" creationId="{57A28182-58A5-4DBB-8F64-BD944BCA8154}"/>
+          </ac:grpSpMkLst>
+        </pc:grpChg>
+        <pc:graphicFrameChg chg="del modGraphic">
+          <ac:chgData name="Balakumar Seethapathy" userId="5decaead7f3560f2" providerId="LiveId" clId="{6902DEF2-52FE-4651-AA79-7ECBF5D35358}" dt="2022-03-16T17:00:39.175" v="202" actId="478"/>
+          <ac:graphicFrameMkLst>
+            <pc:docMk/>
+            <pc:sldMk cId="2141327933" sldId="271"/>
+            <ac:graphicFrameMk id="4" creationId="{34FAA2E2-C2D5-43A1-9AB3-CA811D6915D1}"/>
+          </ac:graphicFrameMkLst>
+        </pc:graphicFrameChg>
+        <pc:graphicFrameChg chg="add mod modGraphic">
+          <ac:chgData name="Balakumar Seethapathy" userId="5decaead7f3560f2" providerId="LiveId" clId="{6902DEF2-52FE-4651-AA79-7ECBF5D35358}" dt="2022-03-16T17:00:59.332" v="210" actId="26606"/>
+          <ac:graphicFrameMkLst>
+            <pc:docMk/>
+            <pc:sldMk cId="2141327933" sldId="271"/>
+            <ac:graphicFrameMk id="5" creationId="{1C9E1619-A40E-47E8-91CC-94773C49F91E}"/>
+          </ac:graphicFrameMkLst>
+        </pc:graphicFrameChg>
+      </pc:sldChg>
+    </pc:docChg>
+  </pc:docChgLst>
+</pc:chgInfo>
 </file>
 
 <file path=ppt/slideLayouts/slideLayout1.xml><?xml version="1.0" encoding="utf-8"?>
@@ -8045,7 +8811,7 @@
         </p:spPr>
         <p:txBody>
           <a:bodyPr>
-            <a:normAutofit/>
+            <a:normAutofit fontScale="92500" lnSpcReduction="20000"/>
           </a:bodyPr>
           <a:lstStyle/>
           <a:p>
@@ -8067,7 +8833,7 @@
                 <a:ea typeface="Times New Roman" panose="02020603050405020304" pitchFamily="18" charset="0"/>
                 <a:cs typeface="Times New Roman" panose="02020603050405020304" pitchFamily="18" charset="0"/>
               </a:rPr>
-              <a:t>Seasonal Aspect, Demand is:</a:t>
+              <a:t>Seasonal Aspect, Demand is:                                1:spring, 2:summer, 3:fall, 4:winter</a:t>
             </a:r>
             <a:endParaRPr lang="en-IN" sz="1900" dirty="0">
               <a:effectLst/>
@@ -8179,7 +8945,7 @@
                 <a:ea typeface="Times New Roman" panose="02020603050405020304" pitchFamily="18" charset="0"/>
                 <a:cs typeface="Times New Roman" panose="02020603050405020304" pitchFamily="18" charset="0"/>
               </a:rPr>
-              <a:t>Weather Situation, Demand is:</a:t>
+              <a:t>Weather Situation, Demand is:                                        1: Clear Sky, 2: Cloudy, 3: Light Snow</a:t>
             </a:r>
             <a:endParaRPr lang="en-IN" sz="1900" dirty="0">
               <a:effectLst/>
@@ -9445,12 +10211,12 @@
           <a:chExt cx="0" cy="0"/>
         </a:xfrm>
       </p:grpSpPr>
-      <p:sp>
+      <p:sp useBgFill="1">
         <p:nvSpPr>
-          <p:cNvPr id="11" name="Freeform: Shape 10">
+          <p:cNvPr id="63" name="Rectangle 62">
             <a:extLst>
               <a:ext uri="{FF2B5EF4-FFF2-40B4-BE49-F238E27FC236}">
-                <a16:creationId xmlns:a16="http://schemas.microsoft.com/office/drawing/2014/main" id="{42285737-90EE-47DC-AC80-8AE156B11969}"/>
+                <a16:creationId xmlns:a16="http://schemas.microsoft.com/office/drawing/2014/main" id="{E273CFC6-4BC9-4FFE-8361-FBFE61417A0B}"/>
               </a:ext>
               <a:ext uri="{C183D7F6-B498-43B3-948B-1728B52AA6E4}">
                 <adec:decorative xmlns:adec="http://schemas.microsoft.com/office/drawing/2017/decorative" val="1"/>
@@ -9469,104 +10235,13 @@
           </p:nvPr>
         </p:nvSpPr>
         <p:spPr>
-          <a:xfrm flipV="1">
-            <a:off x="-1" y="-1"/>
-            <a:ext cx="4403709" cy="6858001"/>
+          <a:xfrm>
+            <a:off x="0" y="0"/>
+            <a:ext cx="12188952" cy="6858000"/>
           </a:xfrm>
-          <a:custGeom>
+          <a:prstGeom prst="rect">
             <a:avLst/>
-            <a:gdLst>
-              <a:gd name="connsiteX0" fmla="*/ 3223890 w 4403709"/>
-              <a:gd name="connsiteY0" fmla="*/ 6858001 h 6858001"/>
-              <a:gd name="connsiteX1" fmla="*/ 4101908 w 4403709"/>
-              <a:gd name="connsiteY1" fmla="*/ 6858001 h 6858001"/>
-              <a:gd name="connsiteX2" fmla="*/ 3254950 w 4403709"/>
-              <a:gd name="connsiteY2" fmla="*/ 1599356 h 6858001"/>
-              <a:gd name="connsiteX3" fmla="*/ 3254950 w 4403709"/>
-              <a:gd name="connsiteY3" fmla="*/ 1594062 h 6858001"/>
-              <a:gd name="connsiteX4" fmla="*/ 4403709 w 4403709"/>
-              <a:gd name="connsiteY4" fmla="*/ 0 h 6858001"/>
-              <a:gd name="connsiteX5" fmla="*/ 3254950 w 4403709"/>
-              <a:gd name="connsiteY5" fmla="*/ 0 h 6858001"/>
-              <a:gd name="connsiteX6" fmla="*/ 2903520 w 4403709"/>
-              <a:gd name="connsiteY6" fmla="*/ 0 h 6858001"/>
-              <a:gd name="connsiteX7" fmla="*/ 0 w 4403709"/>
-              <a:gd name="connsiteY7" fmla="*/ 0 h 6858001"/>
-              <a:gd name="connsiteX8" fmla="*/ 0 w 4403709"/>
-              <a:gd name="connsiteY8" fmla="*/ 6858000 h 6858001"/>
-              <a:gd name="connsiteX9" fmla="*/ 3223890 w 4403709"/>
-              <a:gd name="connsiteY9" fmla="*/ 6858000 h 6858001"/>
-            </a:gdLst>
-            <a:ahLst/>
-            <a:cxnLst>
-              <a:cxn ang="0">
-                <a:pos x="connsiteX0" y="connsiteY0"/>
-              </a:cxn>
-              <a:cxn ang="0">
-                <a:pos x="connsiteX1" y="connsiteY1"/>
-              </a:cxn>
-              <a:cxn ang="0">
-                <a:pos x="connsiteX2" y="connsiteY2"/>
-              </a:cxn>
-              <a:cxn ang="0">
-                <a:pos x="connsiteX3" y="connsiteY3"/>
-              </a:cxn>
-              <a:cxn ang="0">
-                <a:pos x="connsiteX4" y="connsiteY4"/>
-              </a:cxn>
-              <a:cxn ang="0">
-                <a:pos x="connsiteX5" y="connsiteY5"/>
-              </a:cxn>
-              <a:cxn ang="0">
-                <a:pos x="connsiteX6" y="connsiteY6"/>
-              </a:cxn>
-              <a:cxn ang="0">
-                <a:pos x="connsiteX7" y="connsiteY7"/>
-              </a:cxn>
-              <a:cxn ang="0">
-                <a:pos x="connsiteX8" y="connsiteY8"/>
-              </a:cxn>
-              <a:cxn ang="0">
-                <a:pos x="connsiteX9" y="connsiteY9"/>
-              </a:cxn>
-            </a:cxnLst>
-            <a:rect l="l" t="t" r="r" b="b"/>
-            <a:pathLst>
-              <a:path w="4403709" h="6858001">
-                <a:moveTo>
-                  <a:pt x="3223890" y="6858001"/>
-                </a:moveTo>
-                <a:lnTo>
-                  <a:pt x="4101908" y="6858001"/>
-                </a:lnTo>
-                <a:lnTo>
-                  <a:pt x="3254950" y="1599356"/>
-                </a:lnTo>
-                <a:lnTo>
-                  <a:pt x="3254950" y="1594062"/>
-                </a:lnTo>
-                <a:lnTo>
-                  <a:pt x="4403709" y="0"/>
-                </a:lnTo>
-                <a:lnTo>
-                  <a:pt x="3254950" y="0"/>
-                </a:lnTo>
-                <a:lnTo>
-                  <a:pt x="2903520" y="0"/>
-                </a:lnTo>
-                <a:lnTo>
-                  <a:pt x="0" y="0"/>
-                </a:lnTo>
-                <a:lnTo>
-                  <a:pt x="0" y="6858000"/>
-                </a:lnTo>
-                <a:lnTo>
-                  <a:pt x="3223890" y="6858000"/>
-                </a:lnTo>
-                <a:close/>
-              </a:path>
-            </a:pathLst>
-          </a:custGeom>
+          </a:prstGeom>
           <a:ln>
             <a:noFill/>
           </a:ln>
@@ -9577,8 +10252,8 @@
               <a:shade val="50000"/>
             </a:schemeClr>
           </a:lnRef>
-          <a:fillRef idx="1002">
-            <a:schemeClr val="dk1"/>
+          <a:fillRef idx="1">
+            <a:schemeClr val="accent1"/>
           </a:fillRef>
           <a:effectRef idx="0">
             <a:schemeClr val="accent1"/>
@@ -9591,469 +10266,24 @@
           <a:bodyPr rtlCol="0" anchor="ctr"/>
           <a:lstStyle/>
           <a:p>
-            <a:pPr marL="0" marR="0" lvl="0" indent="0" algn="ctr" defTabSz="457200" rtl="0" eaLnBrk="1" fontAlgn="auto" latinLnBrk="0" hangingPunct="1">
-              <a:lnSpc>
-                <a:spcPct val="100000"/>
-              </a:lnSpc>
-              <a:spcBef>
-                <a:spcPts val="0"/>
-              </a:spcBef>
-              <a:spcAft>
-                <a:spcPts val="0"/>
-              </a:spcAft>
-              <a:buClrTx/>
-              <a:buSzTx/>
-              <a:buFontTx/>
-              <a:buNone/>
-              <a:tabLst/>
-              <a:defRPr/>
-            </a:pPr>
-            <a:endParaRPr kumimoji="0" lang="en-US" sz="1800" b="0" i="0" u="none" strike="noStrike" kern="1200" cap="none" spc="0" normalizeH="0" baseline="0" noProof="0">
-              <a:ln>
-                <a:noFill/>
-              </a:ln>
-              <a:solidFill>
-                <a:prstClr val="black"/>
-              </a:solidFill>
-              <a:effectLst/>
-              <a:uLnTx/>
-              <a:uFillTx/>
-              <a:latin typeface="Calibri" panose="020F0502020204030204"/>
-              <a:ea typeface="+mn-ea"/>
-              <a:cs typeface="+mn-cs"/>
-            </a:endParaRPr>
+            <a:pPr algn="ctr"/>
+            <a:endParaRPr lang="en-US"/>
           </a:p>
         </p:txBody>
       </p:sp>
-      <p:grpSp>
-        <p:nvGrpSpPr>
-          <p:cNvPr id="13" name="Group 12">
+      <p:pic>
+        <p:nvPicPr>
+          <p:cNvPr id="5" name="Picture 4">
             <a:extLst>
               <a:ext uri="{FF2B5EF4-FFF2-40B4-BE49-F238E27FC236}">
-                <a16:creationId xmlns:a16="http://schemas.microsoft.com/office/drawing/2014/main" id="{B57BDC17-F1B3-455F-BBF1-680AA1F25C06}"/>
-              </a:ext>
-              <a:ext uri="{C183D7F6-B498-43B3-948B-1728B52AA6E4}">
-                <adec:decorative xmlns:adec="http://schemas.microsoft.com/office/drawing/2017/decorative" val="1"/>
-              </a:ext>
-            </a:extLst>
-          </p:cNvPr>
-          <p:cNvGrpSpPr>
-            <a:grpSpLocks noGrp="1" noUngrp="1" noRot="1" noChangeAspect="1" noMove="1" noResize="1"/>
-          </p:cNvGrpSpPr>
-          <p:nvPr>
-            <p:extLst>
-              <p:ext uri="{386F3935-93C4-4BCD-93E2-E3B085C9AB24}">
-                <p16:designElem xmlns:p16="http://schemas.microsoft.com/office/powerpoint/2015/main" val="1"/>
-              </p:ext>
-            </p:extLst>
-          </p:nvPr>
-        </p:nvGrpSpPr>
-        <p:grpSpPr>
-          <a:xfrm>
-            <a:off x="3315292" y="0"/>
-            <a:ext cx="2436813" cy="6858001"/>
-            <a:chOff x="1320800" y="0"/>
-            <a:chExt cx="2436813" cy="6858001"/>
-          </a:xfrm>
-        </p:grpSpPr>
-        <p:sp>
-          <p:nvSpPr>
-            <p:cNvPr id="14" name="Freeform 6">
-              <a:extLst>
-                <a:ext uri="{FF2B5EF4-FFF2-40B4-BE49-F238E27FC236}">
-                  <a16:creationId xmlns:a16="http://schemas.microsoft.com/office/drawing/2014/main" id="{64E2FA9A-FEF7-4501-B0EB-5E45EDD2177A}"/>
-                </a:ext>
-                <a:ext uri="{C183D7F6-B498-43B3-948B-1728B52AA6E4}">
-                  <adec:decorative xmlns:adec="http://schemas.microsoft.com/office/drawing/2017/decorative" val="1"/>
-                </a:ext>
-              </a:extLst>
-            </p:cNvPr>
-            <p:cNvSpPr/>
-            <p:nvPr>
-              <p:extLst>
-                <p:ext uri="{386F3935-93C4-4BCD-93E2-E3B085C9AB24}">
-                  <p16:designElem xmlns:p16="http://schemas.microsoft.com/office/powerpoint/2015/main" val="1"/>
-                </p:ext>
-              </p:extLst>
-            </p:nvPr>
-          </p:nvSpPr>
-          <p:spPr bwMode="auto">
-            <a:xfrm>
-              <a:off x="1627188" y="0"/>
-              <a:ext cx="1122363" cy="5329238"/>
-            </a:xfrm>
-            <a:custGeom>
-              <a:avLst/>
-              <a:gdLst/>
-              <a:ahLst/>
-              <a:cxnLst/>
-              <a:rect l="0" t="0" r="r" b="b"/>
-              <a:pathLst>
-                <a:path w="707" h="3357">
-                  <a:moveTo>
-                    <a:pt x="0" y="3330"/>
-                  </a:moveTo>
-                  <a:lnTo>
-                    <a:pt x="156" y="3357"/>
-                  </a:lnTo>
-                  <a:lnTo>
-                    <a:pt x="707" y="0"/>
-                  </a:lnTo>
-                  <a:lnTo>
-                    <a:pt x="547" y="0"/>
-                  </a:lnTo>
-                  <a:lnTo>
-                    <a:pt x="0" y="3330"/>
-                  </a:lnTo>
-                  <a:close/>
-                </a:path>
-              </a:pathLst>
-            </a:custGeom>
-            <a:solidFill>
-              <a:schemeClr val="accent1"/>
-            </a:solidFill>
-            <a:ln>
-              <a:noFill/>
-            </a:ln>
-          </p:spPr>
-        </p:sp>
-        <p:sp>
-          <p:nvSpPr>
-            <p:cNvPr id="15" name="Freeform 7">
-              <a:extLst>
-                <a:ext uri="{FF2B5EF4-FFF2-40B4-BE49-F238E27FC236}">
-                  <a16:creationId xmlns:a16="http://schemas.microsoft.com/office/drawing/2014/main" id="{BC38192B-B4CB-47D4-A3B1-10010247F158}"/>
-                </a:ext>
-                <a:ext uri="{C183D7F6-B498-43B3-948B-1728B52AA6E4}">
-                  <adec:decorative xmlns:adec="http://schemas.microsoft.com/office/drawing/2017/decorative" val="1"/>
-                </a:ext>
-              </a:extLst>
-            </p:cNvPr>
-            <p:cNvSpPr/>
-            <p:nvPr>
-              <p:extLst>
-                <p:ext uri="{386F3935-93C4-4BCD-93E2-E3B085C9AB24}">
-                  <p16:designElem xmlns:p16="http://schemas.microsoft.com/office/powerpoint/2015/main" val="1"/>
-                </p:ext>
-              </p:extLst>
-            </p:nvPr>
-          </p:nvSpPr>
-          <p:spPr bwMode="auto">
-            <a:xfrm>
-              <a:off x="1320800" y="0"/>
-              <a:ext cx="1117600" cy="5276850"/>
-            </a:xfrm>
-            <a:custGeom>
-              <a:avLst/>
-              <a:gdLst/>
-              <a:ahLst/>
-              <a:cxnLst/>
-              <a:rect l="0" t="0" r="r" b="b"/>
-              <a:pathLst>
-                <a:path w="704" h="3324">
-                  <a:moveTo>
-                    <a:pt x="704" y="0"/>
-                  </a:moveTo>
-                  <a:lnTo>
-                    <a:pt x="545" y="0"/>
-                  </a:lnTo>
-                  <a:lnTo>
-                    <a:pt x="0" y="3300"/>
-                  </a:lnTo>
-                  <a:lnTo>
-                    <a:pt x="157" y="3324"/>
-                  </a:lnTo>
-                  <a:lnTo>
-                    <a:pt x="704" y="0"/>
-                  </a:lnTo>
-                  <a:close/>
-                </a:path>
-              </a:pathLst>
-            </a:custGeom>
-            <a:solidFill>
-              <a:srgbClr val="595959"/>
-            </a:solidFill>
-            <a:ln>
-              <a:noFill/>
-            </a:ln>
-          </p:spPr>
-        </p:sp>
-        <p:sp>
-          <p:nvSpPr>
-            <p:cNvPr id="16" name="Freeform 8">
-              <a:extLst>
-                <a:ext uri="{FF2B5EF4-FFF2-40B4-BE49-F238E27FC236}">
-                  <a16:creationId xmlns:a16="http://schemas.microsoft.com/office/drawing/2014/main" id="{96330E33-E171-4B0F-82B5-AF7230399B5C}"/>
-                </a:ext>
-                <a:ext uri="{C183D7F6-B498-43B3-948B-1728B52AA6E4}">
-                  <adec:decorative xmlns:adec="http://schemas.microsoft.com/office/drawing/2017/decorative" val="1"/>
-                </a:ext>
-              </a:extLst>
-            </p:cNvPr>
-            <p:cNvSpPr/>
-            <p:nvPr>
-              <p:extLst>
-                <p:ext uri="{386F3935-93C4-4BCD-93E2-E3B085C9AB24}">
-                  <p16:designElem xmlns:p16="http://schemas.microsoft.com/office/powerpoint/2015/main" val="1"/>
-                </p:ext>
-              </p:extLst>
-            </p:nvPr>
-          </p:nvSpPr>
-          <p:spPr bwMode="auto">
-            <a:xfrm>
-              <a:off x="1320800" y="5238750"/>
-              <a:ext cx="1228725" cy="1619250"/>
-            </a:xfrm>
-            <a:custGeom>
-              <a:avLst/>
-              <a:gdLst/>
-              <a:ahLst/>
-              <a:cxnLst/>
-              <a:rect l="0" t="0" r="r" b="b"/>
-              <a:pathLst>
-                <a:path w="774" h="1020">
-                  <a:moveTo>
-                    <a:pt x="0" y="0"/>
-                  </a:moveTo>
-                  <a:lnTo>
-                    <a:pt x="740" y="1020"/>
-                  </a:lnTo>
-                  <a:lnTo>
-                    <a:pt x="774" y="1020"/>
-                  </a:lnTo>
-                  <a:lnTo>
-                    <a:pt x="0" y="0"/>
-                  </a:lnTo>
-                  <a:close/>
-                </a:path>
-              </a:pathLst>
-            </a:custGeom>
-            <a:solidFill>
-              <a:srgbClr val="262626"/>
-            </a:solidFill>
-            <a:ln>
-              <a:noFill/>
-            </a:ln>
-          </p:spPr>
-        </p:sp>
-        <p:sp>
-          <p:nvSpPr>
-            <p:cNvPr id="17" name="Freeform 9">
-              <a:extLst>
-                <a:ext uri="{FF2B5EF4-FFF2-40B4-BE49-F238E27FC236}">
-                  <a16:creationId xmlns:a16="http://schemas.microsoft.com/office/drawing/2014/main" id="{332B1723-69BF-42D7-B757-0FA059E15256}"/>
-                </a:ext>
-                <a:ext uri="{C183D7F6-B498-43B3-948B-1728B52AA6E4}">
-                  <adec:decorative xmlns:adec="http://schemas.microsoft.com/office/drawing/2017/decorative" val="1"/>
-                </a:ext>
-              </a:extLst>
-            </p:cNvPr>
-            <p:cNvSpPr/>
-            <p:nvPr>
-              <p:extLst>
-                <p:ext uri="{386F3935-93C4-4BCD-93E2-E3B085C9AB24}">
-                  <p16:designElem xmlns:p16="http://schemas.microsoft.com/office/powerpoint/2015/main" val="1"/>
-                </p:ext>
-              </p:extLst>
-            </p:nvPr>
-          </p:nvSpPr>
-          <p:spPr bwMode="auto">
-            <a:xfrm>
-              <a:off x="1627188" y="5291138"/>
-              <a:ext cx="1495425" cy="1566863"/>
-            </a:xfrm>
-            <a:custGeom>
-              <a:avLst/>
-              <a:gdLst/>
-              <a:ahLst/>
-              <a:cxnLst/>
-              <a:rect l="0" t="0" r="r" b="b"/>
-              <a:pathLst>
-                <a:path w="942" h="987">
-                  <a:moveTo>
-                    <a:pt x="0" y="0"/>
-                  </a:moveTo>
-                  <a:lnTo>
-                    <a:pt x="909" y="987"/>
-                  </a:lnTo>
-                  <a:lnTo>
-                    <a:pt x="942" y="987"/>
-                  </a:lnTo>
-                  <a:lnTo>
-                    <a:pt x="0" y="0"/>
-                  </a:lnTo>
-                  <a:close/>
-                </a:path>
-              </a:pathLst>
-            </a:custGeom>
-            <a:solidFill>
-              <a:schemeClr val="accent1">
-                <a:lumMod val="50000"/>
-              </a:schemeClr>
-            </a:solidFill>
-            <a:ln>
-              <a:noFill/>
-            </a:ln>
-          </p:spPr>
-        </p:sp>
-        <p:sp>
-          <p:nvSpPr>
-            <p:cNvPr id="18" name="Freeform 10">
-              <a:extLst>
-                <a:ext uri="{FF2B5EF4-FFF2-40B4-BE49-F238E27FC236}">
-                  <a16:creationId xmlns:a16="http://schemas.microsoft.com/office/drawing/2014/main" id="{F115D62D-1E96-48D1-A78D-D370A0BFB9B5}"/>
-                </a:ext>
-                <a:ext uri="{C183D7F6-B498-43B3-948B-1728B52AA6E4}">
-                  <adec:decorative xmlns:adec="http://schemas.microsoft.com/office/drawing/2017/decorative" val="1"/>
-                </a:ext>
-              </a:extLst>
-            </p:cNvPr>
-            <p:cNvSpPr/>
-            <p:nvPr>
-              <p:extLst>
-                <p:ext uri="{386F3935-93C4-4BCD-93E2-E3B085C9AB24}">
-                  <p16:designElem xmlns:p16="http://schemas.microsoft.com/office/powerpoint/2015/main" val="1"/>
-                </p:ext>
-              </p:extLst>
-            </p:nvPr>
-          </p:nvSpPr>
-          <p:spPr bwMode="auto">
-            <a:xfrm>
-              <a:off x="1627188" y="5286375"/>
-              <a:ext cx="2130425" cy="1571625"/>
-            </a:xfrm>
-            <a:custGeom>
-              <a:avLst/>
-              <a:gdLst/>
-              <a:ahLst/>
-              <a:cxnLst/>
-              <a:rect l="0" t="0" r="r" b="b"/>
-              <a:pathLst>
-                <a:path w="1342" h="990">
-                  <a:moveTo>
-                    <a:pt x="0" y="3"/>
-                  </a:moveTo>
-                  <a:lnTo>
-                    <a:pt x="942" y="990"/>
-                  </a:lnTo>
-                  <a:lnTo>
-                    <a:pt x="1342" y="990"/>
-                  </a:lnTo>
-                  <a:lnTo>
-                    <a:pt x="156" y="27"/>
-                  </a:lnTo>
-                  <a:lnTo>
-                    <a:pt x="0" y="0"/>
-                  </a:lnTo>
-                  <a:lnTo>
-                    <a:pt x="0" y="3"/>
-                  </a:lnTo>
-                  <a:close/>
-                </a:path>
-              </a:pathLst>
-            </a:custGeom>
-            <a:solidFill>
-              <a:schemeClr val="accent1">
-                <a:lumMod val="75000"/>
-              </a:schemeClr>
-            </a:solidFill>
-            <a:ln>
-              <a:noFill/>
-            </a:ln>
-          </p:spPr>
-        </p:sp>
-        <p:sp>
-          <p:nvSpPr>
-            <p:cNvPr id="19" name="Freeform 11">
-              <a:extLst>
-                <a:ext uri="{FF2B5EF4-FFF2-40B4-BE49-F238E27FC236}">
-                  <a16:creationId xmlns:a16="http://schemas.microsoft.com/office/drawing/2014/main" id="{91C2876A-169D-4822-A766-C00578C88B4B}"/>
-                </a:ext>
-                <a:ext uri="{C183D7F6-B498-43B3-948B-1728B52AA6E4}">
-                  <adec:decorative xmlns:adec="http://schemas.microsoft.com/office/drawing/2017/decorative" val="1"/>
-                </a:ext>
-              </a:extLst>
-            </p:cNvPr>
-            <p:cNvSpPr/>
-            <p:nvPr>
-              <p:extLst>
-                <p:ext uri="{386F3935-93C4-4BCD-93E2-E3B085C9AB24}">
-                  <p16:designElem xmlns:p16="http://schemas.microsoft.com/office/powerpoint/2015/main" val="1"/>
-                </p:ext>
-              </p:extLst>
-            </p:nvPr>
-          </p:nvSpPr>
-          <p:spPr bwMode="auto">
-            <a:xfrm>
-              <a:off x="1320800" y="5238750"/>
-              <a:ext cx="1695450" cy="1619250"/>
-            </a:xfrm>
-            <a:custGeom>
-              <a:avLst/>
-              <a:gdLst/>
-              <a:ahLst/>
-              <a:cxnLst/>
-              <a:rect l="0" t="0" r="r" b="b"/>
-              <a:pathLst>
-                <a:path w="1068" h="1020">
-                  <a:moveTo>
-                    <a:pt x="1068" y="1020"/>
-                  </a:moveTo>
-                  <a:lnTo>
-                    <a:pt x="184" y="60"/>
-                  </a:lnTo>
-                  <a:lnTo>
-                    <a:pt x="154" y="27"/>
-                  </a:lnTo>
-                  <a:lnTo>
-                    <a:pt x="157" y="27"/>
-                  </a:lnTo>
-                  <a:lnTo>
-                    <a:pt x="157" y="24"/>
-                  </a:lnTo>
-                  <a:lnTo>
-                    <a:pt x="154" y="24"/>
-                  </a:lnTo>
-                  <a:lnTo>
-                    <a:pt x="0" y="0"/>
-                  </a:lnTo>
-                  <a:lnTo>
-                    <a:pt x="0" y="0"/>
-                  </a:lnTo>
-                  <a:lnTo>
-                    <a:pt x="774" y="1020"/>
-                  </a:lnTo>
-                  <a:lnTo>
-                    <a:pt x="1068" y="1020"/>
-                  </a:lnTo>
-                  <a:close/>
-                </a:path>
-              </a:pathLst>
-            </a:custGeom>
-            <a:solidFill>
-              <a:srgbClr val="404040"/>
-            </a:solidFill>
-            <a:ln>
-              <a:noFill/>
-            </a:ln>
-          </p:spPr>
-        </p:sp>
-      </p:grpSp>
-      <p:pic>
-        <p:nvPicPr>
-          <p:cNvPr id="4" name="Content Placeholder 3" descr="Graphical user interface, table&#10;&#10;Description automatically generated">
-            <a:extLst>
-              <a:ext uri="{FF2B5EF4-FFF2-40B4-BE49-F238E27FC236}">
-                <a16:creationId xmlns:a16="http://schemas.microsoft.com/office/drawing/2014/main" id="{D390E12E-5C93-4D5C-8437-DD13A74A1BAD}"/>
+                <a16:creationId xmlns:a16="http://schemas.microsoft.com/office/drawing/2014/main" id="{7572F8BE-DC51-459E-AEBB-CB0538FB4A13}"/>
               </a:ext>
             </a:extLst>
           </p:cNvPr>
           <p:cNvPicPr>
-            <a:picLocks noGrp="1" noChangeAspect="1"/>
+            <a:picLocks noChangeAspect="1"/>
           </p:cNvPicPr>
-          <p:nvPr>
-            <p:ph idx="1"/>
-          </p:nvPr>
+          <p:nvPr/>
         </p:nvPicPr>
         <p:blipFill>
           <a:blip r:embed="rId2"/>
@@ -10063,8 +10293,8 @@
         </p:blipFill>
         <p:spPr>
           <a:xfrm>
-            <a:off x="5010150" y="685800"/>
-            <a:ext cx="3140075" cy="5103813"/>
+            <a:off x="804101" y="876841"/>
+            <a:ext cx="3179261" cy="5104318"/>
           </a:xfrm>
           <a:prstGeom prst="rect">
             <a:avLst/>
@@ -10073,10 +10303,10 @@
       </p:pic>
       <p:pic>
         <p:nvPicPr>
-          <p:cNvPr id="6" name="Picture 5">
+          <p:cNvPr id="10" name="Picture 9">
             <a:extLst>
               <a:ext uri="{FF2B5EF4-FFF2-40B4-BE49-F238E27FC236}">
-                <a16:creationId xmlns:a16="http://schemas.microsoft.com/office/drawing/2014/main" id="{68760049-F4ED-458D-A43B-A8C7B3D6E86A}"/>
+                <a16:creationId xmlns:a16="http://schemas.microsoft.com/office/drawing/2014/main" id="{D027F487-B199-47E8-B62A-84B7B6F0AFD6}"/>
               </a:ext>
             </a:extLst>
           </p:cNvPr>
@@ -10093,14 +10323,270 @@
         </p:blipFill>
         <p:spPr>
           <a:xfrm>
-            <a:off x="8213725" y="685800"/>
-            <a:ext cx="3289300" cy="5103813"/>
+            <a:off x="4224012" y="804101"/>
+            <a:ext cx="3019696" cy="5251646"/>
           </a:xfrm>
           <a:prstGeom prst="rect">
             <a:avLst/>
           </a:prstGeom>
         </p:spPr>
       </p:pic>
+      <p:sp>
+        <p:nvSpPr>
+          <p:cNvPr id="65" name="Freeform 6">
+            <a:extLst>
+              <a:ext uri="{FF2B5EF4-FFF2-40B4-BE49-F238E27FC236}">
+                <a16:creationId xmlns:a16="http://schemas.microsoft.com/office/drawing/2014/main" id="{C48CB8C7-4970-4395-A8AB-5D3774D91A0A}"/>
+              </a:ext>
+              <a:ext uri="{C183D7F6-B498-43B3-948B-1728B52AA6E4}">
+                <adec:decorative xmlns:adec="http://schemas.microsoft.com/office/drawing/2017/decorative" val="1"/>
+              </a:ext>
+            </a:extLst>
+          </p:cNvPr>
+          <p:cNvSpPr>
+            <a:spLocks noGrp="1" noRot="1" noChangeAspect="1" noMove="1" noResize="1" noEditPoints="1" noAdjustHandles="1" noChangeArrowheads="1" noChangeShapeType="1" noTextEdit="1"/>
+          </p:cNvSpPr>
+          <p:nvPr>
+            <p:extLst>
+              <p:ext uri="{386F3935-93C4-4BCD-93E2-E3B085C9AB24}">
+                <p16:designElem xmlns:p16="http://schemas.microsoft.com/office/powerpoint/2015/main" val="1"/>
+              </p:ext>
+            </p:extLst>
+          </p:nvPr>
+        </p:nvSpPr>
+        <p:spPr bwMode="auto">
+          <a:xfrm>
+            <a:off x="10989586" y="1070835"/>
+            <a:ext cx="687754" cy="5710965"/>
+          </a:xfrm>
+          <a:custGeom>
+            <a:avLst/>
+            <a:gdLst>
+              <a:gd name="T0" fmla="*/ 414 w 414"/>
+              <a:gd name="T1" fmla="*/ 2447 h 2447"/>
+              <a:gd name="T2" fmla="*/ 0 w 414"/>
+              <a:gd name="T3" fmla="*/ 2247 h 2447"/>
+              <a:gd name="T4" fmla="*/ 0 w 414"/>
+              <a:gd name="T5" fmla="*/ 0 h 2447"/>
+              <a:gd name="T6" fmla="*/ 414 w 414"/>
+              <a:gd name="T7" fmla="*/ 200 h 2447"/>
+              <a:gd name="T8" fmla="*/ 414 w 414"/>
+              <a:gd name="T9" fmla="*/ 2447 h 2447"/>
+            </a:gdLst>
+            <a:ahLst/>
+            <a:cxnLst>
+              <a:cxn ang="0">
+                <a:pos x="T0" y="T1"/>
+              </a:cxn>
+              <a:cxn ang="0">
+                <a:pos x="T2" y="T3"/>
+              </a:cxn>
+              <a:cxn ang="0">
+                <a:pos x="T4" y="T5"/>
+              </a:cxn>
+              <a:cxn ang="0">
+                <a:pos x="T6" y="T7"/>
+              </a:cxn>
+              <a:cxn ang="0">
+                <a:pos x="T8" y="T9"/>
+              </a:cxn>
+            </a:cxnLst>
+            <a:rect l="0" t="0" r="r" b="b"/>
+            <a:pathLst>
+              <a:path w="414" h="2447">
+                <a:moveTo>
+                  <a:pt x="414" y="2447"/>
+                </a:moveTo>
+                <a:lnTo>
+                  <a:pt x="0" y="2247"/>
+                </a:lnTo>
+                <a:lnTo>
+                  <a:pt x="0" y="0"/>
+                </a:lnTo>
+                <a:lnTo>
+                  <a:pt x="414" y="200"/>
+                </a:lnTo>
+                <a:lnTo>
+                  <a:pt x="414" y="2447"/>
+                </a:lnTo>
+                <a:close/>
+              </a:path>
+            </a:pathLst>
+          </a:custGeom>
+          <a:solidFill>
+            <a:schemeClr val="accent1">
+              <a:lumMod val="75000"/>
+            </a:schemeClr>
+          </a:solidFill>
+          <a:ln>
+            <a:noFill/>
+          </a:ln>
+        </p:spPr>
+        <p:txBody>
+          <a:bodyPr vert="horz" wrap="square" lIns="91440" tIns="45720" rIns="91440" bIns="45720" numCol="1" anchor="t" anchorCtr="0" compatLnSpc="1">
+            <a:prstTxWarp prst="textNoShape">
+              <a:avLst/>
+            </a:prstTxWarp>
+          </a:bodyPr>
+          <a:lstStyle/>
+          <a:p>
+            <a:endParaRPr lang="en-US"/>
+          </a:p>
+        </p:txBody>
+      </p:sp>
+      <p:sp>
+        <p:nvSpPr>
+          <p:cNvPr id="67" name="Freeform 7">
+            <a:extLst>
+              <a:ext uri="{FF2B5EF4-FFF2-40B4-BE49-F238E27FC236}">
+                <a16:creationId xmlns:a16="http://schemas.microsoft.com/office/drawing/2014/main" id="{9D919DD6-6BB7-45C3-9500-A7448E149B0C}"/>
+              </a:ext>
+              <a:ext uri="{C183D7F6-B498-43B3-948B-1728B52AA6E4}">
+                <adec:decorative xmlns:adec="http://schemas.microsoft.com/office/drawing/2017/decorative" val="1"/>
+              </a:ext>
+            </a:extLst>
+          </p:cNvPr>
+          <p:cNvSpPr>
+            <a:spLocks noGrp="1" noRot="1" noChangeAspect="1" noMove="1" noResize="1" noEditPoints="1" noAdjustHandles="1" noChangeArrowheads="1" noChangeShapeType="1" noTextEdit="1"/>
+          </p:cNvSpPr>
+          <p:nvPr>
+            <p:extLst>
+              <p:ext uri="{386F3935-93C4-4BCD-93E2-E3B085C9AB24}">
+                <p16:designElem xmlns:p16="http://schemas.microsoft.com/office/powerpoint/2015/main" val="1"/>
+              </p:ext>
+            </p:extLst>
+          </p:nvPr>
+        </p:nvSpPr>
+        <p:spPr bwMode="auto">
+          <a:xfrm>
+            <a:off x="10988949" y="803186"/>
+            <a:ext cx="409371" cy="5521414"/>
+          </a:xfrm>
+          <a:custGeom>
+            <a:avLst/>
+            <a:gdLst>
+              <a:gd name="T0" fmla="*/ 209 w 209"/>
+              <a:gd name="T1" fmla="*/ 2246 h 2358"/>
+              <a:gd name="T2" fmla="*/ 0 w 209"/>
+              <a:gd name="T3" fmla="*/ 2358 h 2358"/>
+              <a:gd name="T4" fmla="*/ 0 w 209"/>
+              <a:gd name="T5" fmla="*/ 111 h 2358"/>
+              <a:gd name="T6" fmla="*/ 209 w 209"/>
+              <a:gd name="T7" fmla="*/ 0 h 2358"/>
+              <a:gd name="T8" fmla="*/ 209 w 209"/>
+              <a:gd name="T9" fmla="*/ 2246 h 2358"/>
+            </a:gdLst>
+            <a:ahLst/>
+            <a:cxnLst>
+              <a:cxn ang="0">
+                <a:pos x="T0" y="T1"/>
+              </a:cxn>
+              <a:cxn ang="0">
+                <a:pos x="T2" y="T3"/>
+              </a:cxn>
+              <a:cxn ang="0">
+                <a:pos x="T4" y="T5"/>
+              </a:cxn>
+              <a:cxn ang="0">
+                <a:pos x="T6" y="T7"/>
+              </a:cxn>
+              <a:cxn ang="0">
+                <a:pos x="T8" y="T9"/>
+              </a:cxn>
+            </a:cxnLst>
+            <a:rect l="0" t="0" r="r" b="b"/>
+            <a:pathLst>
+              <a:path w="209" h="2358">
+                <a:moveTo>
+                  <a:pt x="209" y="2246"/>
+                </a:moveTo>
+                <a:lnTo>
+                  <a:pt x="0" y="2358"/>
+                </a:lnTo>
+                <a:lnTo>
+                  <a:pt x="0" y="111"/>
+                </a:lnTo>
+                <a:lnTo>
+                  <a:pt x="209" y="0"/>
+                </a:lnTo>
+                <a:lnTo>
+                  <a:pt x="209" y="2246"/>
+                </a:lnTo>
+                <a:close/>
+              </a:path>
+            </a:pathLst>
+          </a:custGeom>
+          <a:solidFill>
+            <a:schemeClr val="accent1">
+              <a:lumMod val="50000"/>
+            </a:schemeClr>
+          </a:solidFill>
+          <a:ln>
+            <a:noFill/>
+          </a:ln>
+        </p:spPr>
+        <p:txBody>
+          <a:bodyPr vert="horz" wrap="square" lIns="91440" tIns="45720" rIns="91440" bIns="45720" numCol="1" anchor="t" anchorCtr="0" compatLnSpc="1">
+            <a:prstTxWarp prst="textNoShape">
+              <a:avLst/>
+            </a:prstTxWarp>
+          </a:bodyPr>
+          <a:lstStyle/>
+          <a:p>
+            <a:endParaRPr lang="en-US"/>
+          </a:p>
+        </p:txBody>
+      </p:sp>
+      <p:sp>
+        <p:nvSpPr>
+          <p:cNvPr id="69" name="Rectangle 8">
+            <a:extLst>
+              <a:ext uri="{FF2B5EF4-FFF2-40B4-BE49-F238E27FC236}">
+                <a16:creationId xmlns:a16="http://schemas.microsoft.com/office/drawing/2014/main" id="{17DD09DE-0DA8-44FF-9FF1-1BE6F302EA46}"/>
+              </a:ext>
+              <a:ext uri="{C183D7F6-B498-43B3-948B-1728B52AA6E4}">
+                <adec:decorative xmlns:adec="http://schemas.microsoft.com/office/drawing/2017/decorative" val="1"/>
+              </a:ext>
+            </a:extLst>
+          </p:cNvPr>
+          <p:cNvSpPr>
+            <a:spLocks noGrp="1" noRot="1" noChangeAspect="1" noMove="1" noResize="1" noEditPoints="1" noAdjustHandles="1" noChangeArrowheads="1" noChangeShapeType="1" noTextEdit="1"/>
+          </p:cNvSpPr>
+          <p:nvPr>
+            <p:extLst>
+              <p:ext uri="{386F3935-93C4-4BCD-93E2-E3B085C9AB24}">
+                <p16:designElem xmlns:p16="http://schemas.microsoft.com/office/powerpoint/2015/main" val="1"/>
+              </p:ext>
+            </p:extLst>
+          </p:nvPr>
+        </p:nvSpPr>
+        <p:spPr bwMode="auto">
+          <a:xfrm>
+            <a:off x="7513372" y="804101"/>
+            <a:ext cx="3880238" cy="5251646"/>
+          </a:xfrm>
+          <a:prstGeom prst="rect">
+            <a:avLst/>
+          </a:prstGeom>
+          <a:solidFill>
+            <a:schemeClr val="accent1"/>
+          </a:solidFill>
+          <a:ln>
+            <a:noFill/>
+          </a:ln>
+        </p:spPr>
+        <p:txBody>
+          <a:bodyPr vert="horz" wrap="square" lIns="91440" tIns="45720" rIns="91440" bIns="45720" numCol="1" anchor="t" anchorCtr="0" compatLnSpc="1">
+            <a:prstTxWarp prst="textNoShape">
+              <a:avLst/>
+            </a:prstTxWarp>
+          </a:bodyPr>
+          <a:lstStyle/>
+          <a:p>
+            <a:endParaRPr lang="en-US"/>
+          </a:p>
+        </p:txBody>
+      </p:sp>
       <p:sp>
         <p:nvSpPr>
           <p:cNvPr id="2" name="Title 1">
@@ -10119,24 +10605,110 @@
         </p:nvSpPr>
         <p:spPr>
           <a:xfrm>
-            <a:off x="535020" y="685800"/>
-            <a:ext cx="2780271" cy="5105400"/>
+            <a:off x="7835104" y="1213968"/>
+            <a:ext cx="3220127" cy="1715106"/>
           </a:xfrm>
         </p:spPr>
         <p:txBody>
-          <a:bodyPr>
+          <a:bodyPr vert="horz" lIns="91440" tIns="45720" rIns="91440" bIns="45720" rtlCol="0" anchor="b">
             <a:normAutofit/>
           </a:bodyPr>
           <a:lstStyle/>
           <a:p>
             <a:r>
-              <a:rPr lang="en-IN" sz="4000">
+              <a:rPr lang="en-US" sz="3600">
                 <a:solidFill>
                   <a:srgbClr val="FFFFFF"/>
                 </a:solidFill>
               </a:rPr>
               <a:t>Trained Model Metrics</a:t>
             </a:r>
+          </a:p>
+        </p:txBody>
+      </p:sp>
+      <p:sp>
+        <p:nvSpPr>
+          <p:cNvPr id="8" name="Content Placeholder 7">
+            <a:extLst>
+              <a:ext uri="{FF2B5EF4-FFF2-40B4-BE49-F238E27FC236}">
+                <a16:creationId xmlns:a16="http://schemas.microsoft.com/office/drawing/2014/main" id="{4D52C936-EA94-4ADF-98FA-848F40B47678}"/>
+              </a:ext>
+            </a:extLst>
+          </p:cNvPr>
+          <p:cNvSpPr>
+            <a:spLocks noGrp="1"/>
+          </p:cNvSpPr>
+          <p:nvPr>
+            <p:ph idx="1"/>
+          </p:nvPr>
+        </p:nvSpPr>
+        <p:spPr>
+          <a:xfrm>
+            <a:off x="7835105" y="3072208"/>
+            <a:ext cx="3264916" cy="2660684"/>
+          </a:xfrm>
+        </p:spPr>
+        <p:txBody>
+          <a:bodyPr anchor="t">
+            <a:normAutofit/>
+          </a:bodyPr>
+          <a:lstStyle/>
+          <a:p>
+            <a:endParaRPr lang="en-IN" sz="2000">
+              <a:solidFill>
+                <a:srgbClr val="FFFFFF"/>
+              </a:solidFill>
+            </a:endParaRPr>
+          </a:p>
+        </p:txBody>
+      </p:sp>
+      <p:sp>
+        <p:nvSpPr>
+          <p:cNvPr id="71" name="Rectangle 8">
+            <a:extLst>
+              <a:ext uri="{FF2B5EF4-FFF2-40B4-BE49-F238E27FC236}">
+                <a16:creationId xmlns:a16="http://schemas.microsoft.com/office/drawing/2014/main" id="{28ACCB42-777B-4109-A531-8C0A6CD7150C}"/>
+              </a:ext>
+              <a:ext uri="{C183D7F6-B498-43B3-948B-1728B52AA6E4}">
+                <adec:decorative xmlns:adec="http://schemas.microsoft.com/office/drawing/2017/decorative" val="1"/>
+              </a:ext>
+            </a:extLst>
+          </p:cNvPr>
+          <p:cNvSpPr>
+            <a:spLocks noGrp="1" noRot="1" noChangeAspect="1" noMove="1" noResize="1" noEditPoints="1" noAdjustHandles="1" noChangeArrowheads="1" noChangeShapeType="1" noTextEdit="1"/>
+          </p:cNvSpPr>
+          <p:nvPr>
+            <p:extLst>
+              <p:ext uri="{386F3935-93C4-4BCD-93E2-E3B085C9AB24}">
+                <p16:designElem xmlns:p16="http://schemas.microsoft.com/office/powerpoint/2015/main" val="1"/>
+              </p:ext>
+            </p:extLst>
+          </p:nvPr>
+        </p:nvSpPr>
+        <p:spPr bwMode="auto">
+          <a:xfrm>
+            <a:off x="11671258" y="1530154"/>
+            <a:ext cx="520741" cy="5251646"/>
+          </a:xfrm>
+          <a:prstGeom prst="rect">
+            <a:avLst/>
+          </a:prstGeom>
+          <a:solidFill>
+            <a:schemeClr val="accent1"/>
+          </a:solidFill>
+          <a:ln>
+            <a:noFill/>
+          </a:ln>
+        </p:spPr>
+        <p:txBody>
+          <a:bodyPr vert="horz" wrap="square" lIns="91440" tIns="45720" rIns="91440" bIns="45720" numCol="1" anchor="t" anchorCtr="0" compatLnSpc="1">
+            <a:prstTxWarp prst="textNoShape">
+              <a:avLst/>
+            </a:prstTxWarp>
+          </a:bodyPr>
+          <a:lstStyle/>
+          <a:p>
+            <a:endParaRPr lang="en-US"/>
           </a:p>
         </p:txBody>
       </p:sp>
@@ -10180,7 +10752,7 @@
       </p:grpSpPr>
       <p:sp>
         <p:nvSpPr>
-          <p:cNvPr id="27" name="Flowchart: Document 18">
+          <p:cNvPr id="32" name="Flowchart: Document 31">
             <a:extLst>
               <a:ext uri="{FF2B5EF4-FFF2-40B4-BE49-F238E27FC236}">
                 <a16:creationId xmlns:a16="http://schemas.microsoft.com/office/drawing/2014/main" id="{D12DDE76-C203-4047-9998-63900085B5E8}"/>
@@ -10285,10 +10857,10 @@
       </p:sp>
       <p:pic>
         <p:nvPicPr>
-          <p:cNvPr id="5" name="Content Placeholder 4" descr="Chart, histogram&#10;&#10;Description automatically generated">
+          <p:cNvPr id="4" name="Picture 3">
             <a:extLst>
               <a:ext uri="{FF2B5EF4-FFF2-40B4-BE49-F238E27FC236}">
-                <a16:creationId xmlns:a16="http://schemas.microsoft.com/office/drawing/2014/main" id="{7D63FFD1-BA5C-46BA-A0A3-B72C8019A0D1}"/>
+                <a16:creationId xmlns:a16="http://schemas.microsoft.com/office/drawing/2014/main" id="{75656650-FDCC-44EC-9C53-9029B5E1F0FE}"/>
               </a:ext>
             </a:extLst>
           </p:cNvPr>
@@ -10297,15 +10869,16 @@
           </p:cNvPicPr>
           <p:nvPr/>
         </p:nvPicPr>
-        <p:blipFill rotWithShape="1">
+        <p:blipFill>
           <a:blip r:embed="rId2"/>
-          <a:srcRect t="9061" r="2" b="2"/>
-          <a:stretch/>
+          <a:stretch>
+            <a:fillRect/>
+          </a:stretch>
         </p:blipFill>
         <p:spPr>
           <a:xfrm>
-            <a:off x="4207933" y="1273256"/>
-            <a:ext cx="7347537" cy="4312463"/>
+            <a:off x="4207933" y="1029913"/>
+            <a:ext cx="7347537" cy="4799150"/>
           </a:xfrm>
           <a:prstGeom prst="rect">
             <a:avLst/>
@@ -10352,10 +10925,10 @@
       </p:grpSpPr>
       <p:sp useBgFill="1">
         <p:nvSpPr>
-          <p:cNvPr id="32" name="Rectangle 31">
+          <p:cNvPr id="53" name="Rectangle 43">
             <a:extLst>
               <a:ext uri="{FF2B5EF4-FFF2-40B4-BE49-F238E27FC236}">
-                <a16:creationId xmlns:a16="http://schemas.microsoft.com/office/drawing/2014/main" id="{F4C0B10B-D2C4-4A54-AFAD-3D27DF88BB37}"/>
+                <a16:creationId xmlns:a16="http://schemas.microsoft.com/office/drawing/2014/main" id="{B5FA7C47-B7C1-4D2E-AB49-ED23BA34BA83}"/>
               </a:ext>
               <a:ext uri="{C183D7F6-B498-43B3-948B-1728B52AA6E4}">
                 <adec:decorative xmlns:adec="http://schemas.microsoft.com/office/drawing/2017/decorative" val="1"/>
@@ -10410,813 +10983,9 @@
           </a:p>
         </p:txBody>
       </p:sp>
-      <p:grpSp>
-        <p:nvGrpSpPr>
-          <p:cNvPr id="34" name="Group 33">
-            <a:extLst>
-              <a:ext uri="{FF2B5EF4-FFF2-40B4-BE49-F238E27FC236}">
-                <a16:creationId xmlns:a16="http://schemas.microsoft.com/office/drawing/2014/main" id="{B6BADB90-C74B-40D6-86DC-503F65FCE8DC}"/>
-              </a:ext>
-              <a:ext uri="{C183D7F6-B498-43B3-948B-1728B52AA6E4}">
-                <adec:decorative xmlns:adec="http://schemas.microsoft.com/office/drawing/2017/decorative" val="1"/>
-              </a:ext>
-            </a:extLst>
-          </p:cNvPr>
-          <p:cNvGrpSpPr>
-            <a:grpSpLocks noGrp="1" noUngrp="1" noRot="1" noChangeAspect="1" noMove="1" noResize="1"/>
-          </p:cNvGrpSpPr>
-          <p:nvPr>
-            <p:extLst>
-              <p:ext uri="{386F3935-93C4-4BCD-93E2-E3B085C9AB24}">
-                <p16:designElem xmlns:p16="http://schemas.microsoft.com/office/powerpoint/2015/main" val="1"/>
-              </p:ext>
-            </p:extLst>
-          </p:nvPr>
-        </p:nvGrpSpPr>
-        <p:grpSpPr>
-          <a:xfrm>
-            <a:off x="409710" y="635715"/>
-            <a:ext cx="11142208" cy="2482136"/>
-            <a:chOff x="409710" y="635715"/>
-            <a:chExt cx="11142208" cy="2482136"/>
-          </a:xfrm>
-        </p:grpSpPr>
-        <p:sp>
-          <p:nvSpPr>
-            <p:cNvPr id="35" name="Freeform 44">
-              <a:extLst>
-                <a:ext uri="{FF2B5EF4-FFF2-40B4-BE49-F238E27FC236}">
-                  <a16:creationId xmlns:a16="http://schemas.microsoft.com/office/drawing/2014/main" id="{6559431D-1886-4AE0-9B87-9AD2ECAB8439}"/>
-                </a:ext>
-                <a:ext uri="{C183D7F6-B498-43B3-948B-1728B52AA6E4}">
-                  <adec:decorative xmlns:adec="http://schemas.microsoft.com/office/drawing/2017/decorative" val="1"/>
-                </a:ext>
-              </a:extLst>
-            </p:cNvPr>
-            <p:cNvSpPr>
-              <a:spLocks/>
-            </p:cNvSpPr>
-            <p:nvPr>
-              <p:extLst>
-                <p:ext uri="{386F3935-93C4-4BCD-93E2-E3B085C9AB24}">
-                  <p16:designElem xmlns:p16="http://schemas.microsoft.com/office/powerpoint/2015/main" val="1"/>
-                </p:ext>
-              </p:extLst>
-            </p:nvPr>
-          </p:nvSpPr>
-          <p:spPr bwMode="auto">
-            <a:xfrm>
-              <a:off x="11223203" y="635716"/>
-              <a:ext cx="328612" cy="1742360"/>
-            </a:xfrm>
-            <a:custGeom>
-              <a:avLst/>
-              <a:gdLst>
-                <a:gd name="T0" fmla="*/ 207 w 207"/>
-                <a:gd name="T1" fmla="*/ 987 h 1114"/>
-                <a:gd name="T2" fmla="*/ 0 w 207"/>
-                <a:gd name="T3" fmla="*/ 1114 h 1114"/>
-                <a:gd name="T4" fmla="*/ 0 w 207"/>
-                <a:gd name="T5" fmla="*/ 127 h 1114"/>
-                <a:gd name="T6" fmla="*/ 207 w 207"/>
-                <a:gd name="T7" fmla="*/ 0 h 1114"/>
-                <a:gd name="T8" fmla="*/ 207 w 207"/>
-                <a:gd name="T9" fmla="*/ 987 h 1114"/>
-              </a:gdLst>
-              <a:ahLst/>
-              <a:cxnLst>
-                <a:cxn ang="0">
-                  <a:pos x="T0" y="T1"/>
-                </a:cxn>
-                <a:cxn ang="0">
-                  <a:pos x="T2" y="T3"/>
-                </a:cxn>
-                <a:cxn ang="0">
-                  <a:pos x="T4" y="T5"/>
-                </a:cxn>
-                <a:cxn ang="0">
-                  <a:pos x="T6" y="T7"/>
-                </a:cxn>
-                <a:cxn ang="0">
-                  <a:pos x="T8" y="T9"/>
-                </a:cxn>
-              </a:cxnLst>
-              <a:rect l="0" t="0" r="r" b="b"/>
-              <a:pathLst>
-                <a:path w="207" h="1114">
-                  <a:moveTo>
-                    <a:pt x="207" y="987"/>
-                  </a:moveTo>
-                  <a:lnTo>
-                    <a:pt x="0" y="1114"/>
-                  </a:lnTo>
-                  <a:lnTo>
-                    <a:pt x="0" y="127"/>
-                  </a:lnTo>
-                  <a:lnTo>
-                    <a:pt x="207" y="0"/>
-                  </a:lnTo>
-                  <a:lnTo>
-                    <a:pt x="207" y="987"/>
-                  </a:lnTo>
-                  <a:close/>
-                </a:path>
-              </a:pathLst>
-            </a:custGeom>
-            <a:solidFill>
-              <a:schemeClr val="accent1">
-                <a:lumMod val="50000"/>
-              </a:schemeClr>
-            </a:solidFill>
-            <a:ln>
-              <a:noFill/>
-            </a:ln>
-          </p:spPr>
-          <p:txBody>
-            <a:bodyPr vert="horz" wrap="square" lIns="91440" tIns="45720" rIns="91440" bIns="45720" numCol="1" anchor="t" anchorCtr="0" compatLnSpc="1">
-              <a:prstTxWarp prst="textNoShape">
-                <a:avLst/>
-              </a:prstTxWarp>
-            </a:bodyPr>
-            <a:lstStyle/>
-            <a:p>
-              <a:endParaRPr lang="en-US"/>
-            </a:p>
-          </p:txBody>
-        </p:sp>
-        <p:sp>
-          <p:nvSpPr>
-            <p:cNvPr id="36" name="Freeform 45">
-              <a:extLst>
-                <a:ext uri="{FF2B5EF4-FFF2-40B4-BE49-F238E27FC236}">
-                  <a16:creationId xmlns:a16="http://schemas.microsoft.com/office/drawing/2014/main" id="{373850A5-B04A-4FCD-9E73-EE322167FB31}"/>
-                </a:ext>
-                <a:ext uri="{C183D7F6-B498-43B3-948B-1728B52AA6E4}">
-                  <adec:decorative xmlns:adec="http://schemas.microsoft.com/office/drawing/2017/decorative" val="1"/>
-                </a:ext>
-              </a:extLst>
-            </p:cNvPr>
-            <p:cNvSpPr>
-              <a:spLocks/>
-            </p:cNvSpPr>
-            <p:nvPr>
-              <p:extLst>
-                <p:ext uri="{386F3935-93C4-4BCD-93E2-E3B085C9AB24}">
-                  <p16:designElem xmlns:p16="http://schemas.microsoft.com/office/powerpoint/2015/main" val="1"/>
-                </p:ext>
-              </p:extLst>
-            </p:nvPr>
-          </p:nvSpPr>
-          <p:spPr bwMode="auto">
-            <a:xfrm>
-              <a:off x="409710" y="1022350"/>
-              <a:ext cx="709612" cy="2095501"/>
-            </a:xfrm>
-            <a:custGeom>
-              <a:avLst/>
-              <a:gdLst>
-                <a:gd name="T0" fmla="*/ 447 w 447"/>
-                <a:gd name="T1" fmla="*/ 1363 h 1363"/>
-                <a:gd name="T2" fmla="*/ 0 w 447"/>
-                <a:gd name="T3" fmla="*/ 987 h 1363"/>
-                <a:gd name="T4" fmla="*/ 0 w 447"/>
-                <a:gd name="T5" fmla="*/ 0 h 1363"/>
-                <a:gd name="T6" fmla="*/ 447 w 447"/>
-                <a:gd name="T7" fmla="*/ 376 h 1363"/>
-                <a:gd name="T8" fmla="*/ 447 w 447"/>
-                <a:gd name="T9" fmla="*/ 1363 h 1363"/>
-              </a:gdLst>
-              <a:ahLst/>
-              <a:cxnLst>
-                <a:cxn ang="0">
-                  <a:pos x="T0" y="T1"/>
-                </a:cxn>
-                <a:cxn ang="0">
-                  <a:pos x="T2" y="T3"/>
-                </a:cxn>
-                <a:cxn ang="0">
-                  <a:pos x="T4" y="T5"/>
-                </a:cxn>
-                <a:cxn ang="0">
-                  <a:pos x="T6" y="T7"/>
-                </a:cxn>
-                <a:cxn ang="0">
-                  <a:pos x="T8" y="T9"/>
-                </a:cxn>
-              </a:cxnLst>
-              <a:rect l="0" t="0" r="r" b="b"/>
-              <a:pathLst>
-                <a:path w="447" h="1363">
-                  <a:moveTo>
-                    <a:pt x="447" y="1363"/>
-                  </a:moveTo>
-                  <a:lnTo>
-                    <a:pt x="0" y="987"/>
-                  </a:lnTo>
-                  <a:lnTo>
-                    <a:pt x="0" y="0"/>
-                  </a:lnTo>
-                  <a:lnTo>
-                    <a:pt x="447" y="376"/>
-                  </a:lnTo>
-                  <a:lnTo>
-                    <a:pt x="447" y="1363"/>
-                  </a:lnTo>
-                  <a:close/>
-                </a:path>
-              </a:pathLst>
-            </a:custGeom>
-            <a:solidFill>
-              <a:schemeClr val="accent1">
-                <a:lumMod val="50000"/>
-              </a:schemeClr>
-            </a:solidFill>
-            <a:ln>
-              <a:noFill/>
-            </a:ln>
-          </p:spPr>
-          <p:txBody>
-            <a:bodyPr vert="horz" wrap="square" lIns="91440" tIns="45720" rIns="91440" bIns="45720" numCol="1" anchor="t" anchorCtr="0" compatLnSpc="1">
-              <a:prstTxWarp prst="textNoShape">
-                <a:avLst/>
-              </a:prstTxWarp>
-            </a:bodyPr>
-            <a:lstStyle/>
-            <a:p>
-              <a:endParaRPr lang="en-US"/>
-            </a:p>
-          </p:txBody>
-        </p:sp>
-        <p:sp>
-          <p:nvSpPr>
-            <p:cNvPr id="37" name="Freeform 46">
-              <a:extLst>
-                <a:ext uri="{FF2B5EF4-FFF2-40B4-BE49-F238E27FC236}">
-                  <a16:creationId xmlns:a16="http://schemas.microsoft.com/office/drawing/2014/main" id="{82C18C67-80FA-4738-AA53-0AF2419F98E0}"/>
-                </a:ext>
-                <a:ext uri="{C183D7F6-B498-43B3-948B-1728B52AA6E4}">
-                  <adec:decorative xmlns:adec="http://schemas.microsoft.com/office/drawing/2017/decorative" val="1"/>
-                </a:ext>
-              </a:extLst>
-            </p:cNvPr>
-            <p:cNvSpPr>
-              <a:spLocks/>
-            </p:cNvSpPr>
-            <p:nvPr>
-              <p:extLst>
-                <p:ext uri="{386F3935-93C4-4BCD-93E2-E3B085C9AB24}">
-                  <p16:designElem xmlns:p16="http://schemas.microsoft.com/office/powerpoint/2015/main" val="1"/>
-                </p:ext>
-              </p:extLst>
-            </p:nvPr>
-          </p:nvSpPr>
-          <p:spPr bwMode="auto">
-            <a:xfrm>
-              <a:off x="409710" y="837744"/>
-              <a:ext cx="403225" cy="1705431"/>
-            </a:xfrm>
-            <a:custGeom>
-              <a:avLst/>
-              <a:gdLst>
-                <a:gd name="T0" fmla="*/ 254 w 254"/>
-                <a:gd name="T1" fmla="*/ 987 h 1109"/>
-                <a:gd name="T2" fmla="*/ 0 w 254"/>
-                <a:gd name="T3" fmla="*/ 1109 h 1109"/>
-                <a:gd name="T4" fmla="*/ 0 w 254"/>
-                <a:gd name="T5" fmla="*/ 119 h 1109"/>
-                <a:gd name="T6" fmla="*/ 254 w 254"/>
-                <a:gd name="T7" fmla="*/ 0 h 1109"/>
-                <a:gd name="T8" fmla="*/ 254 w 254"/>
-                <a:gd name="T9" fmla="*/ 987 h 1109"/>
-              </a:gdLst>
-              <a:ahLst/>
-              <a:cxnLst>
-                <a:cxn ang="0">
-                  <a:pos x="T0" y="T1"/>
-                </a:cxn>
-                <a:cxn ang="0">
-                  <a:pos x="T2" y="T3"/>
-                </a:cxn>
-                <a:cxn ang="0">
-                  <a:pos x="T4" y="T5"/>
-                </a:cxn>
-                <a:cxn ang="0">
-                  <a:pos x="T6" y="T7"/>
-                </a:cxn>
-                <a:cxn ang="0">
-                  <a:pos x="T8" y="T9"/>
-                </a:cxn>
-              </a:cxnLst>
-              <a:rect l="0" t="0" r="r" b="b"/>
-              <a:pathLst>
-                <a:path w="254" h="1109">
-                  <a:moveTo>
-                    <a:pt x="254" y="987"/>
-                  </a:moveTo>
-                  <a:lnTo>
-                    <a:pt x="0" y="1109"/>
-                  </a:lnTo>
-                  <a:lnTo>
-                    <a:pt x="0" y="119"/>
-                  </a:lnTo>
-                  <a:lnTo>
-                    <a:pt x="254" y="0"/>
-                  </a:lnTo>
-                  <a:lnTo>
-                    <a:pt x="254" y="987"/>
-                  </a:lnTo>
-                  <a:close/>
-                </a:path>
-              </a:pathLst>
-            </a:custGeom>
-            <a:solidFill>
-              <a:schemeClr val="accent1">
-                <a:lumMod val="75000"/>
-              </a:schemeClr>
-            </a:solidFill>
-            <a:ln>
-              <a:noFill/>
-            </a:ln>
-          </p:spPr>
-          <p:txBody>
-            <a:bodyPr vert="horz" wrap="square" lIns="91440" tIns="45720" rIns="91440" bIns="45720" numCol="1" anchor="t" anchorCtr="0" compatLnSpc="1">
-              <a:prstTxWarp prst="textNoShape">
-                <a:avLst/>
-              </a:prstTxWarp>
-            </a:bodyPr>
-            <a:lstStyle/>
-            <a:p>
-              <a:endParaRPr lang="en-US"/>
-            </a:p>
-          </p:txBody>
-        </p:sp>
-        <p:sp>
-          <p:nvSpPr>
-            <p:cNvPr id="38" name="Freeform 47">
-              <a:extLst>
-                <a:ext uri="{FF2B5EF4-FFF2-40B4-BE49-F238E27FC236}">
-                  <a16:creationId xmlns:a16="http://schemas.microsoft.com/office/drawing/2014/main" id="{48543B1A-8BF5-4C63-8404-41B2EA70B33E}"/>
-                </a:ext>
-                <a:ext uri="{C183D7F6-B498-43B3-948B-1728B52AA6E4}">
-                  <adec:decorative xmlns:adec="http://schemas.microsoft.com/office/drawing/2017/decorative" val="1"/>
-                </a:ext>
-              </a:extLst>
-            </p:cNvPr>
-            <p:cNvSpPr>
-              <a:spLocks/>
-            </p:cNvSpPr>
-            <p:nvPr>
-              <p:extLst>
-                <p:ext uri="{386F3935-93C4-4BCD-93E2-E3B085C9AB24}">
-                  <p16:designElem xmlns:p16="http://schemas.microsoft.com/office/powerpoint/2015/main" val="1"/>
-                </p:ext>
-              </p:extLst>
-            </p:nvPr>
-          </p:nvSpPr>
-          <p:spPr bwMode="auto">
-            <a:xfrm>
-              <a:off x="644660" y="640894"/>
-              <a:ext cx="168275" cy="1713195"/>
-            </a:xfrm>
-            <a:custGeom>
-              <a:avLst/>
-              <a:gdLst>
-                <a:gd name="T0" fmla="*/ 106 w 106"/>
-                <a:gd name="T1" fmla="*/ 1114 h 1114"/>
-                <a:gd name="T2" fmla="*/ 0 w 106"/>
-                <a:gd name="T3" fmla="*/ 1005 h 1114"/>
-                <a:gd name="T4" fmla="*/ 0 w 106"/>
-                <a:gd name="T5" fmla="*/ 0 h 1114"/>
-                <a:gd name="T6" fmla="*/ 106 w 106"/>
-                <a:gd name="T7" fmla="*/ 110 h 1114"/>
-                <a:gd name="T8" fmla="*/ 106 w 106"/>
-                <a:gd name="T9" fmla="*/ 1114 h 1114"/>
-              </a:gdLst>
-              <a:ahLst/>
-              <a:cxnLst>
-                <a:cxn ang="0">
-                  <a:pos x="T0" y="T1"/>
-                </a:cxn>
-                <a:cxn ang="0">
-                  <a:pos x="T2" y="T3"/>
-                </a:cxn>
-                <a:cxn ang="0">
-                  <a:pos x="T4" y="T5"/>
-                </a:cxn>
-                <a:cxn ang="0">
-                  <a:pos x="T6" y="T7"/>
-                </a:cxn>
-                <a:cxn ang="0">
-                  <a:pos x="T8" y="T9"/>
-                </a:cxn>
-              </a:cxnLst>
-              <a:rect l="0" t="0" r="r" b="b"/>
-              <a:pathLst>
-                <a:path w="106" h="1114">
-                  <a:moveTo>
-                    <a:pt x="106" y="1114"/>
-                  </a:moveTo>
-                  <a:lnTo>
-                    <a:pt x="0" y="1005"/>
-                  </a:lnTo>
-                  <a:lnTo>
-                    <a:pt x="0" y="0"/>
-                  </a:lnTo>
-                  <a:lnTo>
-                    <a:pt x="106" y="110"/>
-                  </a:lnTo>
-                  <a:lnTo>
-                    <a:pt x="106" y="1114"/>
-                  </a:lnTo>
-                  <a:close/>
-                </a:path>
-              </a:pathLst>
-            </a:custGeom>
-            <a:solidFill>
-              <a:schemeClr val="accent1">
-                <a:lumMod val="50000"/>
-              </a:schemeClr>
-            </a:solidFill>
-            <a:ln>
-              <a:noFill/>
-            </a:ln>
-          </p:spPr>
-          <p:txBody>
-            <a:bodyPr vert="horz" wrap="square" lIns="91440" tIns="45720" rIns="91440" bIns="45720" numCol="1" anchor="t" anchorCtr="0" compatLnSpc="1">
-              <a:prstTxWarp prst="textNoShape">
-                <a:avLst/>
-              </a:prstTxWarp>
-            </a:bodyPr>
-            <a:lstStyle/>
-            <a:p>
-              <a:endParaRPr lang="en-US"/>
-            </a:p>
-          </p:txBody>
-        </p:sp>
-        <p:sp>
-          <p:nvSpPr>
-            <p:cNvPr id="39" name="Rectangle 38">
-              <a:extLst>
-                <a:ext uri="{FF2B5EF4-FFF2-40B4-BE49-F238E27FC236}">
-                  <a16:creationId xmlns:a16="http://schemas.microsoft.com/office/drawing/2014/main" id="{92DF5096-E051-498C-A3ED-CBA77A813AAC}"/>
-                </a:ext>
-                <a:ext uri="{C183D7F6-B498-43B3-948B-1728B52AA6E4}">
-                  <adec:decorative xmlns:adec="http://schemas.microsoft.com/office/drawing/2017/decorative" val="1"/>
-                </a:ext>
-              </a:extLst>
-            </p:cNvPr>
-            <p:cNvSpPr>
-              <a:spLocks noChangeArrowheads="1"/>
-            </p:cNvSpPr>
-            <p:nvPr>
-              <p:extLst>
-                <p:ext uri="{386F3935-93C4-4BCD-93E2-E3B085C9AB24}">
-                  <p16:designElem xmlns:p16="http://schemas.microsoft.com/office/powerpoint/2015/main" val="1"/>
-                </p:ext>
-              </p:extLst>
-            </p:nvPr>
-          </p:nvSpPr>
-          <p:spPr bwMode="auto">
-            <a:xfrm>
-              <a:off x="644055" y="635715"/>
-              <a:ext cx="10907863" cy="1541457"/>
-            </a:xfrm>
-            <a:prstGeom prst="rect">
-              <a:avLst/>
-            </a:prstGeom>
-            <a:solidFill>
-              <a:schemeClr val="accent1"/>
-            </a:solidFill>
-            <a:ln>
-              <a:noFill/>
-            </a:ln>
-          </p:spPr>
-          <p:txBody>
-            <a:bodyPr vert="horz" wrap="square" lIns="91440" tIns="45720" rIns="91440" bIns="45720" numCol="1" anchor="t" anchorCtr="0" compatLnSpc="1">
-              <a:prstTxWarp prst="textNoShape">
-                <a:avLst/>
-              </a:prstTxWarp>
-            </a:bodyPr>
-            <a:lstStyle/>
-            <a:p>
-              <a:endParaRPr lang="en-US"/>
-            </a:p>
-          </p:txBody>
-        </p:sp>
-      </p:grpSp>
       <p:sp>
         <p:nvSpPr>
-          <p:cNvPr id="2" name="Title 1">
-            <a:extLst>
-              <a:ext uri="{FF2B5EF4-FFF2-40B4-BE49-F238E27FC236}">
-                <a16:creationId xmlns:a16="http://schemas.microsoft.com/office/drawing/2014/main" id="{C516235E-22F3-41A5-9358-76663DB3E4C3}"/>
-              </a:ext>
-            </a:extLst>
-          </p:cNvPr>
-          <p:cNvSpPr>
-            <a:spLocks noGrp="1"/>
-          </p:cNvSpPr>
-          <p:nvPr>
-            <p:ph type="title"/>
-          </p:nvPr>
-        </p:nvSpPr>
-        <p:spPr>
-          <a:xfrm>
-            <a:off x="1047280" y="759805"/>
-            <a:ext cx="10306520" cy="1325563"/>
-          </a:xfrm>
-        </p:spPr>
-        <p:txBody>
-          <a:bodyPr vert="horz" lIns="91440" tIns="45720" rIns="91440" bIns="45720" rtlCol="0">
-            <a:normAutofit/>
-          </a:bodyPr>
-          <a:lstStyle/>
-          <a:p>
-            <a:r>
-              <a:rPr lang="en-US" sz="4000">
-                <a:solidFill>
-                  <a:srgbClr val="FFFFFF"/>
-                </a:solidFill>
-              </a:rPr>
-              <a:t>Model Evaluation</a:t>
-            </a:r>
-          </a:p>
-        </p:txBody>
-      </p:sp>
-      <p:sp>
-        <p:nvSpPr>
-          <p:cNvPr id="16" name="Content Placeholder 15">
-            <a:extLst>
-              <a:ext uri="{FF2B5EF4-FFF2-40B4-BE49-F238E27FC236}">
-                <a16:creationId xmlns:a16="http://schemas.microsoft.com/office/drawing/2014/main" id="{AC018AF2-43CF-23D6-66AA-401EA6F1554E}"/>
-              </a:ext>
-            </a:extLst>
-          </p:cNvPr>
-          <p:cNvSpPr>
-            <a:spLocks noGrp="1"/>
-          </p:cNvSpPr>
-          <p:nvPr>
-            <p:ph idx="1"/>
-          </p:nvPr>
-        </p:nvSpPr>
-        <p:spPr>
-          <a:xfrm>
-            <a:off x="1424904" y="2494450"/>
-            <a:ext cx="4053545" cy="3563159"/>
-          </a:xfrm>
-        </p:spPr>
-        <p:txBody>
-          <a:bodyPr>
-            <a:normAutofit/>
-          </a:bodyPr>
-          <a:lstStyle/>
-          <a:p>
-            <a:r>
-              <a:rPr lang="en-US" sz="2400"/>
-              <a:t>R-Square on test data: 0.7833455317175626</a:t>
-            </a:r>
-          </a:p>
-          <a:p>
-            <a:r>
-              <a:rPr lang="en-US" sz="2400"/>
-              <a:t>R-Square on train data: 0.785</a:t>
-            </a:r>
-          </a:p>
-        </p:txBody>
-      </p:sp>
-      <p:pic>
-        <p:nvPicPr>
-          <p:cNvPr id="15" name="Picture 14">
-            <a:extLst>
-              <a:ext uri="{FF2B5EF4-FFF2-40B4-BE49-F238E27FC236}">
-                <a16:creationId xmlns:a16="http://schemas.microsoft.com/office/drawing/2014/main" id="{59866778-0F39-4BD5-B957-26911B6A3A57}"/>
-              </a:ext>
-            </a:extLst>
-          </p:cNvPr>
-          <p:cNvPicPr>
-            <a:picLocks noChangeAspect="1"/>
-          </p:cNvPicPr>
-          <p:nvPr/>
-        </p:nvPicPr>
-        <p:blipFill rotWithShape="1">
-          <a:blip r:embed="rId2"/>
-          <a:srcRect l="660" r="1" b="1"/>
-          <a:stretch/>
-        </p:blipFill>
-        <p:spPr>
-          <a:xfrm>
-            <a:off x="6098892" y="2492376"/>
-            <a:ext cx="4802404" cy="3563372"/>
-          </a:xfrm>
-          <a:prstGeom prst="rect">
-            <a:avLst/>
-          </a:prstGeom>
-        </p:spPr>
-      </p:pic>
-      <p:sp>
-        <p:nvSpPr>
-          <p:cNvPr id="11" name="Rectangle 1">
-            <a:extLst>
-              <a:ext uri="{FF2B5EF4-FFF2-40B4-BE49-F238E27FC236}">
-                <a16:creationId xmlns:a16="http://schemas.microsoft.com/office/drawing/2014/main" id="{F452568A-07F9-4DAA-AB32-E18563E926E2}"/>
-              </a:ext>
-            </a:extLst>
-          </p:cNvPr>
-          <p:cNvSpPr>
-            <a:spLocks noChangeArrowheads="1"/>
-          </p:cNvSpPr>
-          <p:nvPr/>
-        </p:nvSpPr>
-        <p:spPr bwMode="auto">
-          <a:xfrm>
-            <a:off x="0" y="120878"/>
-            <a:ext cx="207108" cy="215444"/>
-          </a:xfrm>
-          <a:prstGeom prst="rect">
-            <a:avLst/>
-          </a:prstGeom>
-          <a:noFill/>
-          <a:ln>
-            <a:noFill/>
-          </a:ln>
-          <a:effectLst/>
-          <a:extLst>
-            <a:ext uri="{909E8E84-426E-40DD-AFC4-6F175D3DCCD1}">
-              <a14:hiddenFill xmlns:a14="http://schemas.microsoft.com/office/drawing/2010/main">
-                <a:solidFill>
-                  <a:schemeClr val="accent1"/>
-                </a:solidFill>
-              </a14:hiddenFill>
-            </a:ext>
-            <a:ext uri="{91240B29-F687-4F45-9708-019B960494DF}">
-              <a14:hiddenLine xmlns:a14="http://schemas.microsoft.com/office/drawing/2010/main" w="9525">
-                <a:solidFill>
-                  <a:schemeClr val="tx1"/>
-                </a:solidFill>
-                <a:miter lim="800000"/>
-                <a:headEnd/>
-                <a:tailEnd/>
-              </a14:hiddenLine>
-            </a:ext>
-            <a:ext uri="{AF507438-7753-43E0-B8FC-AC1667EBCBE1}">
-              <a14:hiddenEffects xmlns:a14="http://schemas.microsoft.com/office/drawing/2010/main">
-                <a:effectLst>
-                  <a:outerShdw dist="35921" dir="2700000" algn="ctr" rotWithShape="0">
-                    <a:schemeClr val="bg2"/>
-                  </a:outerShdw>
-                </a:effectLst>
-              </a14:hiddenEffects>
-            </a:ext>
-          </a:extLst>
-        </p:spPr>
-        <p:txBody>
-          <a:bodyPr vert="horz" wrap="none" lIns="91440" tIns="45720" rIns="91440" bIns="45720" numCol="1" anchor="ctr" anchorCtr="0" compatLnSpc="1">
-            <a:prstTxWarp prst="textNoShape">
-              <a:avLst/>
-            </a:prstTxWarp>
-            <a:spAutoFit/>
-          </a:bodyPr>
-          <a:lstStyle/>
-          <a:p>
-            <a:pPr marL="0" marR="0" lvl="0" indent="0" algn="l" defTabSz="914400" rtl="0" eaLnBrk="0" fontAlgn="base" latinLnBrk="0" hangingPunct="0">
-              <a:spcBef>
-                <a:spcPct val="0"/>
-              </a:spcBef>
-              <a:spcAft>
-                <a:spcPts val="600"/>
-              </a:spcAft>
-              <a:buClrTx/>
-              <a:buSzTx/>
-              <a:buFontTx/>
-              <a:buNone/>
-              <a:tabLst/>
-            </a:pPr>
-            <a:r>
-              <a:rPr kumimoji="0" lang="en-US" altLang="en-US" sz="800" b="0" i="0" u="none" strike="noStrike" cap="none" normalizeH="0" baseline="0" dirty="0">
-                <a:ln>
-                  <a:noFill/>
-                </a:ln>
-                <a:solidFill>
-                  <a:schemeClr val="tx1"/>
-                </a:solidFill>
-                <a:effectLst/>
-              </a:rPr>
-              <a:t> </a:t>
-            </a:r>
-            <a:endParaRPr kumimoji="0" lang="en-US" altLang="en-US" sz="1800" b="0" i="0" u="none" strike="noStrike" cap="none" normalizeH="0" baseline="0">
-              <a:ln>
-                <a:noFill/>
-              </a:ln>
-              <a:solidFill>
-                <a:schemeClr val="tx1"/>
-              </a:solidFill>
-              <a:effectLst/>
-              <a:latin typeface="Arial" panose="020B0604020202020204" pitchFamily="34" charset="0"/>
-            </a:endParaRPr>
-          </a:p>
-        </p:txBody>
-      </p:sp>
-    </p:spTree>
-    <p:extLst>
-      <p:ext uri="{BB962C8B-B14F-4D97-AF65-F5344CB8AC3E}">
-        <p14:creationId xmlns:p14="http://schemas.microsoft.com/office/powerpoint/2010/main" val="2749437889"/>
-      </p:ext>
-    </p:extLst>
-  </p:cSld>
-  <p:clrMapOvr>
-    <a:masterClrMapping/>
-  </p:clrMapOvr>
-</p:sld>
-</file>
-
-<file path=ppt/slides/slide9.xml><?xml version="1.0" encoding="utf-8"?>
-<p:sld xmlns:a="http://schemas.openxmlformats.org/drawingml/2006/main" xmlns:r="http://schemas.openxmlformats.org/officeDocument/2006/relationships" xmlns:p="http://schemas.openxmlformats.org/presentationml/2006/main">
-  <p:cSld>
-    <p:bg>
-      <p:bgPr>
-        <a:solidFill>
-          <a:schemeClr val="bg1"/>
-        </a:solidFill>
-        <a:effectLst/>
-      </p:bgPr>
-    </p:bg>
-    <p:spTree>
-      <p:nvGrpSpPr>
-        <p:cNvPr id="1" name=""/>
-        <p:cNvGrpSpPr/>
-        <p:nvPr/>
-      </p:nvGrpSpPr>
-      <p:grpSpPr>
-        <a:xfrm>
-          <a:off x="0" y="0"/>
-          <a:ext cx="0" cy="0"/>
-          <a:chOff x="0" y="0"/>
-          <a:chExt cx="0" cy="0"/>
-        </a:xfrm>
-      </p:grpSpPr>
-      <p:sp useBgFill="1">
-        <p:nvSpPr>
-          <p:cNvPr id="6" name="Rectangle 8">
-            <a:extLst>
-              <a:ext uri="{FF2B5EF4-FFF2-40B4-BE49-F238E27FC236}">
-                <a16:creationId xmlns:a16="http://schemas.microsoft.com/office/drawing/2014/main" id="{B5FA7C47-B7C1-4D2E-AB49-ED23BA34BA83}"/>
-              </a:ext>
-              <a:ext uri="{C183D7F6-B498-43B3-948B-1728B52AA6E4}">
-                <adec:decorative xmlns:adec="http://schemas.microsoft.com/office/drawing/2017/decorative" val="1"/>
-              </a:ext>
-            </a:extLst>
-          </p:cNvPr>
-          <p:cNvSpPr>
-            <a:spLocks noGrp="1" noRot="1" noChangeAspect="1" noMove="1" noResize="1" noEditPoints="1" noAdjustHandles="1" noChangeArrowheads="1" noChangeShapeType="1" noTextEdit="1"/>
-          </p:cNvSpPr>
-          <p:nvPr>
-            <p:extLst>
-              <p:ext uri="{386F3935-93C4-4BCD-93E2-E3B085C9AB24}">
-                <p16:designElem xmlns:p16="http://schemas.microsoft.com/office/powerpoint/2015/main" val="1"/>
-              </p:ext>
-            </p:extLst>
-          </p:nvPr>
-        </p:nvSpPr>
-        <p:spPr>
-          <a:xfrm>
-            <a:off x="0" y="0"/>
-            <a:ext cx="12188952" cy="6858000"/>
-          </a:xfrm>
-          <a:prstGeom prst="rect">
-            <a:avLst/>
-          </a:prstGeom>
-          <a:ln>
-            <a:noFill/>
-          </a:ln>
-        </p:spPr>
-        <p:style>
-          <a:lnRef idx="2">
-            <a:schemeClr val="accent1">
-              <a:shade val="50000"/>
-            </a:schemeClr>
-          </a:lnRef>
-          <a:fillRef idx="1">
-            <a:schemeClr val="accent1"/>
-          </a:fillRef>
-          <a:effectRef idx="0">
-            <a:schemeClr val="accent1"/>
-          </a:effectRef>
-          <a:fontRef idx="minor">
-            <a:schemeClr val="lt1"/>
-          </a:fontRef>
-        </p:style>
-        <p:txBody>
-          <a:bodyPr rtlCol="0" anchor="ctr"/>
-          <a:lstStyle/>
-          <a:p>
-            <a:pPr algn="ctr"/>
-            <a:endParaRPr lang="en-US"/>
-          </a:p>
-        </p:txBody>
-      </p:sp>
-      <p:sp>
-        <p:nvSpPr>
-          <p:cNvPr id="7" name="Freeform 6">
+          <p:cNvPr id="54" name="Freeform 6">
             <a:extLst>
               <a:ext uri="{FF2B5EF4-FFF2-40B4-BE49-F238E27FC236}">
                 <a16:creationId xmlns:a16="http://schemas.microsoft.com/office/drawing/2014/main" id="{596EE156-ABF1-4329-A6BA-03B4254E0877}"/>
@@ -11319,7 +11088,7 @@
       </p:sp>
       <p:sp>
         <p:nvSpPr>
-          <p:cNvPr id="8" name="Rectangle 8">
+          <p:cNvPr id="55" name="Rectangle 8">
             <a:extLst>
               <a:ext uri="{FF2B5EF4-FFF2-40B4-BE49-F238E27FC236}">
                 <a16:creationId xmlns:a16="http://schemas.microsoft.com/office/drawing/2014/main" id="{19B9933F-AAB3-444A-8BB5-9CA194A8BC63}"/>
@@ -11369,7 +11138,7 @@
       </p:sp>
       <p:sp>
         <p:nvSpPr>
-          <p:cNvPr id="10" name="Freeform 7">
+          <p:cNvPr id="56" name="Freeform 7">
             <a:extLst>
               <a:ext uri="{FF2B5EF4-FFF2-40B4-BE49-F238E27FC236}">
                 <a16:creationId xmlns:a16="http://schemas.microsoft.com/office/drawing/2014/main" id="{7D20183A-0B1D-4A1F-89B1-ADBEDBC6E54E}"/>
@@ -11472,7 +11241,7 @@
       </p:sp>
       <p:sp>
         <p:nvSpPr>
-          <p:cNvPr id="12" name="Rectangle 8">
+          <p:cNvPr id="52" name="Rectangle 8">
             <a:extLst>
               <a:ext uri="{FF2B5EF4-FFF2-40B4-BE49-F238E27FC236}">
                 <a16:creationId xmlns:a16="http://schemas.microsoft.com/office/drawing/2014/main" id="{131031D3-26CD-4214-A9A4-5857EFA15A0C}"/>
@@ -11525,7 +11294,7 @@
           <p:cNvPr id="2" name="Title 1">
             <a:extLst>
               <a:ext uri="{FF2B5EF4-FFF2-40B4-BE49-F238E27FC236}">
-                <a16:creationId xmlns:a16="http://schemas.microsoft.com/office/drawing/2014/main" id="{04BCD2E8-A961-409A-B472-8573C7E69B7D}"/>
+                <a16:creationId xmlns:a16="http://schemas.microsoft.com/office/drawing/2014/main" id="{C516235E-22F3-41A5-9358-76663DB3E4C3}"/>
               </a:ext>
             </a:extLst>
           </p:cNvPr>
@@ -11543,28 +11312,28 @@
           </a:xfrm>
         </p:spPr>
         <p:txBody>
-          <a:bodyPr>
-            <a:normAutofit fontScale="90000"/>
+          <a:bodyPr vert="horz" lIns="91440" tIns="45720" rIns="91440" bIns="45720" rtlCol="0">
+            <a:normAutofit/>
           </a:bodyPr>
           <a:lstStyle/>
           <a:p>
             <a:r>
-              <a:rPr lang="en-IN" sz="3600" dirty="0">
+              <a:rPr lang="en-US" sz="3600">
                 <a:solidFill>
                   <a:srgbClr val="FFFFFF"/>
                 </a:solidFill>
               </a:rPr>
-              <a:t>Multiple Linear Regression Equation</a:t>
+              <a:t>Model Evaluation</a:t>
             </a:r>
           </a:p>
         </p:txBody>
       </p:sp>
       <p:sp>
         <p:nvSpPr>
-          <p:cNvPr id="3" name="Content Placeholder 2">
+          <p:cNvPr id="16" name="Content Placeholder 15">
             <a:extLst>
               <a:ext uri="{FF2B5EF4-FFF2-40B4-BE49-F238E27FC236}">
-                <a16:creationId xmlns:a16="http://schemas.microsoft.com/office/drawing/2014/main" id="{D9737B97-9507-4C05-8F08-20C8CB85DC07}"/>
+                <a16:creationId xmlns:a16="http://schemas.microsoft.com/office/drawing/2014/main" id="{AC018AF2-43CF-23D6-66AA-401EA6F1554E}"/>
               </a:ext>
             </a:extLst>
           </p:cNvPr>
@@ -11587,36 +11356,926 @@
           </a:bodyPr>
           <a:lstStyle/>
           <a:p>
+            <a:r>
+              <a:rPr lang="en-US" sz="2400" dirty="0">
+                <a:solidFill>
+                  <a:srgbClr val="FEFFFF"/>
+                </a:solidFill>
+              </a:rPr>
+              <a:t>R-Square on test data: 0.8099713060806867</a:t>
+            </a:r>
+          </a:p>
+          <a:p>
+            <a:r>
+              <a:rPr lang="en-US" sz="2400" dirty="0">
+                <a:solidFill>
+                  <a:srgbClr val="FEFFFF"/>
+                </a:solidFill>
+              </a:rPr>
+              <a:t>R-Square on train data: 0.832</a:t>
+            </a:r>
+          </a:p>
+        </p:txBody>
+      </p:sp>
+      <p:pic>
+        <p:nvPicPr>
+          <p:cNvPr id="4" name="Picture 3">
+            <a:extLst>
+              <a:ext uri="{FF2B5EF4-FFF2-40B4-BE49-F238E27FC236}">
+                <a16:creationId xmlns:a16="http://schemas.microsoft.com/office/drawing/2014/main" id="{19901737-EB9D-4C85-8037-9B7D3E7EB63A}"/>
+              </a:ext>
+            </a:extLst>
+          </p:cNvPr>
+          <p:cNvPicPr>
+            <a:picLocks noChangeAspect="1"/>
+          </p:cNvPicPr>
+          <p:nvPr/>
+        </p:nvPicPr>
+        <p:blipFill>
+          <a:blip r:embed="rId2"/>
+          <a:stretch>
+            <a:fillRect/>
+          </a:stretch>
+        </p:blipFill>
+        <p:spPr>
+          <a:xfrm>
+            <a:off x="4998268" y="821124"/>
+            <a:ext cx="6539075" cy="4896331"/>
+          </a:xfrm>
+          <a:prstGeom prst="rect">
+            <a:avLst/>
+          </a:prstGeom>
+        </p:spPr>
+      </p:pic>
+      <p:sp>
+        <p:nvSpPr>
+          <p:cNvPr id="11" name="Rectangle 1">
+            <a:extLst>
+              <a:ext uri="{FF2B5EF4-FFF2-40B4-BE49-F238E27FC236}">
+                <a16:creationId xmlns:a16="http://schemas.microsoft.com/office/drawing/2014/main" id="{F452568A-07F9-4DAA-AB32-E18563E926E2}"/>
+              </a:ext>
+            </a:extLst>
+          </p:cNvPr>
+          <p:cNvSpPr>
+            <a:spLocks noChangeArrowheads="1"/>
+          </p:cNvSpPr>
+          <p:nvPr/>
+        </p:nvSpPr>
+        <p:spPr bwMode="auto">
+          <a:xfrm>
+            <a:off x="0" y="120878"/>
+            <a:ext cx="207108" cy="215444"/>
+          </a:xfrm>
+          <a:prstGeom prst="rect">
+            <a:avLst/>
+          </a:prstGeom>
+          <a:noFill/>
+          <a:ln>
+            <a:noFill/>
+          </a:ln>
+          <a:effectLst/>
+          <a:extLst>
+            <a:ext uri="{909E8E84-426E-40DD-AFC4-6F175D3DCCD1}">
+              <a14:hiddenFill xmlns:a14="http://schemas.microsoft.com/office/drawing/2010/main">
+                <a:solidFill>
+                  <a:schemeClr val="accent1"/>
+                </a:solidFill>
+              </a14:hiddenFill>
+            </a:ext>
+            <a:ext uri="{91240B29-F687-4F45-9708-019B960494DF}">
+              <a14:hiddenLine xmlns:a14="http://schemas.microsoft.com/office/drawing/2010/main" w="9525">
+                <a:solidFill>
+                  <a:schemeClr val="tx1"/>
+                </a:solidFill>
+                <a:miter lim="800000"/>
+                <a:headEnd/>
+                <a:tailEnd/>
+              </a14:hiddenLine>
+            </a:ext>
+            <a:ext uri="{AF507438-7753-43E0-B8FC-AC1667EBCBE1}">
+              <a14:hiddenEffects xmlns:a14="http://schemas.microsoft.com/office/drawing/2010/main">
+                <a:effectLst>
+                  <a:outerShdw dist="35921" dir="2700000" algn="ctr" rotWithShape="0">
+                    <a:schemeClr val="bg2"/>
+                  </a:outerShdw>
+                </a:effectLst>
+              </a14:hiddenEffects>
+            </a:ext>
+          </a:extLst>
+        </p:spPr>
+        <p:txBody>
+          <a:bodyPr vert="horz" wrap="none" lIns="91440" tIns="45720" rIns="91440" bIns="45720" numCol="1" anchor="ctr" anchorCtr="0" compatLnSpc="1">
+            <a:prstTxWarp prst="textNoShape">
+              <a:avLst/>
+            </a:prstTxWarp>
+            <a:spAutoFit/>
+          </a:bodyPr>
+          <a:lstStyle/>
+          <a:p>
+            <a:pPr marL="0" marR="0" lvl="0" indent="0" algn="l" defTabSz="914400" rtl="0" eaLnBrk="0" fontAlgn="base" latinLnBrk="0" hangingPunct="0">
+              <a:spcBef>
+                <a:spcPct val="0"/>
+              </a:spcBef>
+              <a:spcAft>
+                <a:spcPts val="600"/>
+              </a:spcAft>
+              <a:buClrTx/>
+              <a:buSzTx/>
+              <a:buFontTx/>
+              <a:buNone/>
+              <a:tabLst/>
+            </a:pPr>
+            <a:r>
+              <a:rPr kumimoji="0" lang="en-US" altLang="en-US" sz="800" b="0" i="0" u="none" strike="noStrike" cap="none" normalizeH="0" baseline="0" dirty="0">
+                <a:ln>
+                  <a:noFill/>
+                </a:ln>
+                <a:solidFill>
+                  <a:schemeClr val="tx1"/>
+                </a:solidFill>
+                <a:effectLst/>
+              </a:rPr>
+              <a:t> </a:t>
+            </a:r>
+            <a:endParaRPr kumimoji="0" lang="en-US" altLang="en-US" sz="1800" b="0" i="0" u="none" strike="noStrike" cap="none" normalizeH="0" baseline="0">
+              <a:ln>
+                <a:noFill/>
+              </a:ln>
+              <a:solidFill>
+                <a:schemeClr val="tx1"/>
+              </a:solidFill>
+              <a:effectLst/>
+              <a:latin typeface="Arial" panose="020B0604020202020204" pitchFamily="34" charset="0"/>
+            </a:endParaRPr>
+          </a:p>
+        </p:txBody>
+      </p:sp>
+      <p:sp>
+        <p:nvSpPr>
+          <p:cNvPr id="5" name="Rectangle 1">
+            <a:extLst>
+              <a:ext uri="{FF2B5EF4-FFF2-40B4-BE49-F238E27FC236}">
+                <a16:creationId xmlns:a16="http://schemas.microsoft.com/office/drawing/2014/main" id="{F4339051-6F60-4304-A98A-C0324D593E6E}"/>
+              </a:ext>
+            </a:extLst>
+          </p:cNvPr>
+          <p:cNvSpPr>
+            <a:spLocks noChangeArrowheads="1"/>
+          </p:cNvSpPr>
+          <p:nvPr/>
+        </p:nvSpPr>
+        <p:spPr bwMode="auto">
+          <a:xfrm>
+            <a:off x="0" y="0"/>
+            <a:ext cx="12192000" cy="457200"/>
+          </a:xfrm>
+          <a:prstGeom prst="rect">
+            <a:avLst/>
+          </a:prstGeom>
+          <a:noFill/>
+          <a:ln>
+            <a:noFill/>
+          </a:ln>
+          <a:effectLst/>
+          <a:extLst>
+            <a:ext uri="{909E8E84-426E-40DD-AFC4-6F175D3DCCD1}">
+              <a14:hiddenFill xmlns:a14="http://schemas.microsoft.com/office/drawing/2010/main">
+                <a:solidFill>
+                  <a:schemeClr val="accent1"/>
+                </a:solidFill>
+              </a14:hiddenFill>
+            </a:ext>
+            <a:ext uri="{91240B29-F687-4F45-9708-019B960494DF}">
+              <a14:hiddenLine xmlns:a14="http://schemas.microsoft.com/office/drawing/2010/main" w="9525">
+                <a:solidFill>
+                  <a:schemeClr val="tx1"/>
+                </a:solidFill>
+                <a:miter lim="800000"/>
+                <a:headEnd/>
+                <a:tailEnd/>
+              </a14:hiddenLine>
+            </a:ext>
+            <a:ext uri="{AF507438-7753-43E0-B8FC-AC1667EBCBE1}">
+              <a14:hiddenEffects xmlns:a14="http://schemas.microsoft.com/office/drawing/2010/main">
+                <a:effectLst>
+                  <a:outerShdw dist="35921" dir="2700000" algn="ctr" rotWithShape="0">
+                    <a:schemeClr val="bg2"/>
+                  </a:outerShdw>
+                </a:effectLst>
+              </a14:hiddenEffects>
+            </a:ext>
+          </a:extLst>
+        </p:spPr>
+        <p:txBody>
+          <a:bodyPr vert="horz" wrap="none" lIns="91440" tIns="45720" rIns="91440" bIns="45720" numCol="1" anchor="ctr" anchorCtr="0" compatLnSpc="1">
+            <a:prstTxWarp prst="textNoShape">
+              <a:avLst/>
+            </a:prstTxWarp>
+            <a:spAutoFit/>
+          </a:bodyPr>
+          <a:lstStyle/>
+          <a:p>
+            <a:pPr marL="0" marR="0" lvl="0" indent="0" algn="l" defTabSz="914400" rtl="0" eaLnBrk="0" fontAlgn="base" latinLnBrk="0" hangingPunct="0">
+              <a:lnSpc>
+                <a:spcPct val="100000"/>
+              </a:lnSpc>
+              <a:spcBef>
+                <a:spcPct val="0"/>
+              </a:spcBef>
+              <a:spcAft>
+                <a:spcPct val="0"/>
+              </a:spcAft>
+              <a:buClrTx/>
+              <a:buSzTx/>
+              <a:buFontTx/>
+              <a:buNone/>
+              <a:tabLst/>
+            </a:pPr>
+            <a:r>
+              <a:rPr kumimoji="0" lang="en-US" altLang="en-US" sz="1000" b="0" i="0" u="none" strike="noStrike" cap="none" normalizeH="0" baseline="0">
+                <a:ln>
+                  <a:noFill/>
+                </a:ln>
+                <a:solidFill>
+                  <a:schemeClr val="tx1"/>
+                </a:solidFill>
+                <a:effectLst/>
+                <a:latin typeface="Arial Unicode MS"/>
+              </a:rPr>
+              <a:t>0.8099713060806867</a:t>
+            </a:r>
+            <a:r>
+              <a:rPr kumimoji="0" lang="en-US" altLang="en-US" sz="800" b="0" i="0" u="none" strike="noStrike" cap="none" normalizeH="0" baseline="0">
+                <a:ln>
+                  <a:noFill/>
+                </a:ln>
+                <a:solidFill>
+                  <a:schemeClr val="tx1"/>
+                </a:solidFill>
+                <a:effectLst/>
+              </a:rPr>
+              <a:t> </a:t>
+            </a:r>
+            <a:endParaRPr kumimoji="0" lang="en-US" altLang="en-US" sz="1800" b="0" i="0" u="none" strike="noStrike" cap="none" normalizeH="0" baseline="0">
+              <a:ln>
+                <a:noFill/>
+              </a:ln>
+              <a:solidFill>
+                <a:schemeClr val="tx1"/>
+              </a:solidFill>
+              <a:effectLst/>
+              <a:latin typeface="Arial" panose="020B0604020202020204" pitchFamily="34" charset="0"/>
+            </a:endParaRPr>
+          </a:p>
+        </p:txBody>
+      </p:sp>
+    </p:spTree>
+    <p:extLst>
+      <p:ext uri="{BB962C8B-B14F-4D97-AF65-F5344CB8AC3E}">
+        <p14:creationId xmlns:p14="http://schemas.microsoft.com/office/powerpoint/2010/main" val="2749437889"/>
+      </p:ext>
+    </p:extLst>
+  </p:cSld>
+  <p:clrMapOvr>
+    <a:masterClrMapping/>
+  </p:clrMapOvr>
+</p:sld>
+</file>
+
+<file path=ppt/slides/slide9.xml><?xml version="1.0" encoding="utf-8"?>
+<p:sld xmlns:a="http://schemas.openxmlformats.org/drawingml/2006/main" xmlns:r="http://schemas.openxmlformats.org/officeDocument/2006/relationships" xmlns:p="http://schemas.openxmlformats.org/presentationml/2006/main">
+  <p:cSld>
+    <p:bg>
+      <p:bgPr>
+        <a:solidFill>
+          <a:schemeClr val="bg1"/>
+        </a:solidFill>
+        <a:effectLst/>
+      </p:bgPr>
+    </p:bg>
+    <p:spTree>
+      <p:nvGrpSpPr>
+        <p:cNvPr id="1" name=""/>
+        <p:cNvGrpSpPr/>
+        <p:nvPr/>
+      </p:nvGrpSpPr>
+      <p:grpSpPr>
+        <a:xfrm>
+          <a:off x="0" y="0"/>
+          <a:ext cx="0" cy="0"/>
+          <a:chOff x="0" y="0"/>
+          <a:chExt cx="0" cy="0"/>
+        </a:xfrm>
+      </p:grpSpPr>
+      <p:sp useBgFill="1">
+        <p:nvSpPr>
+          <p:cNvPr id="34" name="Rectangle 16">
+            <a:extLst>
+              <a:ext uri="{FF2B5EF4-FFF2-40B4-BE49-F238E27FC236}">
+                <a16:creationId xmlns:a16="http://schemas.microsoft.com/office/drawing/2014/main" id="{B5FA7C47-B7C1-4D2E-AB49-ED23BA34BA83}"/>
+              </a:ext>
+              <a:ext uri="{C183D7F6-B498-43B3-948B-1728B52AA6E4}">
+                <adec:decorative xmlns:adec="http://schemas.microsoft.com/office/drawing/2017/decorative" val="1"/>
+              </a:ext>
+            </a:extLst>
+          </p:cNvPr>
+          <p:cNvSpPr>
+            <a:spLocks noGrp="1" noRot="1" noChangeAspect="1" noMove="1" noResize="1" noEditPoints="1" noAdjustHandles="1" noChangeArrowheads="1" noChangeShapeType="1" noTextEdit="1"/>
+          </p:cNvSpPr>
+          <p:nvPr>
+            <p:extLst>
+              <p:ext uri="{386F3935-93C4-4BCD-93E2-E3B085C9AB24}">
+                <p16:designElem xmlns:p16="http://schemas.microsoft.com/office/powerpoint/2015/main" val="1"/>
+              </p:ext>
+            </p:extLst>
+          </p:nvPr>
+        </p:nvSpPr>
+        <p:spPr>
+          <a:xfrm>
+            <a:off x="0" y="0"/>
+            <a:ext cx="12188952" cy="6858000"/>
+          </a:xfrm>
+          <a:prstGeom prst="rect">
+            <a:avLst/>
+          </a:prstGeom>
+          <a:ln>
+            <a:noFill/>
+          </a:ln>
+        </p:spPr>
+        <p:style>
+          <a:lnRef idx="2">
+            <a:schemeClr val="accent1">
+              <a:shade val="50000"/>
+            </a:schemeClr>
+          </a:lnRef>
+          <a:fillRef idx="1">
+            <a:schemeClr val="accent1"/>
+          </a:fillRef>
+          <a:effectRef idx="0">
+            <a:schemeClr val="accent1"/>
+          </a:effectRef>
+          <a:fontRef idx="minor">
+            <a:schemeClr val="lt1"/>
+          </a:fontRef>
+        </p:style>
+        <p:txBody>
+          <a:bodyPr rtlCol="0" anchor="ctr"/>
+          <a:lstStyle/>
+          <a:p>
+            <a:pPr algn="ctr"/>
+            <a:endParaRPr lang="en-US"/>
+          </a:p>
+        </p:txBody>
+      </p:sp>
+      <p:sp>
+        <p:nvSpPr>
+          <p:cNvPr id="35" name="Freeform 6">
+            <a:extLst>
+              <a:ext uri="{FF2B5EF4-FFF2-40B4-BE49-F238E27FC236}">
+                <a16:creationId xmlns:a16="http://schemas.microsoft.com/office/drawing/2014/main" id="{596EE156-ABF1-4329-A6BA-03B4254E0877}"/>
+              </a:ext>
+              <a:ext uri="{C183D7F6-B498-43B3-948B-1728B52AA6E4}">
+                <adec:decorative xmlns:adec="http://schemas.microsoft.com/office/drawing/2017/decorative" val="1"/>
+              </a:ext>
+            </a:extLst>
+          </p:cNvPr>
+          <p:cNvSpPr>
+            <a:spLocks noGrp="1" noRot="1" noChangeAspect="1" noMove="1" noResize="1" noEditPoints="1" noAdjustHandles="1" noChangeArrowheads="1" noChangeShapeType="1" noTextEdit="1"/>
+          </p:cNvSpPr>
+          <p:nvPr>
+            <p:extLst>
+              <p:ext uri="{386F3935-93C4-4BCD-93E2-E3B085C9AB24}">
+                <p16:designElem xmlns:p16="http://schemas.microsoft.com/office/powerpoint/2015/main" val="1"/>
+              </p:ext>
+            </p:extLst>
+          </p:nvPr>
+        </p:nvSpPr>
+        <p:spPr bwMode="auto">
+          <a:xfrm flipH="1">
+            <a:off x="521144" y="911116"/>
+            <a:ext cx="687754" cy="5710965"/>
+          </a:xfrm>
+          <a:custGeom>
+            <a:avLst/>
+            <a:gdLst>
+              <a:gd name="T0" fmla="*/ 414 w 414"/>
+              <a:gd name="T1" fmla="*/ 2447 h 2447"/>
+              <a:gd name="T2" fmla="*/ 0 w 414"/>
+              <a:gd name="T3" fmla="*/ 2247 h 2447"/>
+              <a:gd name="T4" fmla="*/ 0 w 414"/>
+              <a:gd name="T5" fmla="*/ 0 h 2447"/>
+              <a:gd name="T6" fmla="*/ 414 w 414"/>
+              <a:gd name="T7" fmla="*/ 200 h 2447"/>
+              <a:gd name="T8" fmla="*/ 414 w 414"/>
+              <a:gd name="T9" fmla="*/ 2447 h 2447"/>
+            </a:gdLst>
+            <a:ahLst/>
+            <a:cxnLst>
+              <a:cxn ang="0">
+                <a:pos x="T0" y="T1"/>
+              </a:cxn>
+              <a:cxn ang="0">
+                <a:pos x="T2" y="T3"/>
+              </a:cxn>
+              <a:cxn ang="0">
+                <a:pos x="T4" y="T5"/>
+              </a:cxn>
+              <a:cxn ang="0">
+                <a:pos x="T6" y="T7"/>
+              </a:cxn>
+              <a:cxn ang="0">
+                <a:pos x="T8" y="T9"/>
+              </a:cxn>
+            </a:cxnLst>
+            <a:rect l="0" t="0" r="r" b="b"/>
+            <a:pathLst>
+              <a:path w="414" h="2447">
+                <a:moveTo>
+                  <a:pt x="414" y="2447"/>
+                </a:moveTo>
+                <a:lnTo>
+                  <a:pt x="0" y="2247"/>
+                </a:lnTo>
+                <a:lnTo>
+                  <a:pt x="0" y="0"/>
+                </a:lnTo>
+                <a:lnTo>
+                  <a:pt x="414" y="200"/>
+                </a:lnTo>
+                <a:lnTo>
+                  <a:pt x="414" y="2447"/>
+                </a:lnTo>
+                <a:close/>
+              </a:path>
+            </a:pathLst>
+          </a:custGeom>
+          <a:solidFill>
+            <a:schemeClr val="accent1">
+              <a:lumMod val="75000"/>
+            </a:schemeClr>
+          </a:solidFill>
+          <a:ln>
+            <a:noFill/>
+          </a:ln>
+        </p:spPr>
+        <p:txBody>
+          <a:bodyPr vert="horz" wrap="square" lIns="91440" tIns="45720" rIns="91440" bIns="45720" numCol="1" anchor="t" anchorCtr="0" compatLnSpc="1">
+            <a:prstTxWarp prst="textNoShape">
+              <a:avLst/>
+            </a:prstTxWarp>
+          </a:bodyPr>
+          <a:lstStyle/>
+          <a:p>
+            <a:endParaRPr lang="en-US"/>
+          </a:p>
+        </p:txBody>
+      </p:sp>
+      <p:sp>
+        <p:nvSpPr>
+          <p:cNvPr id="36" name="Rectangle 8">
+            <a:extLst>
+              <a:ext uri="{FF2B5EF4-FFF2-40B4-BE49-F238E27FC236}">
+                <a16:creationId xmlns:a16="http://schemas.microsoft.com/office/drawing/2014/main" id="{19B9933F-AAB3-444A-8BB5-9CA194A8BC63}"/>
+              </a:ext>
+              <a:ext uri="{C183D7F6-B498-43B3-948B-1728B52AA6E4}">
+                <adec:decorative xmlns:adec="http://schemas.microsoft.com/office/drawing/2017/decorative" val="1"/>
+              </a:ext>
+            </a:extLst>
+          </p:cNvPr>
+          <p:cNvSpPr>
+            <a:spLocks noGrp="1" noRot="1" noChangeAspect="1" noMove="1" noResize="1" noEditPoints="1" noAdjustHandles="1" noChangeArrowheads="1" noChangeShapeType="1" noTextEdit="1"/>
+          </p:cNvSpPr>
+          <p:nvPr>
+            <p:extLst>
+              <p:ext uri="{386F3935-93C4-4BCD-93E2-E3B085C9AB24}">
+                <p16:designElem xmlns:p16="http://schemas.microsoft.com/office/powerpoint/2015/main" val="1"/>
+              </p:ext>
+            </p:extLst>
+          </p:nvPr>
+        </p:nvSpPr>
+        <p:spPr bwMode="auto">
+          <a:xfrm flipH="1">
+            <a:off x="0" y="1370435"/>
+            <a:ext cx="527226" cy="5251646"/>
+          </a:xfrm>
+          <a:prstGeom prst="rect">
+            <a:avLst/>
+          </a:prstGeom>
+          <a:solidFill>
+            <a:schemeClr val="accent1"/>
+          </a:solidFill>
+          <a:ln>
+            <a:noFill/>
+          </a:ln>
+        </p:spPr>
+        <p:txBody>
+          <a:bodyPr vert="horz" wrap="square" lIns="91440" tIns="45720" rIns="91440" bIns="45720" numCol="1" anchor="t" anchorCtr="0" compatLnSpc="1">
+            <a:prstTxWarp prst="textNoShape">
+              <a:avLst/>
+            </a:prstTxWarp>
+          </a:bodyPr>
+          <a:lstStyle/>
+          <a:p>
+            <a:endParaRPr lang="en-US"/>
+          </a:p>
+        </p:txBody>
+      </p:sp>
+      <p:sp>
+        <p:nvSpPr>
+          <p:cNvPr id="37" name="Freeform 7">
+            <a:extLst>
+              <a:ext uri="{FF2B5EF4-FFF2-40B4-BE49-F238E27FC236}">
+                <a16:creationId xmlns:a16="http://schemas.microsoft.com/office/drawing/2014/main" id="{7D20183A-0B1D-4A1F-89B1-ADBEDBC6E54E}"/>
+              </a:ext>
+              <a:ext uri="{C183D7F6-B498-43B3-948B-1728B52AA6E4}">
+                <adec:decorative xmlns:adec="http://schemas.microsoft.com/office/drawing/2017/decorative" val="1"/>
+              </a:ext>
+            </a:extLst>
+          </p:cNvPr>
+          <p:cNvSpPr>
+            <a:spLocks noGrp="1" noRot="1" noChangeAspect="1" noMove="1" noResize="1" noEditPoints="1" noAdjustHandles="1" noChangeArrowheads="1" noChangeShapeType="1" noTextEdit="1"/>
+          </p:cNvSpPr>
+          <p:nvPr>
+            <p:extLst>
+              <p:ext uri="{386F3935-93C4-4BCD-93E2-E3B085C9AB24}">
+                <p16:designElem xmlns:p16="http://schemas.microsoft.com/office/powerpoint/2015/main" val="1"/>
+              </p:ext>
+            </p:extLst>
+          </p:nvPr>
+        </p:nvSpPr>
+        <p:spPr bwMode="auto">
+          <a:xfrm flipH="1">
+            <a:off x="800164" y="643467"/>
+            <a:ext cx="409371" cy="5521414"/>
+          </a:xfrm>
+          <a:custGeom>
+            <a:avLst/>
+            <a:gdLst>
+              <a:gd name="T0" fmla="*/ 209 w 209"/>
+              <a:gd name="T1" fmla="*/ 2246 h 2358"/>
+              <a:gd name="T2" fmla="*/ 0 w 209"/>
+              <a:gd name="T3" fmla="*/ 2358 h 2358"/>
+              <a:gd name="T4" fmla="*/ 0 w 209"/>
+              <a:gd name="T5" fmla="*/ 111 h 2358"/>
+              <a:gd name="T6" fmla="*/ 209 w 209"/>
+              <a:gd name="T7" fmla="*/ 0 h 2358"/>
+              <a:gd name="T8" fmla="*/ 209 w 209"/>
+              <a:gd name="T9" fmla="*/ 2246 h 2358"/>
+            </a:gdLst>
+            <a:ahLst/>
+            <a:cxnLst>
+              <a:cxn ang="0">
+                <a:pos x="T0" y="T1"/>
+              </a:cxn>
+              <a:cxn ang="0">
+                <a:pos x="T2" y="T3"/>
+              </a:cxn>
+              <a:cxn ang="0">
+                <a:pos x="T4" y="T5"/>
+              </a:cxn>
+              <a:cxn ang="0">
+                <a:pos x="T6" y="T7"/>
+              </a:cxn>
+              <a:cxn ang="0">
+                <a:pos x="T8" y="T9"/>
+              </a:cxn>
+            </a:cxnLst>
+            <a:rect l="0" t="0" r="r" b="b"/>
+            <a:pathLst>
+              <a:path w="209" h="2358">
+                <a:moveTo>
+                  <a:pt x="209" y="2246"/>
+                </a:moveTo>
+                <a:lnTo>
+                  <a:pt x="0" y="2358"/>
+                </a:lnTo>
+                <a:lnTo>
+                  <a:pt x="0" y="111"/>
+                </a:lnTo>
+                <a:lnTo>
+                  <a:pt x="209" y="0"/>
+                </a:lnTo>
+                <a:lnTo>
+                  <a:pt x="209" y="2246"/>
+                </a:lnTo>
+                <a:close/>
+              </a:path>
+            </a:pathLst>
+          </a:custGeom>
+          <a:solidFill>
+            <a:schemeClr val="accent1">
+              <a:lumMod val="50000"/>
+            </a:schemeClr>
+          </a:solidFill>
+          <a:ln>
+            <a:noFill/>
+          </a:ln>
+        </p:spPr>
+        <p:txBody>
+          <a:bodyPr vert="horz" wrap="square" lIns="91440" tIns="45720" rIns="91440" bIns="45720" numCol="1" anchor="t" anchorCtr="0" compatLnSpc="1">
+            <a:prstTxWarp prst="textNoShape">
+              <a:avLst/>
+            </a:prstTxWarp>
+          </a:bodyPr>
+          <a:lstStyle/>
+          <a:p>
+            <a:endParaRPr lang="en-US"/>
+          </a:p>
+        </p:txBody>
+      </p:sp>
+      <p:sp>
+        <p:nvSpPr>
+          <p:cNvPr id="38" name="Rectangle 8">
+            <a:extLst>
+              <a:ext uri="{FF2B5EF4-FFF2-40B4-BE49-F238E27FC236}">
+                <a16:creationId xmlns:a16="http://schemas.microsoft.com/office/drawing/2014/main" id="{131031D3-26CD-4214-A9A4-5857EFA15A0C}"/>
+              </a:ext>
+              <a:ext uri="{C183D7F6-B498-43B3-948B-1728B52AA6E4}">
+                <adec:decorative xmlns:adec="http://schemas.microsoft.com/office/drawing/2017/decorative" val="1"/>
+              </a:ext>
+            </a:extLst>
+          </p:cNvPr>
+          <p:cNvSpPr>
+            <a:spLocks noGrp="1" noRot="1" noChangeAspect="1" noMove="1" noResize="1" noEditPoints="1" noAdjustHandles="1" noChangeArrowheads="1" noChangeShapeType="1" noTextEdit="1"/>
+          </p:cNvSpPr>
+          <p:nvPr>
+            <p:extLst>
+              <p:ext uri="{386F3935-93C4-4BCD-93E2-E3B085C9AB24}">
+                <p16:designElem xmlns:p16="http://schemas.microsoft.com/office/powerpoint/2015/main" val="1"/>
+              </p:ext>
+            </p:extLst>
+          </p:nvPr>
+        </p:nvSpPr>
+        <p:spPr bwMode="auto">
+          <a:xfrm>
+            <a:off x="795529" y="644382"/>
+            <a:ext cx="3856024" cy="5251646"/>
+          </a:xfrm>
+          <a:prstGeom prst="rect">
+            <a:avLst/>
+          </a:prstGeom>
+          <a:solidFill>
+            <a:schemeClr val="accent1"/>
+          </a:solidFill>
+          <a:ln>
+            <a:noFill/>
+          </a:ln>
+        </p:spPr>
+        <p:txBody>
+          <a:bodyPr vert="horz" wrap="square" lIns="91440" tIns="45720" rIns="91440" bIns="45720" numCol="1" anchor="t" anchorCtr="0" compatLnSpc="1">
+            <a:prstTxWarp prst="textNoShape">
+              <a:avLst/>
+            </a:prstTxWarp>
+          </a:bodyPr>
+          <a:lstStyle/>
+          <a:p>
+            <a:endParaRPr lang="en-US"/>
+          </a:p>
+        </p:txBody>
+      </p:sp>
+      <p:sp>
+        <p:nvSpPr>
+          <p:cNvPr id="2" name="Title 1">
+            <a:extLst>
+              <a:ext uri="{FF2B5EF4-FFF2-40B4-BE49-F238E27FC236}">
+                <a16:creationId xmlns:a16="http://schemas.microsoft.com/office/drawing/2014/main" id="{04BCD2E8-A961-409A-B472-8573C7E69B7D}"/>
+              </a:ext>
+            </a:extLst>
+          </p:cNvPr>
+          <p:cNvSpPr>
+            <a:spLocks noGrp="1"/>
+          </p:cNvSpPr>
+          <p:nvPr>
+            <p:ph type="title"/>
+          </p:nvPr>
+        </p:nvSpPr>
+        <p:spPr>
+          <a:xfrm>
+            <a:off x="1146879" y="998002"/>
+            <a:ext cx="3182940" cy="1471959"/>
+          </a:xfrm>
+        </p:spPr>
+        <p:txBody>
+          <a:bodyPr>
+            <a:normAutofit/>
+          </a:bodyPr>
+          <a:lstStyle/>
+          <a:p>
+            <a:r>
+              <a:rPr lang="en-IN" sz="3300">
+                <a:solidFill>
+                  <a:srgbClr val="FFFFFF"/>
+                </a:solidFill>
+              </a:rPr>
+              <a:t>Multiple Linear Regression Equation</a:t>
+            </a:r>
+          </a:p>
+        </p:txBody>
+      </p:sp>
+      <p:sp>
+        <p:nvSpPr>
+          <p:cNvPr id="3" name="Content Placeholder 2">
+            <a:extLst>
+              <a:ext uri="{FF2B5EF4-FFF2-40B4-BE49-F238E27FC236}">
+                <a16:creationId xmlns:a16="http://schemas.microsoft.com/office/drawing/2014/main" id="{D9737B97-9507-4C05-8F08-20C8CB85DC07}"/>
+              </a:ext>
+            </a:extLst>
+          </p:cNvPr>
+          <p:cNvSpPr>
+            <a:spLocks noGrp="1"/>
+          </p:cNvSpPr>
+          <p:nvPr>
+            <p:ph idx="1"/>
+          </p:nvPr>
+        </p:nvSpPr>
+        <p:spPr>
+          <a:xfrm>
+            <a:off x="1139635" y="2546161"/>
+            <a:ext cx="3200451" cy="2985929"/>
+          </a:xfrm>
+        </p:spPr>
+        <p:txBody>
+          <a:bodyPr anchor="t">
+            <a:noAutofit/>
+          </a:bodyPr>
+          <a:lstStyle/>
+          <a:p>
             <a:pPr marL="0" indent="0">
               <a:buNone/>
             </a:pPr>
             <a:r>
-              <a:rPr lang="en-US" sz="1900" dirty="0">
+              <a:rPr lang="en-US" sz="800" dirty="0">
                 <a:solidFill>
                   <a:srgbClr val="FEFFFF"/>
                 </a:solidFill>
               </a:rPr>
-              <a:t>cnt = 0.1193 + 0.2479*yr + .0393*workingday + 05155*atemp - 0.1995*windspeed + .0921*season_summer + .1096*season_winter + .0617*mnth_Aug - .0537*mnth_Jan + .0987*mnth_Sep + .0516*weekday_Mon - .0727*weathersit_Heavy_Rain</a:t>
+              <a:t>cnt = 0.1289 </a:t>
             </a:r>
           </a:p>
           <a:p>
             <a:pPr marL="0" indent="0">
               <a:buNone/>
             </a:pPr>
-            <a:endParaRPr lang="en-US" sz="1900" dirty="0">
-              <a:solidFill>
-                <a:srgbClr val="FEFFFF"/>
-              </a:solidFill>
-            </a:endParaRPr>
+            <a:r>
+              <a:rPr lang="en-US" sz="800" dirty="0">
+                <a:solidFill>
+                  <a:srgbClr val="FEFFFF"/>
+                </a:solidFill>
+              </a:rPr>
+              <a:t>+ 0.2425*yr </a:t>
+            </a:r>
+          </a:p>
+          <a:p>
+            <a:pPr marL="0" indent="0">
+              <a:buNone/>
+            </a:pPr>
+            <a:r>
+              <a:rPr lang="en-US" sz="800" dirty="0">
+                <a:solidFill>
+                  <a:srgbClr val="FEFFFF"/>
+                </a:solidFill>
+              </a:rPr>
+              <a:t>+ 0.0453*workingday </a:t>
+            </a:r>
+          </a:p>
+          <a:p>
+            <a:pPr marL="0" indent="0">
+              <a:buNone/>
+            </a:pPr>
+            <a:r>
+              <a:rPr lang="en-US" sz="800" dirty="0">
+                <a:solidFill>
+                  <a:srgbClr val="FEFFFF"/>
+                </a:solidFill>
+              </a:rPr>
+              <a:t>+ 0.4948*atemp </a:t>
+            </a:r>
+          </a:p>
+          <a:p>
+            <a:pPr marL="0" indent="0">
+              <a:buNone/>
+            </a:pPr>
+            <a:r>
+              <a:rPr lang="en-US" sz="800" dirty="0">
+                <a:solidFill>
+                  <a:srgbClr val="FEFFFF"/>
+                </a:solidFill>
+              </a:rPr>
+              <a:t>+ 0.0914*season_summer </a:t>
+            </a:r>
+          </a:p>
+          <a:p>
+            <a:pPr marL="0" indent="0">
+              <a:buNone/>
+            </a:pPr>
+            <a:r>
+              <a:rPr lang="en-US" sz="800" dirty="0">
+                <a:solidFill>
+                  <a:srgbClr val="FEFFFF"/>
+                </a:solidFill>
+              </a:rPr>
+              <a:t>+ 0.1167*season_winter </a:t>
+            </a:r>
+          </a:p>
+          <a:p>
+            <a:pPr marL="0" indent="0">
+              <a:buNone/>
+            </a:pPr>
+            <a:r>
+              <a:rPr lang="en-US" sz="800" dirty="0">
+                <a:solidFill>
+                  <a:srgbClr val="FEFFFF"/>
+                </a:solidFill>
+              </a:rPr>
+              <a:t>+ 0.0619*mnth_Aug </a:t>
+            </a:r>
+          </a:p>
+          <a:p>
+            <a:pPr marL="0" indent="0">
+              <a:buNone/>
+            </a:pPr>
+            <a:r>
+              <a:rPr lang="en-US" sz="800" dirty="0">
+                <a:solidFill>
+                  <a:srgbClr val="FEFFFF"/>
+                </a:solidFill>
+              </a:rPr>
+              <a:t>+ 0.1151*mnth_Sep </a:t>
+            </a:r>
+          </a:p>
+          <a:p>
+            <a:pPr marL="0" indent="0">
+              <a:buNone/>
+            </a:pPr>
+            <a:r>
+              <a:rPr lang="en-US" sz="800" dirty="0">
+                <a:solidFill>
+                  <a:srgbClr val="FEFFFF"/>
+                </a:solidFill>
+              </a:rPr>
+              <a:t>+ 0.0616*weekday_Mon </a:t>
+            </a:r>
+          </a:p>
+          <a:p>
+            <a:pPr marL="0" indent="0">
+              <a:buNone/>
+            </a:pPr>
+            <a:r>
+              <a:rPr lang="en-US" sz="800" dirty="0">
+                <a:solidFill>
+                  <a:srgbClr val="FEFFFF"/>
+                </a:solidFill>
+              </a:rPr>
+              <a:t>- 0.2875*weathersit_Light_Snow</a:t>
+            </a:r>
+          </a:p>
+          <a:p>
+            <a:pPr marL="0" indent="0">
+              <a:buNone/>
+            </a:pPr>
+            <a:r>
+              <a:rPr lang="en-US" sz="800" dirty="0">
+                <a:solidFill>
+                  <a:srgbClr val="FEFFFF"/>
+                </a:solidFill>
+              </a:rPr>
+              <a:t>- 0.0869*weathersit_Misty</a:t>
+            </a:r>
+          </a:p>
+          <a:p>
+            <a:pPr marL="0" indent="0">
+              <a:buNone/>
+            </a:pPr>
+            <a:r>
+              <a:rPr lang="en-US" sz="800" dirty="0">
+                <a:solidFill>
+                  <a:srgbClr val="FEFFFF"/>
+                </a:solidFill>
+              </a:rPr>
+              <a:t>- 0.1673*windspeed</a:t>
+            </a:r>
+          </a:p>
+          <a:p>
+            <a:pPr marL="0" indent="0">
+              <a:buNone/>
+            </a:pPr>
+            <a:r>
+              <a:rPr lang="en-US" sz="800" dirty="0">
+                <a:solidFill>
+                  <a:srgbClr val="FEFFFF"/>
+                </a:solidFill>
+              </a:rPr>
+              <a:t>- 0.0666*mnth_Jan</a:t>
+            </a:r>
           </a:p>
         </p:txBody>
       </p:sp>
       <p:graphicFrame>
         <p:nvGraphicFramePr>
-          <p:cNvPr id="4" name="Table 3">
+          <p:cNvPr id="5" name="Table 4">
             <a:extLst>
               <a:ext uri="{FF2B5EF4-FFF2-40B4-BE49-F238E27FC236}">
-                <a16:creationId xmlns:a16="http://schemas.microsoft.com/office/drawing/2014/main" id="{34FAA2E2-C2D5-43A1-9AB3-CA811D6915D1}"/>
+                <a16:creationId xmlns:a16="http://schemas.microsoft.com/office/drawing/2014/main" id="{1C9E1619-A40E-47E8-91CC-94773C49F91E}"/>
               </a:ext>
             </a:extLst>
           </p:cNvPr>
@@ -11626,88 +12285,104 @@
           <p:nvPr>
             <p:extLst>
               <p:ext uri="{D42A27DB-BD31-4B8C-83A1-F6EECF244321}">
-                <p14:modId xmlns:p14="http://schemas.microsoft.com/office/powerpoint/2010/main" val="264521421"/>
+                <p14:modId xmlns:p14="http://schemas.microsoft.com/office/powerpoint/2010/main" val="1636758014"/>
               </p:ext>
             </p:extLst>
           </p:nvPr>
         </p:nvGraphicFramePr>
         <p:xfrm>
-          <a:off x="4998268" y="1074909"/>
-          <a:ext cx="6539076" cy="4388766"/>
+          <a:off x="4998268" y="826993"/>
+          <a:ext cx="6539076" cy="4884597"/>
         </p:xfrm>
         <a:graphic>
           <a:graphicData uri="http://schemas.openxmlformats.org/drawingml/2006/table">
             <a:tbl>
-              <a:tblPr>
-                <a:noFill/>
-                <a:tableStyleId>{5C22544A-7EE6-4342-B048-85BDC9FD1C3A}</a:tableStyleId>
-              </a:tblPr>
+              <a:tblPr/>
               <a:tblGrid>
-                <a:gridCol w="3607840">
+                <a:gridCol w="3869752">
                   <a:extLst>
                     <a:ext uri="{9D8B030D-6E8A-4147-A177-3AD203B41FA5}">
-                      <a16:colId xmlns:a16="http://schemas.microsoft.com/office/drawing/2014/main" val="1430501736"/>
+                      <a16:colId xmlns:a16="http://schemas.microsoft.com/office/drawing/2014/main" val="598120646"/>
                     </a:ext>
                   </a:extLst>
                 </a:gridCol>
-                <a:gridCol w="2931236">
+                <a:gridCol w="2669324">
                   <a:extLst>
                     <a:ext uri="{9D8B030D-6E8A-4147-A177-3AD203B41FA5}">
-                      <a16:colId xmlns:a16="http://schemas.microsoft.com/office/drawing/2014/main" val="2411490400"/>
+                      <a16:colId xmlns:a16="http://schemas.microsoft.com/office/drawing/2014/main" val="2125925244"/>
                     </a:ext>
                   </a:extLst>
                 </a:gridCol>
               </a:tblGrid>
-              <a:tr h="731461">
+              <a:tr h="542733">
                 <a:tc>
                   <a:txBody>
                     <a:bodyPr/>
                     <a:lstStyle/>
                     <a:p>
-                      <a:pPr algn="l" fontAlgn="b"/>
+                      <a:pPr algn="l" fontAlgn="b">
+                        <a:spcBef>
+                          <a:spcPts val="0"/>
+                        </a:spcBef>
+                        <a:spcAft>
+                          <a:spcPts val="0"/>
+                        </a:spcAft>
+                      </a:pPr>
                       <a:r>
-                        <a:rPr lang="en-IN" sz="2100" u="none" strike="noStrike" dirty="0">
+                        <a:rPr lang="en-IN" sz="2800" b="0" i="0" u="none" strike="noStrike">
                           <a:solidFill>
-                            <a:srgbClr val="00B0F0"/>
+                            <a:srgbClr val="000000"/>
                           </a:solidFill>
                           <a:effectLst/>
+                          <a:latin typeface="Calibri" panose="020F0502020204030204" pitchFamily="34" charset="0"/>
                         </a:rPr>
                         <a:t>Positive Impact</a:t>
                       </a:r>
-                      <a:endParaRPr lang="en-IN" sz="2100" b="0" i="0" u="none" strike="noStrike" dirty="0">
-                        <a:solidFill>
-                          <a:srgbClr val="00B0F0"/>
-                        </a:solidFill>
+                      <a:endParaRPr lang="en-IN" sz="4600" b="0" i="0" u="none" strike="noStrike">
                         <a:effectLst/>
-                        <a:latin typeface="Calibri" panose="020F0502020204030204" pitchFamily="34" charset="0"/>
+                        <a:latin typeface="Arial" panose="020B0604020202020204" pitchFamily="34" charset="0"/>
                       </a:endParaRPr>
                     </a:p>
                   </a:txBody>
-                  <a:tcPr marL="301426" marR="180856" marT="180856" marB="180856" anchor="b">
-                    <a:lnL w="12700" cmpd="sng">
-                      <a:noFill/>
-                      <a:prstDash val="solid"/>
-                    </a:lnL>
-                    <a:lnR w="38100" cap="flat" cmpd="sng" algn="ctr">
+                  <a:tcPr marL="24186" marR="24186" marT="24186" marB="0" anchor="b">
+                    <a:lnL w="6350" cap="flat" cmpd="sng" algn="ctr">
                       <a:solidFill>
-                        <a:srgbClr val="FFFFFF"/>
+                        <a:srgbClr val="000000"/>
                       </a:solidFill>
                       <a:prstDash val="solid"/>
-                    </a:lnR>
-                    <a:lnT w="12700" cmpd="sng">
-                      <a:noFill/>
-                      <a:prstDash val="solid"/>
-                    </a:lnT>
-                    <a:lnB w="38100" cap="flat" cmpd="sng" algn="ctr">
+                      <a:round/>
+                      <a:headEnd type="none" w="med" len="med"/>
+                      <a:tailEnd type="none" w="med" len="med"/>
+                    </a:lnL>
+                    <a:lnR w="6350" cap="flat" cmpd="sng" algn="ctr">
                       <a:solidFill>
-                        <a:srgbClr val="FFFFFF"/>
+                        <a:srgbClr val="000000"/>
                       </a:solidFill>
                       <a:prstDash val="solid"/>
+                      <a:round/>
+                      <a:headEnd type="none" w="med" len="med"/>
+                      <a:tailEnd type="none" w="med" len="med"/>
+                    </a:lnR>
+                    <a:lnT w="6350" cap="flat" cmpd="sng" algn="ctr">
+                      <a:solidFill>
+                        <a:srgbClr val="000000"/>
+                      </a:solidFill>
+                      <a:prstDash val="solid"/>
+                      <a:round/>
+                      <a:headEnd type="none" w="med" len="med"/>
+                      <a:tailEnd type="none" w="med" len="med"/>
+                    </a:lnT>
+                    <a:lnB w="6350" cap="flat" cmpd="sng" algn="ctr">
+                      <a:solidFill>
+                        <a:srgbClr val="000000"/>
+                      </a:solidFill>
+                      <a:prstDash val="solid"/>
+                      <a:round/>
+                      <a:headEnd type="none" w="med" len="med"/>
+                      <a:tailEnd type="none" w="med" len="med"/>
                     </a:lnB>
                     <a:solidFill>
-                      <a:srgbClr val="878E8B">
-                        <a:alpha val="30196"/>
-                      </a:srgbClr>
+                      <a:srgbClr val="5B9BD5"/>
                     </a:solidFill>
                   </a:tcPr>
                 </a:tc>
@@ -11716,117 +12391,147 @@
                     <a:bodyPr/>
                     <a:lstStyle/>
                     <a:p>
-                      <a:pPr algn="l" fontAlgn="b"/>
+                      <a:pPr algn="l" fontAlgn="b">
+                        <a:spcBef>
+                          <a:spcPts val="0"/>
+                        </a:spcBef>
+                        <a:spcAft>
+                          <a:spcPts val="0"/>
+                        </a:spcAft>
+                      </a:pPr>
                       <a:r>
-                        <a:rPr lang="en-IN" sz="2100" u="none" strike="noStrike" dirty="0">
+                        <a:rPr lang="en-IN" sz="2800" b="0" i="0" u="none" strike="noStrike">
                           <a:solidFill>
-                            <a:srgbClr val="00B0F0"/>
+                            <a:srgbClr val="000000"/>
                           </a:solidFill>
                           <a:effectLst/>
+                          <a:latin typeface="Calibri" panose="020F0502020204030204" pitchFamily="34" charset="0"/>
                         </a:rPr>
                         <a:t>Negative Impact</a:t>
                       </a:r>
-                      <a:endParaRPr lang="en-IN" sz="2100" b="0" i="0" u="none" strike="noStrike" dirty="0">
-                        <a:solidFill>
-                          <a:srgbClr val="00B0F0"/>
-                        </a:solidFill>
+                      <a:endParaRPr lang="en-IN" sz="4600" b="0" i="0" u="none" strike="noStrike">
                         <a:effectLst/>
-                        <a:latin typeface="Calibri" panose="020F0502020204030204" pitchFamily="34" charset="0"/>
+                        <a:latin typeface="Arial" panose="020B0604020202020204" pitchFamily="34" charset="0"/>
                       </a:endParaRPr>
                     </a:p>
                   </a:txBody>
-                  <a:tcPr marL="301426" marR="180856" marT="180856" marB="180856" anchor="b">
-                    <a:lnL w="38100" cap="flat" cmpd="sng" algn="ctr">
+                  <a:tcPr marL="24186" marR="24186" marT="24186" marB="0" anchor="b">
+                    <a:lnL w="6350" cap="flat" cmpd="sng" algn="ctr">
                       <a:solidFill>
-                        <a:srgbClr val="FFFFFF"/>
+                        <a:srgbClr val="000000"/>
                       </a:solidFill>
                       <a:prstDash val="solid"/>
+                      <a:round/>
+                      <a:headEnd type="none" w="med" len="med"/>
+                      <a:tailEnd type="none" w="med" len="med"/>
                     </a:lnL>
-                    <a:lnR w="12700" cmpd="sng">
-                      <a:noFill/>
-                      <a:prstDash val="solid"/>
-                    </a:lnR>
-                    <a:lnT w="12700" cmpd="sng">
-                      <a:noFill/>
-                      <a:prstDash val="solid"/>
-                    </a:lnT>
-                    <a:lnB w="38100" cap="flat" cmpd="sng" algn="ctr">
+                    <a:lnR w="6350" cap="flat" cmpd="sng" algn="ctr">
                       <a:solidFill>
-                        <a:srgbClr val="FFFFFF"/>
+                        <a:srgbClr val="000000"/>
                       </a:solidFill>
                       <a:prstDash val="solid"/>
+                      <a:round/>
+                      <a:headEnd type="none" w="med" len="med"/>
+                      <a:tailEnd type="none" w="med" len="med"/>
+                    </a:lnR>
+                    <a:lnT w="6350" cap="flat" cmpd="sng" algn="ctr">
+                      <a:solidFill>
+                        <a:srgbClr val="000000"/>
+                      </a:solidFill>
+                      <a:prstDash val="solid"/>
+                      <a:round/>
+                      <a:headEnd type="none" w="med" len="med"/>
+                      <a:tailEnd type="none" w="med" len="med"/>
+                    </a:lnT>
+                    <a:lnB w="6350" cap="flat" cmpd="sng" algn="ctr">
+                      <a:solidFill>
+                        <a:srgbClr val="000000"/>
+                      </a:solidFill>
+                      <a:prstDash val="solid"/>
+                      <a:round/>
+                      <a:headEnd type="none" w="med" len="med"/>
+                      <a:tailEnd type="none" w="med" len="med"/>
                     </a:lnB>
                     <a:solidFill>
-                      <a:srgbClr val="878E8B">
-                        <a:alpha val="30196"/>
-                      </a:srgbClr>
+                      <a:srgbClr val="5B9BD5"/>
                     </a:solidFill>
                   </a:tcPr>
                 </a:tc>
                 <a:extLst>
                   <a:ext uri="{0D108BD9-81ED-4DB2-BD59-A6C34878D82A}">
-                    <a16:rowId xmlns:a16="http://schemas.microsoft.com/office/drawing/2014/main" val="2654004937"/>
+                    <a16:rowId xmlns:a16="http://schemas.microsoft.com/office/drawing/2014/main" val="4136189969"/>
                   </a:ext>
                 </a:extLst>
               </a:tr>
-              <a:tr h="731461">
+              <a:tr h="542733">
                 <a:tc>
                   <a:txBody>
                     <a:bodyPr/>
                     <a:lstStyle/>
                     <a:p>
-                      <a:pPr algn="l" fontAlgn="b"/>
+                      <a:pPr algn="l" fontAlgn="b">
+                        <a:spcBef>
+                          <a:spcPts val="0"/>
+                        </a:spcBef>
+                        <a:spcAft>
+                          <a:spcPts val="0"/>
+                        </a:spcAft>
+                      </a:pPr>
                       <a:r>
-                        <a:rPr lang="en-IN" sz="2100" u="none" strike="noStrike">
+                        <a:rPr lang="en-IN" sz="2800" b="0" i="0" u="none" strike="noStrike">
                           <a:solidFill>
-                            <a:schemeClr val="tx1">
-                              <a:lumMod val="85000"/>
-                              <a:lumOff val="15000"/>
-                            </a:schemeClr>
+                            <a:srgbClr val="000000"/>
                           </a:solidFill>
                           <a:effectLst/>
+                          <a:latin typeface="Calibri" panose="020F0502020204030204" pitchFamily="34" charset="0"/>
                         </a:rPr>
-                        <a:t>Temperature</a:t>
+                        <a:t>Temperature Feels Like</a:t>
                       </a:r>
-                      <a:endParaRPr lang="en-IN" sz="2100" b="0" i="0" u="none" strike="noStrike">
-                        <a:solidFill>
-                          <a:schemeClr val="tx1">
-                            <a:lumMod val="85000"/>
-                            <a:lumOff val="15000"/>
-                          </a:schemeClr>
-                        </a:solidFill>
+                      <a:endParaRPr lang="en-IN" sz="4600" b="0" i="0" u="none" strike="noStrike">
                         <a:effectLst/>
-                        <a:latin typeface="Calibri" panose="020F0502020204030204" pitchFamily="34" charset="0"/>
+                        <a:latin typeface="Arial" panose="020B0604020202020204" pitchFamily="34" charset="0"/>
                       </a:endParaRPr>
                     </a:p>
                   </a:txBody>
-                  <a:tcPr marL="301426" marR="180856" marT="180856" marB="180856" anchor="b">
-                    <a:lnL w="12700" cmpd="sng">
-                      <a:noFill/>
-                      <a:prstDash val="solid"/>
-                    </a:lnL>
-                    <a:lnR w="38100" cap="flat" cmpd="sng" algn="ctr">
+                  <a:tcPr marL="24186" marR="24186" marT="24186" marB="0" anchor="b">
+                    <a:lnL w="6350" cap="flat" cmpd="sng" algn="ctr">
                       <a:solidFill>
-                        <a:srgbClr val="FFFFFF"/>
+                        <a:srgbClr val="000000"/>
                       </a:solidFill>
                       <a:prstDash val="solid"/>
-                    </a:lnR>
-                    <a:lnT w="38100" cap="flat" cmpd="sng" algn="ctr">
+                      <a:round/>
+                      <a:headEnd type="none" w="med" len="med"/>
+                      <a:tailEnd type="none" w="med" len="med"/>
+                    </a:lnL>
+                    <a:lnR w="6350" cap="flat" cmpd="sng" algn="ctr">
                       <a:solidFill>
-                        <a:srgbClr val="FFFFFF"/>
+                        <a:srgbClr val="000000"/>
                       </a:solidFill>
                       <a:prstDash val="solid"/>
-                    </a:lnT>
-                    <a:lnB w="38100" cap="flat" cmpd="sng" algn="ctr">
+                      <a:round/>
+                      <a:headEnd type="none" w="med" len="med"/>
+                      <a:tailEnd type="none" w="med" len="med"/>
+                    </a:lnR>
+                    <a:lnT w="6350" cap="flat" cmpd="sng" algn="ctr">
                       <a:solidFill>
-                        <a:srgbClr val="FFFFFF"/>
+                        <a:srgbClr val="000000"/>
                       </a:solidFill>
                       <a:prstDash val="solid"/>
+                      <a:round/>
+                      <a:headEnd type="none" w="med" len="med"/>
+                      <a:tailEnd type="none" w="med" len="med"/>
+                    </a:lnT>
+                    <a:lnB w="6350" cap="flat" cmpd="sng" algn="ctr">
+                      <a:solidFill>
+                        <a:srgbClr val="000000"/>
+                      </a:solidFill>
+                      <a:prstDash val="solid"/>
+                      <a:round/>
+                      <a:headEnd type="none" w="med" len="med"/>
+                      <a:tailEnd type="none" w="med" len="med"/>
                     </a:lnB>
                     <a:solidFill>
-                      <a:srgbClr val="878E8B">
-                        <a:alpha val="30196"/>
-                      </a:srgbClr>
+                      <a:srgbClr val="BDD7EE"/>
                     </a:solidFill>
                   </a:tcPr>
                 </a:tc>
@@ -11835,125 +12540,147 @@
                     <a:bodyPr/>
                     <a:lstStyle/>
                     <a:p>
-                      <a:pPr algn="l" fontAlgn="b"/>
+                      <a:pPr algn="l" fontAlgn="b">
+                        <a:spcBef>
+                          <a:spcPts val="0"/>
+                        </a:spcBef>
+                        <a:spcAft>
+                          <a:spcPts val="0"/>
+                        </a:spcAft>
+                      </a:pPr>
                       <a:r>
-                        <a:rPr lang="en-IN" sz="2100" u="none" strike="noStrike">
+                        <a:rPr lang="en-IN" sz="2800" b="0" i="0" u="none" strike="noStrike">
                           <a:solidFill>
-                            <a:schemeClr val="tx1">
-                              <a:lumMod val="85000"/>
-                              <a:lumOff val="15000"/>
-                            </a:schemeClr>
+                            <a:srgbClr val="000000"/>
                           </a:solidFill>
                           <a:effectLst/>
+                          <a:latin typeface="Calibri" panose="020F0502020204030204" pitchFamily="34" charset="0"/>
                         </a:rPr>
-                        <a:t>Wind Speed</a:t>
+                        <a:t>Light Snow</a:t>
                       </a:r>
-                      <a:endParaRPr lang="en-IN" sz="2100" b="0" i="0" u="none" strike="noStrike">
-                        <a:solidFill>
-                          <a:schemeClr val="tx1">
-                            <a:lumMod val="85000"/>
-                            <a:lumOff val="15000"/>
-                          </a:schemeClr>
-                        </a:solidFill>
+                      <a:endParaRPr lang="en-IN" sz="4600" b="0" i="0" u="none" strike="noStrike">
                         <a:effectLst/>
-                        <a:latin typeface="Calibri" panose="020F0502020204030204" pitchFamily="34" charset="0"/>
+                        <a:latin typeface="Arial" panose="020B0604020202020204" pitchFamily="34" charset="0"/>
                       </a:endParaRPr>
                     </a:p>
                   </a:txBody>
-                  <a:tcPr marL="301426" marR="180856" marT="180856" marB="180856" anchor="b">
-                    <a:lnL w="38100" cap="flat" cmpd="sng" algn="ctr">
+                  <a:tcPr marL="24186" marR="24186" marT="24186" marB="0" anchor="b">
+                    <a:lnL w="6350" cap="flat" cmpd="sng" algn="ctr">
                       <a:solidFill>
-                        <a:srgbClr val="FFFFFF"/>
+                        <a:srgbClr val="000000"/>
                       </a:solidFill>
                       <a:prstDash val="solid"/>
+                      <a:round/>
+                      <a:headEnd type="none" w="med" len="med"/>
+                      <a:tailEnd type="none" w="med" len="med"/>
                     </a:lnL>
-                    <a:lnR w="12700" cmpd="sng">
-                      <a:noFill/>
-                      <a:prstDash val="solid"/>
-                    </a:lnR>
-                    <a:lnT w="38100" cap="flat" cmpd="sng" algn="ctr">
+                    <a:lnR w="6350" cap="flat" cmpd="sng" algn="ctr">
                       <a:solidFill>
-                        <a:srgbClr val="FFFFFF"/>
+                        <a:srgbClr val="000000"/>
                       </a:solidFill>
                       <a:prstDash val="solid"/>
-                    </a:lnT>
-                    <a:lnB w="38100" cap="flat" cmpd="sng" algn="ctr">
+                      <a:round/>
+                      <a:headEnd type="none" w="med" len="med"/>
+                      <a:tailEnd type="none" w="med" len="med"/>
+                    </a:lnR>
+                    <a:lnT w="6350" cap="flat" cmpd="sng" algn="ctr">
                       <a:solidFill>
-                        <a:srgbClr val="FFFFFF"/>
+                        <a:srgbClr val="000000"/>
                       </a:solidFill>
                       <a:prstDash val="solid"/>
+                      <a:round/>
+                      <a:headEnd type="none" w="med" len="med"/>
+                      <a:tailEnd type="none" w="med" len="med"/>
+                    </a:lnT>
+                    <a:lnB w="6350" cap="flat" cmpd="sng" algn="ctr">
+                      <a:solidFill>
+                        <a:srgbClr val="000000"/>
+                      </a:solidFill>
+                      <a:prstDash val="solid"/>
+                      <a:round/>
+                      <a:headEnd type="none" w="med" len="med"/>
+                      <a:tailEnd type="none" w="med" len="med"/>
                     </a:lnB>
                     <a:solidFill>
-                      <a:srgbClr val="878E8B">
-                        <a:alpha val="30196"/>
-                      </a:srgbClr>
+                      <a:srgbClr val="BDD7EE"/>
                     </a:solidFill>
                   </a:tcPr>
                 </a:tc>
                 <a:extLst>
                   <a:ext uri="{0D108BD9-81ED-4DB2-BD59-A6C34878D82A}">
-                    <a16:rowId xmlns:a16="http://schemas.microsoft.com/office/drawing/2014/main" val="3426484648"/>
+                    <a16:rowId xmlns:a16="http://schemas.microsoft.com/office/drawing/2014/main" val="729616619"/>
                   </a:ext>
                 </a:extLst>
               </a:tr>
-              <a:tr h="731461">
+              <a:tr h="542733">
                 <a:tc>
                   <a:txBody>
                     <a:bodyPr/>
                     <a:lstStyle/>
                     <a:p>
-                      <a:pPr algn="l" fontAlgn="b"/>
+                      <a:pPr algn="l" fontAlgn="b">
+                        <a:spcBef>
+                          <a:spcPts val="0"/>
+                        </a:spcBef>
+                        <a:spcAft>
+                          <a:spcPts val="0"/>
+                        </a:spcAft>
+                      </a:pPr>
                       <a:r>
-                        <a:rPr lang="en-IN" sz="2100" u="none" strike="noStrike">
+                        <a:rPr lang="en-IN" sz="2800" b="0" i="0" u="none" strike="noStrike">
                           <a:solidFill>
-                            <a:schemeClr val="tx1">
-                              <a:lumMod val="85000"/>
-                              <a:lumOff val="15000"/>
-                            </a:schemeClr>
+                            <a:srgbClr val="000000"/>
                           </a:solidFill>
                           <a:effectLst/>
+                          <a:latin typeface="Calibri" panose="020F0502020204030204" pitchFamily="34" charset="0"/>
                         </a:rPr>
                         <a:t>Summer</a:t>
                       </a:r>
-                      <a:endParaRPr lang="en-IN" sz="2100" b="0" i="0" u="none" strike="noStrike">
-                        <a:solidFill>
-                          <a:schemeClr val="tx1">
-                            <a:lumMod val="85000"/>
-                            <a:lumOff val="15000"/>
-                          </a:schemeClr>
-                        </a:solidFill>
+                      <a:endParaRPr lang="en-IN" sz="4600" b="0" i="0" u="none" strike="noStrike">
                         <a:effectLst/>
-                        <a:latin typeface="Calibri" panose="020F0502020204030204" pitchFamily="34" charset="0"/>
+                        <a:latin typeface="Arial" panose="020B0604020202020204" pitchFamily="34" charset="0"/>
                       </a:endParaRPr>
                     </a:p>
                   </a:txBody>
-                  <a:tcPr marL="301426" marR="180856" marT="180856" marB="180856" anchor="b">
-                    <a:lnL w="12700" cmpd="sng">
-                      <a:noFill/>
-                      <a:prstDash val="solid"/>
-                    </a:lnL>
-                    <a:lnR w="38100" cap="flat" cmpd="sng" algn="ctr">
+                  <a:tcPr marL="24186" marR="24186" marT="24186" marB="0" anchor="b">
+                    <a:lnL w="6350" cap="flat" cmpd="sng" algn="ctr">
                       <a:solidFill>
-                        <a:srgbClr val="FFFFFF"/>
+                        <a:srgbClr val="000000"/>
                       </a:solidFill>
                       <a:prstDash val="solid"/>
-                    </a:lnR>
-                    <a:lnT w="38100" cap="flat" cmpd="sng" algn="ctr">
+                      <a:round/>
+                      <a:headEnd type="none" w="med" len="med"/>
+                      <a:tailEnd type="none" w="med" len="med"/>
+                    </a:lnL>
+                    <a:lnR w="6350" cap="flat" cmpd="sng" algn="ctr">
                       <a:solidFill>
-                        <a:srgbClr val="FFFFFF"/>
+                        <a:srgbClr val="000000"/>
                       </a:solidFill>
                       <a:prstDash val="solid"/>
-                    </a:lnT>
-                    <a:lnB w="38100" cap="flat" cmpd="sng" algn="ctr">
+                      <a:round/>
+                      <a:headEnd type="none" w="med" len="med"/>
+                      <a:tailEnd type="none" w="med" len="med"/>
+                    </a:lnR>
+                    <a:lnT w="6350" cap="flat" cmpd="sng" algn="ctr">
                       <a:solidFill>
-                        <a:srgbClr val="FFFFFF"/>
+                        <a:srgbClr val="000000"/>
                       </a:solidFill>
                       <a:prstDash val="solid"/>
+                      <a:round/>
+                      <a:headEnd type="none" w="med" len="med"/>
+                      <a:tailEnd type="none" w="med" len="med"/>
+                    </a:lnT>
+                    <a:lnB w="6350" cap="flat" cmpd="sng" algn="ctr">
+                      <a:solidFill>
+                        <a:srgbClr val="000000"/>
+                      </a:solidFill>
+                      <a:prstDash val="solid"/>
+                      <a:round/>
+                      <a:headEnd type="none" w="med" len="med"/>
+                      <a:tailEnd type="none" w="med" len="med"/>
                     </a:lnB>
                     <a:solidFill>
-                      <a:srgbClr val="878E8B">
-                        <a:alpha val="30196"/>
-                      </a:srgbClr>
+                      <a:srgbClr val="BDD7EE"/>
                     </a:solidFill>
                   </a:tcPr>
                 </a:tc>
@@ -11962,125 +12689,147 @@
                     <a:bodyPr/>
                     <a:lstStyle/>
                     <a:p>
-                      <a:pPr algn="l" fontAlgn="b"/>
+                      <a:pPr algn="l" fontAlgn="b">
+                        <a:spcBef>
+                          <a:spcPts val="0"/>
+                        </a:spcBef>
+                        <a:spcAft>
+                          <a:spcPts val="0"/>
+                        </a:spcAft>
+                      </a:pPr>
                       <a:r>
-                        <a:rPr lang="en-IN" sz="2100" u="none" strike="noStrike">
+                        <a:rPr lang="en-IN" sz="2800" b="0" i="0" u="none" strike="noStrike">
                           <a:solidFill>
-                            <a:schemeClr val="tx1">
-                              <a:lumMod val="85000"/>
-                              <a:lumOff val="15000"/>
-                            </a:schemeClr>
+                            <a:srgbClr val="000000"/>
                           </a:solidFill>
                           <a:effectLst/>
+                          <a:latin typeface="Calibri" panose="020F0502020204030204" pitchFamily="34" charset="0"/>
                         </a:rPr>
-                        <a:t>January - Month</a:t>
+                        <a:t>Misty weather</a:t>
                       </a:r>
-                      <a:endParaRPr lang="en-IN" sz="2100" b="0" i="0" u="none" strike="noStrike">
-                        <a:solidFill>
-                          <a:schemeClr val="tx1">
-                            <a:lumMod val="85000"/>
-                            <a:lumOff val="15000"/>
-                          </a:schemeClr>
-                        </a:solidFill>
+                      <a:endParaRPr lang="en-IN" sz="4600" b="0" i="0" u="none" strike="noStrike">
                         <a:effectLst/>
-                        <a:latin typeface="Calibri" panose="020F0502020204030204" pitchFamily="34" charset="0"/>
+                        <a:latin typeface="Arial" panose="020B0604020202020204" pitchFamily="34" charset="0"/>
                       </a:endParaRPr>
                     </a:p>
                   </a:txBody>
-                  <a:tcPr marL="301426" marR="180856" marT="180856" marB="180856" anchor="b">
-                    <a:lnL w="38100" cap="flat" cmpd="sng" algn="ctr">
+                  <a:tcPr marL="24186" marR="24186" marT="24186" marB="0" anchor="b">
+                    <a:lnL w="6350" cap="flat" cmpd="sng" algn="ctr">
                       <a:solidFill>
-                        <a:srgbClr val="FFFFFF"/>
+                        <a:srgbClr val="000000"/>
                       </a:solidFill>
                       <a:prstDash val="solid"/>
+                      <a:round/>
+                      <a:headEnd type="none" w="med" len="med"/>
+                      <a:tailEnd type="none" w="med" len="med"/>
                     </a:lnL>
-                    <a:lnR w="12700" cmpd="sng">
-                      <a:noFill/>
-                      <a:prstDash val="solid"/>
-                    </a:lnR>
-                    <a:lnT w="38100" cap="flat" cmpd="sng" algn="ctr">
+                    <a:lnR w="6350" cap="flat" cmpd="sng" algn="ctr">
                       <a:solidFill>
-                        <a:srgbClr val="FFFFFF"/>
+                        <a:srgbClr val="000000"/>
                       </a:solidFill>
                       <a:prstDash val="solid"/>
-                    </a:lnT>
-                    <a:lnB w="38100" cap="flat" cmpd="sng" algn="ctr">
+                      <a:round/>
+                      <a:headEnd type="none" w="med" len="med"/>
+                      <a:tailEnd type="none" w="med" len="med"/>
+                    </a:lnR>
+                    <a:lnT w="6350" cap="flat" cmpd="sng" algn="ctr">
                       <a:solidFill>
-                        <a:srgbClr val="FFFFFF"/>
+                        <a:srgbClr val="000000"/>
                       </a:solidFill>
                       <a:prstDash val="solid"/>
+                      <a:round/>
+                      <a:headEnd type="none" w="med" len="med"/>
+                      <a:tailEnd type="none" w="med" len="med"/>
+                    </a:lnT>
+                    <a:lnB w="6350" cap="flat" cmpd="sng" algn="ctr">
+                      <a:solidFill>
+                        <a:srgbClr val="000000"/>
+                      </a:solidFill>
+                      <a:prstDash val="solid"/>
+                      <a:round/>
+                      <a:headEnd type="none" w="med" len="med"/>
+                      <a:tailEnd type="none" w="med" len="med"/>
                     </a:lnB>
                     <a:solidFill>
-                      <a:srgbClr val="878E8B">
-                        <a:alpha val="30196"/>
-                      </a:srgbClr>
+                      <a:srgbClr val="BDD7EE"/>
                     </a:solidFill>
                   </a:tcPr>
                 </a:tc>
                 <a:extLst>
                   <a:ext uri="{0D108BD9-81ED-4DB2-BD59-A6C34878D82A}">
-                    <a16:rowId xmlns:a16="http://schemas.microsoft.com/office/drawing/2014/main" val="4263840494"/>
+                    <a16:rowId xmlns:a16="http://schemas.microsoft.com/office/drawing/2014/main" val="4216360096"/>
                   </a:ext>
                 </a:extLst>
               </a:tr>
-              <a:tr h="731461">
+              <a:tr h="542733">
                 <a:tc>
                   <a:txBody>
                     <a:bodyPr/>
                     <a:lstStyle/>
                     <a:p>
-                      <a:pPr algn="l" fontAlgn="b"/>
+                      <a:pPr algn="l" fontAlgn="b">
+                        <a:spcBef>
+                          <a:spcPts val="0"/>
+                        </a:spcBef>
+                        <a:spcAft>
+                          <a:spcPts val="0"/>
+                        </a:spcAft>
+                      </a:pPr>
                       <a:r>
-                        <a:rPr lang="en-IN" sz="2100" u="none" strike="noStrike">
+                        <a:rPr lang="en-IN" sz="2800" b="0" i="0" u="none" strike="noStrike">
                           <a:solidFill>
-                            <a:schemeClr val="tx1">
-                              <a:lumMod val="85000"/>
-                              <a:lumOff val="15000"/>
-                            </a:schemeClr>
+                            <a:srgbClr val="000000"/>
                           </a:solidFill>
                           <a:effectLst/>
+                          <a:latin typeface="Calibri" panose="020F0502020204030204" pitchFamily="34" charset="0"/>
                         </a:rPr>
                         <a:t>Winter</a:t>
                       </a:r>
-                      <a:endParaRPr lang="en-IN" sz="2100" b="0" i="0" u="none" strike="noStrike">
-                        <a:solidFill>
-                          <a:schemeClr val="tx1">
-                            <a:lumMod val="85000"/>
-                            <a:lumOff val="15000"/>
-                          </a:schemeClr>
-                        </a:solidFill>
+                      <a:endParaRPr lang="en-IN" sz="4600" b="0" i="0" u="none" strike="noStrike">
                         <a:effectLst/>
-                        <a:latin typeface="Calibri" panose="020F0502020204030204" pitchFamily="34" charset="0"/>
+                        <a:latin typeface="Arial" panose="020B0604020202020204" pitchFamily="34" charset="0"/>
                       </a:endParaRPr>
                     </a:p>
                   </a:txBody>
-                  <a:tcPr marL="301426" marR="180856" marT="180856" marB="180856" anchor="b">
-                    <a:lnL w="12700" cmpd="sng">
-                      <a:noFill/>
-                      <a:prstDash val="solid"/>
-                    </a:lnL>
-                    <a:lnR w="38100" cap="flat" cmpd="sng" algn="ctr">
+                  <a:tcPr marL="24186" marR="24186" marT="24186" marB="0" anchor="b">
+                    <a:lnL w="6350" cap="flat" cmpd="sng" algn="ctr">
                       <a:solidFill>
-                        <a:srgbClr val="FFFFFF"/>
+                        <a:srgbClr val="000000"/>
                       </a:solidFill>
                       <a:prstDash val="solid"/>
-                    </a:lnR>
-                    <a:lnT w="38100" cap="flat" cmpd="sng" algn="ctr">
+                      <a:round/>
+                      <a:headEnd type="none" w="med" len="med"/>
+                      <a:tailEnd type="none" w="med" len="med"/>
+                    </a:lnL>
+                    <a:lnR w="6350" cap="flat" cmpd="sng" algn="ctr">
                       <a:solidFill>
-                        <a:srgbClr val="FFFFFF"/>
+                        <a:srgbClr val="000000"/>
                       </a:solidFill>
                       <a:prstDash val="solid"/>
-                    </a:lnT>
-                    <a:lnB w="38100" cap="flat" cmpd="sng" algn="ctr">
+                      <a:round/>
+                      <a:headEnd type="none" w="med" len="med"/>
+                      <a:tailEnd type="none" w="med" len="med"/>
+                    </a:lnR>
+                    <a:lnT w="6350" cap="flat" cmpd="sng" algn="ctr">
                       <a:solidFill>
-                        <a:srgbClr val="FFFFFF"/>
+                        <a:srgbClr val="000000"/>
                       </a:solidFill>
                       <a:prstDash val="solid"/>
+                      <a:round/>
+                      <a:headEnd type="none" w="med" len="med"/>
+                      <a:tailEnd type="none" w="med" len="med"/>
+                    </a:lnT>
+                    <a:lnB w="6350" cap="flat" cmpd="sng" algn="ctr">
+                      <a:solidFill>
+                        <a:srgbClr val="000000"/>
+                      </a:solidFill>
+                      <a:prstDash val="solid"/>
+                      <a:round/>
+                      <a:headEnd type="none" w="med" len="med"/>
+                      <a:tailEnd type="none" w="med" len="med"/>
                     </a:lnB>
                     <a:solidFill>
-                      <a:srgbClr val="878E8B">
-                        <a:alpha val="30196"/>
-                      </a:srgbClr>
+                      <a:srgbClr val="BDD7EE"/>
                     </a:solidFill>
                   </a:tcPr>
                 </a:tc>
@@ -12089,125 +12838,147 @@
                     <a:bodyPr/>
                     <a:lstStyle/>
                     <a:p>
-                      <a:pPr algn="l" fontAlgn="b"/>
+                      <a:pPr algn="l" fontAlgn="b">
+                        <a:spcBef>
+                          <a:spcPts val="0"/>
+                        </a:spcBef>
+                        <a:spcAft>
+                          <a:spcPts val="0"/>
+                        </a:spcAft>
+                      </a:pPr>
                       <a:r>
-                        <a:rPr lang="en-IN" sz="2100" u="none" strike="noStrike">
+                        <a:rPr lang="en-IN" sz="2800" b="0" i="0" u="none" strike="noStrike">
                           <a:solidFill>
-                            <a:schemeClr val="tx1">
-                              <a:lumMod val="85000"/>
-                              <a:lumOff val="15000"/>
-                            </a:schemeClr>
+                            <a:srgbClr val="000000"/>
                           </a:solidFill>
                           <a:effectLst/>
+                          <a:latin typeface="Calibri" panose="020F0502020204030204" pitchFamily="34" charset="0"/>
                         </a:rPr>
-                        <a:t>Heavy Rain</a:t>
+                        <a:t>Wind Speed</a:t>
                       </a:r>
-                      <a:endParaRPr lang="en-IN" sz="2100" b="0" i="0" u="none" strike="noStrike">
-                        <a:solidFill>
-                          <a:schemeClr val="tx1">
-                            <a:lumMod val="85000"/>
-                            <a:lumOff val="15000"/>
-                          </a:schemeClr>
-                        </a:solidFill>
+                      <a:endParaRPr lang="en-IN" sz="4600" b="0" i="0" u="none" strike="noStrike">
                         <a:effectLst/>
-                        <a:latin typeface="Calibri" panose="020F0502020204030204" pitchFamily="34" charset="0"/>
+                        <a:latin typeface="Arial" panose="020B0604020202020204" pitchFamily="34" charset="0"/>
                       </a:endParaRPr>
                     </a:p>
                   </a:txBody>
-                  <a:tcPr marL="301426" marR="180856" marT="180856" marB="180856" anchor="b">
-                    <a:lnL w="38100" cap="flat" cmpd="sng" algn="ctr">
+                  <a:tcPr marL="24186" marR="24186" marT="24186" marB="0" anchor="b">
+                    <a:lnL w="6350" cap="flat" cmpd="sng" algn="ctr">
                       <a:solidFill>
-                        <a:srgbClr val="FFFFFF"/>
+                        <a:srgbClr val="000000"/>
                       </a:solidFill>
                       <a:prstDash val="solid"/>
+                      <a:round/>
+                      <a:headEnd type="none" w="med" len="med"/>
+                      <a:tailEnd type="none" w="med" len="med"/>
                     </a:lnL>
-                    <a:lnR w="12700" cmpd="sng">
-                      <a:noFill/>
-                      <a:prstDash val="solid"/>
-                    </a:lnR>
-                    <a:lnT w="38100" cap="flat" cmpd="sng" algn="ctr">
+                    <a:lnR w="6350" cap="flat" cmpd="sng" algn="ctr">
                       <a:solidFill>
-                        <a:srgbClr val="FFFFFF"/>
+                        <a:srgbClr val="000000"/>
                       </a:solidFill>
                       <a:prstDash val="solid"/>
-                    </a:lnT>
-                    <a:lnB w="38100" cap="flat" cmpd="sng" algn="ctr">
+                      <a:round/>
+                      <a:headEnd type="none" w="med" len="med"/>
+                      <a:tailEnd type="none" w="med" len="med"/>
+                    </a:lnR>
+                    <a:lnT w="6350" cap="flat" cmpd="sng" algn="ctr">
                       <a:solidFill>
-                        <a:srgbClr val="FFFFFF"/>
+                        <a:srgbClr val="000000"/>
                       </a:solidFill>
                       <a:prstDash val="solid"/>
+                      <a:round/>
+                      <a:headEnd type="none" w="med" len="med"/>
+                      <a:tailEnd type="none" w="med" len="med"/>
+                    </a:lnT>
+                    <a:lnB w="6350" cap="flat" cmpd="sng" algn="ctr">
+                      <a:solidFill>
+                        <a:srgbClr val="000000"/>
+                      </a:solidFill>
+                      <a:prstDash val="solid"/>
+                      <a:round/>
+                      <a:headEnd type="none" w="med" len="med"/>
+                      <a:tailEnd type="none" w="med" len="med"/>
                     </a:lnB>
                     <a:solidFill>
-                      <a:srgbClr val="878E8B">
-                        <a:alpha val="30196"/>
-                      </a:srgbClr>
+                      <a:srgbClr val="BDD7EE"/>
                     </a:solidFill>
                   </a:tcPr>
                 </a:tc>
                 <a:extLst>
                   <a:ext uri="{0D108BD9-81ED-4DB2-BD59-A6C34878D82A}">
-                    <a16:rowId xmlns:a16="http://schemas.microsoft.com/office/drawing/2014/main" val="3389877398"/>
+                    <a16:rowId xmlns:a16="http://schemas.microsoft.com/office/drawing/2014/main" val="2725849714"/>
                   </a:ext>
                 </a:extLst>
               </a:tr>
-              <a:tr h="731461">
+              <a:tr h="542733">
                 <a:tc>
                   <a:txBody>
                     <a:bodyPr/>
                     <a:lstStyle/>
                     <a:p>
-                      <a:pPr algn="l" fontAlgn="b"/>
+                      <a:pPr algn="l" fontAlgn="b">
+                        <a:spcBef>
+                          <a:spcPts val="0"/>
+                        </a:spcBef>
+                        <a:spcAft>
+                          <a:spcPts val="0"/>
+                        </a:spcAft>
+                      </a:pPr>
                       <a:r>
-                        <a:rPr lang="en-IN" sz="2100" u="none" strike="noStrike">
+                        <a:rPr lang="en-IN" sz="2800" b="0" i="0" u="none" strike="noStrike">
                           <a:solidFill>
-                            <a:schemeClr val="tx1">
-                              <a:lumMod val="85000"/>
-                              <a:lumOff val="15000"/>
-                            </a:schemeClr>
+                            <a:srgbClr val="000000"/>
                           </a:solidFill>
                           <a:effectLst/>
+                          <a:latin typeface="Calibri" panose="020F0502020204030204" pitchFamily="34" charset="0"/>
                         </a:rPr>
                         <a:t>August- Month</a:t>
                       </a:r>
-                      <a:endParaRPr lang="en-IN" sz="2100" b="0" i="0" u="none" strike="noStrike">
-                        <a:solidFill>
-                          <a:schemeClr val="tx1">
-                            <a:lumMod val="85000"/>
-                            <a:lumOff val="15000"/>
-                          </a:schemeClr>
-                        </a:solidFill>
+                      <a:endParaRPr lang="en-IN" sz="4600" b="0" i="0" u="none" strike="noStrike">
                         <a:effectLst/>
-                        <a:latin typeface="Calibri" panose="020F0502020204030204" pitchFamily="34" charset="0"/>
+                        <a:latin typeface="Arial" panose="020B0604020202020204" pitchFamily="34" charset="0"/>
                       </a:endParaRPr>
                     </a:p>
                   </a:txBody>
-                  <a:tcPr marL="301426" marR="180856" marT="180856" marB="180856" anchor="b">
-                    <a:lnL w="12700" cmpd="sng">
-                      <a:noFill/>
-                      <a:prstDash val="solid"/>
-                    </a:lnL>
-                    <a:lnR w="38100" cap="flat" cmpd="sng" algn="ctr">
+                  <a:tcPr marL="24186" marR="24186" marT="24186" marB="0" anchor="b">
+                    <a:lnL w="6350" cap="flat" cmpd="sng" algn="ctr">
                       <a:solidFill>
-                        <a:srgbClr val="FFFFFF"/>
+                        <a:srgbClr val="000000"/>
                       </a:solidFill>
                       <a:prstDash val="solid"/>
-                    </a:lnR>
-                    <a:lnT w="38100" cap="flat" cmpd="sng" algn="ctr">
+                      <a:round/>
+                      <a:headEnd type="none" w="med" len="med"/>
+                      <a:tailEnd type="none" w="med" len="med"/>
+                    </a:lnL>
+                    <a:lnR w="6350" cap="flat" cmpd="sng" algn="ctr">
                       <a:solidFill>
-                        <a:srgbClr val="FFFFFF"/>
+                        <a:srgbClr val="000000"/>
                       </a:solidFill>
                       <a:prstDash val="solid"/>
-                    </a:lnT>
-                    <a:lnB w="38100" cap="flat" cmpd="sng" algn="ctr">
+                      <a:round/>
+                      <a:headEnd type="none" w="med" len="med"/>
+                      <a:tailEnd type="none" w="med" len="med"/>
+                    </a:lnR>
+                    <a:lnT w="6350" cap="flat" cmpd="sng" algn="ctr">
                       <a:solidFill>
-                        <a:srgbClr val="FFFFFF"/>
+                        <a:srgbClr val="000000"/>
                       </a:solidFill>
                       <a:prstDash val="solid"/>
+                      <a:round/>
+                      <a:headEnd type="none" w="med" len="med"/>
+                      <a:tailEnd type="none" w="med" len="med"/>
+                    </a:lnT>
+                    <a:lnB w="6350" cap="flat" cmpd="sng" algn="ctr">
+                      <a:solidFill>
+                        <a:srgbClr val="000000"/>
+                      </a:solidFill>
+                      <a:prstDash val="solid"/>
+                      <a:round/>
+                      <a:headEnd type="none" w="med" len="med"/>
+                      <a:tailEnd type="none" w="med" len="med"/>
                     </a:lnB>
                     <a:solidFill>
-                      <a:srgbClr val="878E8B">
-                        <a:alpha val="30196"/>
-                      </a:srgbClr>
+                      <a:srgbClr val="BDD7EE"/>
                     </a:solidFill>
                   </a:tcPr>
                 </a:tc>
@@ -12216,123 +12987,147 @@
                     <a:bodyPr/>
                     <a:lstStyle/>
                     <a:p>
-                      <a:pPr algn="l" fontAlgn="b"/>
+                      <a:pPr algn="l" fontAlgn="b">
+                        <a:spcBef>
+                          <a:spcPts val="0"/>
+                        </a:spcBef>
+                        <a:spcAft>
+                          <a:spcPts val="0"/>
+                        </a:spcAft>
+                      </a:pPr>
                       <a:r>
-                        <a:rPr lang="en-IN" sz="2100" u="none" strike="noStrike">
+                        <a:rPr lang="en-IN" sz="2800" b="0" i="0" u="none" strike="noStrike">
                           <a:solidFill>
-                            <a:schemeClr val="tx1">
-                              <a:lumMod val="85000"/>
-                              <a:lumOff val="15000"/>
-                            </a:schemeClr>
+                            <a:srgbClr val="000000"/>
                           </a:solidFill>
                           <a:effectLst/>
+                          <a:latin typeface="Calibri" panose="020F0502020204030204" pitchFamily="34" charset="0"/>
                         </a:rPr>
-                        <a:t> </a:t>
+                        <a:t>January</a:t>
                       </a:r>
-                      <a:endParaRPr lang="en-IN" sz="2100" b="0" i="0" u="none" strike="noStrike">
-                        <a:solidFill>
-                          <a:schemeClr val="tx1">
-                            <a:lumMod val="85000"/>
-                            <a:lumOff val="15000"/>
-                          </a:schemeClr>
-                        </a:solidFill>
+                      <a:endParaRPr lang="en-IN" sz="4600" b="0" i="0" u="none" strike="noStrike">
                         <a:effectLst/>
-                        <a:latin typeface="Calibri" panose="020F0502020204030204" pitchFamily="34" charset="0"/>
+                        <a:latin typeface="Arial" panose="020B0604020202020204" pitchFamily="34" charset="0"/>
                       </a:endParaRPr>
                     </a:p>
                   </a:txBody>
-                  <a:tcPr marL="301426" marR="180856" marT="180856" marB="180856" anchor="b">
-                    <a:lnL w="38100" cap="flat" cmpd="sng" algn="ctr">
+                  <a:tcPr marL="24186" marR="24186" marT="24186" marB="0" anchor="b">
+                    <a:lnL w="6350" cap="flat" cmpd="sng" algn="ctr">
                       <a:solidFill>
-                        <a:srgbClr val="FFFFFF"/>
+                        <a:srgbClr val="000000"/>
                       </a:solidFill>
                       <a:prstDash val="solid"/>
+                      <a:round/>
+                      <a:headEnd type="none" w="med" len="med"/>
+                      <a:tailEnd type="none" w="med" len="med"/>
                     </a:lnL>
-                    <a:lnR w="12700" cmpd="sng">
-                      <a:noFill/>
-                      <a:prstDash val="solid"/>
-                    </a:lnR>
-                    <a:lnT w="38100" cap="flat" cmpd="sng" algn="ctr">
+                    <a:lnR w="6350" cap="flat" cmpd="sng" algn="ctr">
                       <a:solidFill>
-                        <a:srgbClr val="FFFFFF"/>
+                        <a:srgbClr val="000000"/>
                       </a:solidFill>
                       <a:prstDash val="solid"/>
-                    </a:lnT>
-                    <a:lnB w="38100" cap="flat" cmpd="sng" algn="ctr">
+                      <a:round/>
+                      <a:headEnd type="none" w="med" len="med"/>
+                      <a:tailEnd type="none" w="med" len="med"/>
+                    </a:lnR>
+                    <a:lnT w="6350" cap="flat" cmpd="sng" algn="ctr">
                       <a:solidFill>
-                        <a:srgbClr val="FFFFFF"/>
+                        <a:srgbClr val="000000"/>
                       </a:solidFill>
                       <a:prstDash val="solid"/>
+                      <a:round/>
+                      <a:headEnd type="none" w="med" len="med"/>
+                      <a:tailEnd type="none" w="med" len="med"/>
+                    </a:lnT>
+                    <a:lnB w="6350" cap="flat" cmpd="sng" algn="ctr">
+                      <a:solidFill>
+                        <a:srgbClr val="000000"/>
+                      </a:solidFill>
+                      <a:prstDash val="solid"/>
+                      <a:round/>
+                      <a:headEnd type="none" w="med" len="med"/>
+                      <a:tailEnd type="none" w="med" len="med"/>
                     </a:lnB>
                     <a:solidFill>
-                      <a:srgbClr val="878E8B">
-                        <a:alpha val="30196"/>
-                      </a:srgbClr>
+                      <a:srgbClr val="BDD7EE"/>
                     </a:solidFill>
                   </a:tcPr>
                 </a:tc>
                 <a:extLst>
                   <a:ext uri="{0D108BD9-81ED-4DB2-BD59-A6C34878D82A}">
-                    <a16:rowId xmlns:a16="http://schemas.microsoft.com/office/drawing/2014/main" val="1461901686"/>
+                    <a16:rowId xmlns:a16="http://schemas.microsoft.com/office/drawing/2014/main" val="3775797589"/>
                   </a:ext>
                 </a:extLst>
               </a:tr>
-              <a:tr h="731461">
+              <a:tr h="542733">
                 <a:tc>
                   <a:txBody>
                     <a:bodyPr/>
                     <a:lstStyle/>
                     <a:p>
-                      <a:pPr algn="l" fontAlgn="b"/>
+                      <a:pPr algn="l" fontAlgn="b">
+                        <a:spcBef>
+                          <a:spcPts val="0"/>
+                        </a:spcBef>
+                        <a:spcAft>
+                          <a:spcPts val="0"/>
+                        </a:spcAft>
+                      </a:pPr>
                       <a:r>
-                        <a:rPr lang="en-IN" sz="2100" u="none" strike="noStrike">
+                        <a:rPr lang="en-IN" sz="2800" b="0" i="0" u="none" strike="noStrike">
                           <a:solidFill>
-                            <a:schemeClr val="tx1">
-                              <a:lumMod val="85000"/>
-                              <a:lumOff val="15000"/>
-                            </a:schemeClr>
+                            <a:srgbClr val="000000"/>
                           </a:solidFill>
                           <a:effectLst/>
+                          <a:latin typeface="Calibri" panose="020F0502020204030204" pitchFamily="34" charset="0"/>
                         </a:rPr>
                         <a:t>September- Month</a:t>
                       </a:r>
-                      <a:endParaRPr lang="en-IN" sz="2100" b="0" i="0" u="none" strike="noStrike">
-                        <a:solidFill>
-                          <a:schemeClr val="tx1">
-                            <a:lumMod val="85000"/>
-                            <a:lumOff val="15000"/>
-                          </a:schemeClr>
-                        </a:solidFill>
+                      <a:endParaRPr lang="en-IN" sz="4600" b="0" i="0" u="none" strike="noStrike">
                         <a:effectLst/>
-                        <a:latin typeface="Calibri" panose="020F0502020204030204" pitchFamily="34" charset="0"/>
+                        <a:latin typeface="Arial" panose="020B0604020202020204" pitchFamily="34" charset="0"/>
                       </a:endParaRPr>
                     </a:p>
                   </a:txBody>
-                  <a:tcPr marL="301426" marR="180856" marT="180856" marB="180856" anchor="b">
-                    <a:lnL w="12700" cmpd="sng">
-                      <a:noFill/>
-                      <a:prstDash val="solid"/>
-                    </a:lnL>
-                    <a:lnR w="38100" cap="flat" cmpd="sng" algn="ctr">
+                  <a:tcPr marL="24186" marR="24186" marT="24186" marB="0" anchor="b">
+                    <a:lnL w="6350" cap="flat" cmpd="sng" algn="ctr">
                       <a:solidFill>
-                        <a:srgbClr val="FFFFFF"/>
+                        <a:srgbClr val="000000"/>
                       </a:solidFill>
                       <a:prstDash val="solid"/>
-                    </a:lnR>
-                    <a:lnT w="38100" cap="flat" cmpd="sng" algn="ctr">
+                      <a:round/>
+                      <a:headEnd type="none" w="med" len="med"/>
+                      <a:tailEnd type="none" w="med" len="med"/>
+                    </a:lnL>
+                    <a:lnR w="6350" cap="flat" cmpd="sng" algn="ctr">
                       <a:solidFill>
-                        <a:srgbClr val="FFFFFF"/>
+                        <a:srgbClr val="000000"/>
                       </a:solidFill>
                       <a:prstDash val="solid"/>
+                      <a:round/>
+                      <a:headEnd type="none" w="med" len="med"/>
+                      <a:tailEnd type="none" w="med" len="med"/>
+                    </a:lnR>
+                    <a:lnT w="6350" cap="flat" cmpd="sng" algn="ctr">
+                      <a:solidFill>
+                        <a:srgbClr val="000000"/>
+                      </a:solidFill>
+                      <a:prstDash val="solid"/>
+                      <a:round/>
+                      <a:headEnd type="none" w="med" len="med"/>
+                      <a:tailEnd type="none" w="med" len="med"/>
                     </a:lnT>
-                    <a:lnB w="12700" cmpd="sng">
-                      <a:noFill/>
+                    <a:lnB w="6350" cap="flat" cmpd="sng" algn="ctr">
+                      <a:solidFill>
+                        <a:srgbClr val="000000"/>
+                      </a:solidFill>
                       <a:prstDash val="solid"/>
+                      <a:round/>
+                      <a:headEnd type="none" w="med" len="med"/>
+                      <a:tailEnd type="none" w="med" len="med"/>
                     </a:lnB>
                     <a:solidFill>
-                      <a:srgbClr val="878E8B">
-                        <a:alpha val="30196"/>
-                      </a:srgbClr>
+                      <a:srgbClr val="BDD7EE"/>
                     </a:solidFill>
                   </a:tcPr>
                 </a:tc>
@@ -12341,62 +13136,522 @@
                     <a:bodyPr/>
                     <a:lstStyle/>
                     <a:p>
-                      <a:pPr algn="l" fontAlgn="b"/>
+                      <a:pPr algn="l" fontAlgn="b">
+                        <a:spcBef>
+                          <a:spcPts val="0"/>
+                        </a:spcBef>
+                        <a:spcAft>
+                          <a:spcPts val="0"/>
+                        </a:spcAft>
+                      </a:pPr>
                       <a:r>
-                        <a:rPr lang="en-IN" sz="2100" u="none" strike="noStrike" dirty="0">
+                        <a:rPr lang="en-IN" sz="2800" b="0" i="0" u="none" strike="noStrike">
                           <a:solidFill>
-                            <a:schemeClr val="tx1">
-                              <a:lumMod val="85000"/>
-                              <a:lumOff val="15000"/>
-                            </a:schemeClr>
+                            <a:srgbClr val="000000"/>
                           </a:solidFill>
                           <a:effectLst/>
+                          <a:latin typeface="Calibri" panose="020F0502020204030204" pitchFamily="34" charset="0"/>
                         </a:rPr>
                         <a:t> </a:t>
                       </a:r>
-                      <a:endParaRPr lang="en-IN" sz="2100" b="0" i="0" u="none" strike="noStrike" dirty="0">
-                        <a:solidFill>
-                          <a:schemeClr val="tx1">
-                            <a:lumMod val="85000"/>
-                            <a:lumOff val="15000"/>
-                          </a:schemeClr>
-                        </a:solidFill>
+                      <a:endParaRPr lang="en-IN" sz="4600" b="0" i="0" u="none" strike="noStrike">
                         <a:effectLst/>
-                        <a:latin typeface="Calibri" panose="020F0502020204030204" pitchFamily="34" charset="0"/>
+                        <a:latin typeface="Arial" panose="020B0604020202020204" pitchFamily="34" charset="0"/>
                       </a:endParaRPr>
                     </a:p>
                   </a:txBody>
-                  <a:tcPr marL="301426" marR="180856" marT="180856" marB="180856" anchor="b">
-                    <a:lnL w="38100" cap="flat" cmpd="sng" algn="ctr">
+                  <a:tcPr marL="24186" marR="24186" marT="24186" marB="0" anchor="b">
+                    <a:lnL w="6350" cap="flat" cmpd="sng" algn="ctr">
                       <a:solidFill>
-                        <a:srgbClr val="FFFFFF"/>
+                        <a:srgbClr val="000000"/>
                       </a:solidFill>
                       <a:prstDash val="solid"/>
+                      <a:round/>
+                      <a:headEnd type="none" w="med" len="med"/>
+                      <a:tailEnd type="none" w="med" len="med"/>
                     </a:lnL>
-                    <a:lnR w="12700" cmpd="sng">
-                      <a:noFill/>
-                      <a:prstDash val="solid"/>
-                    </a:lnR>
-                    <a:lnT w="38100" cap="flat" cmpd="sng" algn="ctr">
+                    <a:lnR w="6350" cap="flat" cmpd="sng" algn="ctr">
                       <a:solidFill>
-                        <a:srgbClr val="FFFFFF"/>
+                        <a:srgbClr val="000000"/>
                       </a:solidFill>
                       <a:prstDash val="solid"/>
+                      <a:round/>
+                      <a:headEnd type="none" w="med" len="med"/>
+                      <a:tailEnd type="none" w="med" len="med"/>
+                    </a:lnR>
+                    <a:lnT w="6350" cap="flat" cmpd="sng" algn="ctr">
+                      <a:solidFill>
+                        <a:srgbClr val="000000"/>
+                      </a:solidFill>
+                      <a:prstDash val="solid"/>
+                      <a:round/>
+                      <a:headEnd type="none" w="med" len="med"/>
+                      <a:tailEnd type="none" w="med" len="med"/>
                     </a:lnT>
-                    <a:lnB w="12700" cmpd="sng">
-                      <a:noFill/>
+                    <a:lnB w="6350" cap="flat" cmpd="sng" algn="ctr">
+                      <a:solidFill>
+                        <a:srgbClr val="000000"/>
+                      </a:solidFill>
                       <a:prstDash val="solid"/>
+                      <a:round/>
+                      <a:headEnd type="none" w="med" len="med"/>
+                      <a:tailEnd type="none" w="med" len="med"/>
                     </a:lnB>
                     <a:solidFill>
-                      <a:srgbClr val="878E8B">
-                        <a:alpha val="30196"/>
-                      </a:srgbClr>
+                      <a:srgbClr val="BDD7EE"/>
                     </a:solidFill>
                   </a:tcPr>
                 </a:tc>
                 <a:extLst>
                   <a:ext uri="{0D108BD9-81ED-4DB2-BD59-A6C34878D82A}">
-                    <a16:rowId xmlns:a16="http://schemas.microsoft.com/office/drawing/2014/main" val="3518992562"/>
+                    <a16:rowId xmlns:a16="http://schemas.microsoft.com/office/drawing/2014/main" val="3459289147"/>
+                  </a:ext>
+                </a:extLst>
+              </a:tr>
+              <a:tr h="542733">
+                <a:tc>
+                  <a:txBody>
+                    <a:bodyPr/>
+                    <a:lstStyle/>
+                    <a:p>
+                      <a:pPr algn="l" fontAlgn="b">
+                        <a:spcBef>
+                          <a:spcPts val="0"/>
+                        </a:spcBef>
+                        <a:spcAft>
+                          <a:spcPts val="0"/>
+                        </a:spcAft>
+                      </a:pPr>
+                      <a:r>
+                        <a:rPr lang="en-IN" sz="2800" b="0" i="0" u="none" strike="noStrike">
+                          <a:solidFill>
+                            <a:srgbClr val="000000"/>
+                          </a:solidFill>
+                          <a:effectLst/>
+                          <a:latin typeface="Calibri" panose="020F0502020204030204" pitchFamily="34" charset="0"/>
+                        </a:rPr>
+                        <a:t>Monday</a:t>
+                      </a:r>
+                      <a:endParaRPr lang="en-IN" sz="4600" b="0" i="0" u="none" strike="noStrike">
+                        <a:effectLst/>
+                        <a:latin typeface="Arial" panose="020B0604020202020204" pitchFamily="34" charset="0"/>
+                      </a:endParaRPr>
+                    </a:p>
+                  </a:txBody>
+                  <a:tcPr marL="24186" marR="24186" marT="24186" marB="0" anchor="b">
+                    <a:lnL w="6350" cap="flat" cmpd="sng" algn="ctr">
+                      <a:solidFill>
+                        <a:srgbClr val="000000"/>
+                      </a:solidFill>
+                      <a:prstDash val="solid"/>
+                      <a:round/>
+                      <a:headEnd type="none" w="med" len="med"/>
+                      <a:tailEnd type="none" w="med" len="med"/>
+                    </a:lnL>
+                    <a:lnR w="6350" cap="flat" cmpd="sng" algn="ctr">
+                      <a:solidFill>
+                        <a:srgbClr val="000000"/>
+                      </a:solidFill>
+                      <a:prstDash val="solid"/>
+                      <a:round/>
+                      <a:headEnd type="none" w="med" len="med"/>
+                      <a:tailEnd type="none" w="med" len="med"/>
+                    </a:lnR>
+                    <a:lnT w="6350" cap="flat" cmpd="sng" algn="ctr">
+                      <a:solidFill>
+                        <a:srgbClr val="000000"/>
+                      </a:solidFill>
+                      <a:prstDash val="solid"/>
+                      <a:round/>
+                      <a:headEnd type="none" w="med" len="med"/>
+                      <a:tailEnd type="none" w="med" len="med"/>
+                    </a:lnT>
+                    <a:lnB w="6350" cap="flat" cmpd="sng" algn="ctr">
+                      <a:solidFill>
+                        <a:srgbClr val="000000"/>
+                      </a:solidFill>
+                      <a:prstDash val="solid"/>
+                      <a:round/>
+                      <a:headEnd type="none" w="med" len="med"/>
+                      <a:tailEnd type="none" w="med" len="med"/>
+                    </a:lnB>
+                    <a:solidFill>
+                      <a:srgbClr val="BDD7EE"/>
+                    </a:solidFill>
+                  </a:tcPr>
+                </a:tc>
+                <a:tc>
+                  <a:txBody>
+                    <a:bodyPr/>
+                    <a:lstStyle/>
+                    <a:p>
+                      <a:pPr algn="l" fontAlgn="b">
+                        <a:spcBef>
+                          <a:spcPts val="0"/>
+                        </a:spcBef>
+                        <a:spcAft>
+                          <a:spcPts val="0"/>
+                        </a:spcAft>
+                      </a:pPr>
+                      <a:r>
+                        <a:rPr lang="en-IN" sz="2800" b="0" i="0" u="none" strike="noStrike">
+                          <a:solidFill>
+                            <a:srgbClr val="000000"/>
+                          </a:solidFill>
+                          <a:effectLst/>
+                          <a:latin typeface="Calibri" panose="020F0502020204030204" pitchFamily="34" charset="0"/>
+                        </a:rPr>
+                        <a:t> </a:t>
+                      </a:r>
+                      <a:endParaRPr lang="en-IN" sz="4600" b="0" i="0" u="none" strike="noStrike">
+                        <a:effectLst/>
+                        <a:latin typeface="Arial" panose="020B0604020202020204" pitchFamily="34" charset="0"/>
+                      </a:endParaRPr>
+                    </a:p>
+                  </a:txBody>
+                  <a:tcPr marL="24186" marR="24186" marT="24186" marB="0" anchor="b">
+                    <a:lnL w="6350" cap="flat" cmpd="sng" algn="ctr">
+                      <a:solidFill>
+                        <a:srgbClr val="000000"/>
+                      </a:solidFill>
+                      <a:prstDash val="solid"/>
+                      <a:round/>
+                      <a:headEnd type="none" w="med" len="med"/>
+                      <a:tailEnd type="none" w="med" len="med"/>
+                    </a:lnL>
+                    <a:lnR w="6350" cap="flat" cmpd="sng" algn="ctr">
+                      <a:solidFill>
+                        <a:srgbClr val="000000"/>
+                      </a:solidFill>
+                      <a:prstDash val="solid"/>
+                      <a:round/>
+                      <a:headEnd type="none" w="med" len="med"/>
+                      <a:tailEnd type="none" w="med" len="med"/>
+                    </a:lnR>
+                    <a:lnT w="6350" cap="flat" cmpd="sng" algn="ctr">
+                      <a:solidFill>
+                        <a:srgbClr val="000000"/>
+                      </a:solidFill>
+                      <a:prstDash val="solid"/>
+                      <a:round/>
+                      <a:headEnd type="none" w="med" len="med"/>
+                      <a:tailEnd type="none" w="med" len="med"/>
+                    </a:lnT>
+                    <a:lnB w="6350" cap="flat" cmpd="sng" algn="ctr">
+                      <a:solidFill>
+                        <a:srgbClr val="000000"/>
+                      </a:solidFill>
+                      <a:prstDash val="solid"/>
+                      <a:round/>
+                      <a:headEnd type="none" w="med" len="med"/>
+                      <a:tailEnd type="none" w="med" len="med"/>
+                    </a:lnB>
+                    <a:solidFill>
+                      <a:srgbClr val="BDD7EE"/>
+                    </a:solidFill>
+                  </a:tcPr>
+                </a:tc>
+                <a:extLst>
+                  <a:ext uri="{0D108BD9-81ED-4DB2-BD59-A6C34878D82A}">
+                    <a16:rowId xmlns:a16="http://schemas.microsoft.com/office/drawing/2014/main" val="2500539239"/>
+                  </a:ext>
+                </a:extLst>
+              </a:tr>
+              <a:tr h="542733">
+                <a:tc>
+                  <a:txBody>
+                    <a:bodyPr/>
+                    <a:lstStyle/>
+                    <a:p>
+                      <a:pPr algn="l" fontAlgn="b">
+                        <a:spcBef>
+                          <a:spcPts val="0"/>
+                        </a:spcBef>
+                        <a:spcAft>
+                          <a:spcPts val="0"/>
+                        </a:spcAft>
+                      </a:pPr>
+                      <a:r>
+                        <a:rPr lang="en-IN" sz="2800" b="0" i="0" u="none" strike="noStrike">
+                          <a:solidFill>
+                            <a:srgbClr val="000000"/>
+                          </a:solidFill>
+                          <a:effectLst/>
+                          <a:latin typeface="Calibri" panose="020F0502020204030204" pitchFamily="34" charset="0"/>
+                        </a:rPr>
+                        <a:t>Winter</a:t>
+                      </a:r>
+                      <a:endParaRPr lang="en-IN" sz="4600" b="0" i="0" u="none" strike="noStrike">
+                        <a:effectLst/>
+                        <a:latin typeface="Arial" panose="020B0604020202020204" pitchFamily="34" charset="0"/>
+                      </a:endParaRPr>
+                    </a:p>
+                  </a:txBody>
+                  <a:tcPr marL="24186" marR="24186" marT="24186" marB="0" anchor="b">
+                    <a:lnL w="6350" cap="flat" cmpd="sng" algn="ctr">
+                      <a:solidFill>
+                        <a:srgbClr val="000000"/>
+                      </a:solidFill>
+                      <a:prstDash val="solid"/>
+                      <a:round/>
+                      <a:headEnd type="none" w="med" len="med"/>
+                      <a:tailEnd type="none" w="med" len="med"/>
+                    </a:lnL>
+                    <a:lnR w="6350" cap="flat" cmpd="sng" algn="ctr">
+                      <a:solidFill>
+                        <a:srgbClr val="000000"/>
+                      </a:solidFill>
+                      <a:prstDash val="solid"/>
+                      <a:round/>
+                      <a:headEnd type="none" w="med" len="med"/>
+                      <a:tailEnd type="none" w="med" len="med"/>
+                    </a:lnR>
+                    <a:lnT w="6350" cap="flat" cmpd="sng" algn="ctr">
+                      <a:solidFill>
+                        <a:srgbClr val="000000"/>
+                      </a:solidFill>
+                      <a:prstDash val="solid"/>
+                      <a:round/>
+                      <a:headEnd type="none" w="med" len="med"/>
+                      <a:tailEnd type="none" w="med" len="med"/>
+                    </a:lnT>
+                    <a:lnB w="6350" cap="flat" cmpd="sng" algn="ctr">
+                      <a:solidFill>
+                        <a:srgbClr val="000000"/>
+                      </a:solidFill>
+                      <a:prstDash val="solid"/>
+                      <a:round/>
+                      <a:headEnd type="none" w="med" len="med"/>
+                      <a:tailEnd type="none" w="med" len="med"/>
+                    </a:lnB>
+                    <a:solidFill>
+                      <a:srgbClr val="BDD7EE"/>
+                    </a:solidFill>
+                  </a:tcPr>
+                </a:tc>
+                <a:tc>
+                  <a:txBody>
+                    <a:bodyPr/>
+                    <a:lstStyle/>
+                    <a:p>
+                      <a:pPr algn="l" fontAlgn="b">
+                        <a:spcBef>
+                          <a:spcPts val="0"/>
+                        </a:spcBef>
+                        <a:spcAft>
+                          <a:spcPts val="0"/>
+                        </a:spcAft>
+                      </a:pPr>
+                      <a:r>
+                        <a:rPr lang="en-IN" sz="2800" b="0" i="0" u="none" strike="noStrike">
+                          <a:solidFill>
+                            <a:srgbClr val="000000"/>
+                          </a:solidFill>
+                          <a:effectLst/>
+                          <a:latin typeface="Calibri" panose="020F0502020204030204" pitchFamily="34" charset="0"/>
+                        </a:rPr>
+                        <a:t> </a:t>
+                      </a:r>
+                      <a:endParaRPr lang="en-IN" sz="4600" b="0" i="0" u="none" strike="noStrike">
+                        <a:effectLst/>
+                        <a:latin typeface="Arial" panose="020B0604020202020204" pitchFamily="34" charset="0"/>
+                      </a:endParaRPr>
+                    </a:p>
+                  </a:txBody>
+                  <a:tcPr marL="24186" marR="24186" marT="24186" marB="0" anchor="b">
+                    <a:lnL w="6350" cap="flat" cmpd="sng" algn="ctr">
+                      <a:solidFill>
+                        <a:srgbClr val="000000"/>
+                      </a:solidFill>
+                      <a:prstDash val="solid"/>
+                      <a:round/>
+                      <a:headEnd type="none" w="med" len="med"/>
+                      <a:tailEnd type="none" w="med" len="med"/>
+                    </a:lnL>
+                    <a:lnR w="6350" cap="flat" cmpd="sng" algn="ctr">
+                      <a:solidFill>
+                        <a:srgbClr val="000000"/>
+                      </a:solidFill>
+                      <a:prstDash val="solid"/>
+                      <a:round/>
+                      <a:headEnd type="none" w="med" len="med"/>
+                      <a:tailEnd type="none" w="med" len="med"/>
+                    </a:lnR>
+                    <a:lnT w="6350" cap="flat" cmpd="sng" algn="ctr">
+                      <a:solidFill>
+                        <a:srgbClr val="000000"/>
+                      </a:solidFill>
+                      <a:prstDash val="solid"/>
+                      <a:round/>
+                      <a:headEnd type="none" w="med" len="med"/>
+                      <a:tailEnd type="none" w="med" len="med"/>
+                    </a:lnT>
+                    <a:lnB w="6350" cap="flat" cmpd="sng" algn="ctr">
+                      <a:solidFill>
+                        <a:srgbClr val="000000"/>
+                      </a:solidFill>
+                      <a:prstDash val="solid"/>
+                      <a:round/>
+                      <a:headEnd type="none" w="med" len="med"/>
+                      <a:tailEnd type="none" w="med" len="med"/>
+                    </a:lnB>
+                    <a:solidFill>
+                      <a:srgbClr val="BDD7EE"/>
+                    </a:solidFill>
+                  </a:tcPr>
+                </a:tc>
+                <a:extLst>
+                  <a:ext uri="{0D108BD9-81ED-4DB2-BD59-A6C34878D82A}">
+                    <a16:rowId xmlns:a16="http://schemas.microsoft.com/office/drawing/2014/main" val="4268900754"/>
+                  </a:ext>
+                </a:extLst>
+              </a:tr>
+              <a:tr h="542733">
+                <a:tc>
+                  <a:txBody>
+                    <a:bodyPr/>
+                    <a:lstStyle/>
+                    <a:p>
+                      <a:pPr algn="l" fontAlgn="b">
+                        <a:spcBef>
+                          <a:spcPts val="0"/>
+                        </a:spcBef>
+                        <a:spcAft>
+                          <a:spcPts val="0"/>
+                        </a:spcAft>
+                      </a:pPr>
+                      <a:r>
+                        <a:rPr lang="en-IN" sz="2800" b="0" i="0" u="none" strike="noStrike">
+                          <a:solidFill>
+                            <a:srgbClr val="000000"/>
+                          </a:solidFill>
+                          <a:effectLst/>
+                          <a:latin typeface="Calibri" panose="020F0502020204030204" pitchFamily="34" charset="0"/>
+                        </a:rPr>
+                        <a:t>Working Day</a:t>
+                      </a:r>
+                      <a:endParaRPr lang="en-IN" sz="4600" b="0" i="0" u="none" strike="noStrike">
+                        <a:effectLst/>
+                        <a:latin typeface="Arial" panose="020B0604020202020204" pitchFamily="34" charset="0"/>
+                      </a:endParaRPr>
+                    </a:p>
+                  </a:txBody>
+                  <a:tcPr marL="24186" marR="24186" marT="24186" marB="0" anchor="b">
+                    <a:lnL w="6350" cap="flat" cmpd="sng" algn="ctr">
+                      <a:solidFill>
+                        <a:srgbClr val="000000"/>
+                      </a:solidFill>
+                      <a:prstDash val="solid"/>
+                      <a:round/>
+                      <a:headEnd type="none" w="med" len="med"/>
+                      <a:tailEnd type="none" w="med" len="med"/>
+                    </a:lnL>
+                    <a:lnR w="6350" cap="flat" cmpd="sng" algn="ctr">
+                      <a:solidFill>
+                        <a:srgbClr val="000000"/>
+                      </a:solidFill>
+                      <a:prstDash val="solid"/>
+                      <a:round/>
+                      <a:headEnd type="none" w="med" len="med"/>
+                      <a:tailEnd type="none" w="med" len="med"/>
+                    </a:lnR>
+                    <a:lnT w="6350" cap="flat" cmpd="sng" algn="ctr">
+                      <a:solidFill>
+                        <a:srgbClr val="000000"/>
+                      </a:solidFill>
+                      <a:prstDash val="solid"/>
+                      <a:round/>
+                      <a:headEnd type="none" w="med" len="med"/>
+                      <a:tailEnd type="none" w="med" len="med"/>
+                    </a:lnT>
+                    <a:lnB w="6350" cap="flat" cmpd="sng" algn="ctr">
+                      <a:solidFill>
+                        <a:srgbClr val="000000"/>
+                      </a:solidFill>
+                      <a:prstDash val="solid"/>
+                      <a:round/>
+                      <a:headEnd type="none" w="med" len="med"/>
+                      <a:tailEnd type="none" w="med" len="med"/>
+                    </a:lnB>
+                    <a:solidFill>
+                      <a:srgbClr val="BDD7EE"/>
+                    </a:solidFill>
+                  </a:tcPr>
+                </a:tc>
+                <a:tc>
+                  <a:txBody>
+                    <a:bodyPr/>
+                    <a:lstStyle/>
+                    <a:p>
+                      <a:pPr algn="l" fontAlgn="b">
+                        <a:spcBef>
+                          <a:spcPts val="0"/>
+                        </a:spcBef>
+                        <a:spcAft>
+                          <a:spcPts val="0"/>
+                        </a:spcAft>
+                      </a:pPr>
+                      <a:r>
+                        <a:rPr lang="en-IN" sz="2800" b="0" i="0" u="none" strike="noStrike" dirty="0">
+                          <a:solidFill>
+                            <a:srgbClr val="000000"/>
+                          </a:solidFill>
+                          <a:effectLst/>
+                          <a:latin typeface="Calibri" panose="020F0502020204030204" pitchFamily="34" charset="0"/>
+                        </a:rPr>
+                        <a:t> </a:t>
+                      </a:r>
+                      <a:endParaRPr lang="en-IN" sz="4600" b="0" i="0" u="none" strike="noStrike" dirty="0">
+                        <a:effectLst/>
+                        <a:latin typeface="Arial" panose="020B0604020202020204" pitchFamily="34" charset="0"/>
+                      </a:endParaRPr>
+                    </a:p>
+                  </a:txBody>
+                  <a:tcPr marL="24186" marR="24186" marT="24186" marB="0" anchor="b">
+                    <a:lnL w="6350" cap="flat" cmpd="sng" algn="ctr">
+                      <a:solidFill>
+                        <a:srgbClr val="000000"/>
+                      </a:solidFill>
+                      <a:prstDash val="solid"/>
+                      <a:round/>
+                      <a:headEnd type="none" w="med" len="med"/>
+                      <a:tailEnd type="none" w="med" len="med"/>
+                    </a:lnL>
+                    <a:lnR w="6350" cap="flat" cmpd="sng" algn="ctr">
+                      <a:solidFill>
+                        <a:srgbClr val="000000"/>
+                      </a:solidFill>
+                      <a:prstDash val="solid"/>
+                      <a:round/>
+                      <a:headEnd type="none" w="med" len="med"/>
+                      <a:tailEnd type="none" w="med" len="med"/>
+                    </a:lnR>
+                    <a:lnT w="6350" cap="flat" cmpd="sng" algn="ctr">
+                      <a:solidFill>
+                        <a:srgbClr val="000000"/>
+                      </a:solidFill>
+                      <a:prstDash val="solid"/>
+                      <a:round/>
+                      <a:headEnd type="none" w="med" len="med"/>
+                      <a:tailEnd type="none" w="med" len="med"/>
+                    </a:lnT>
+                    <a:lnB w="6350" cap="flat" cmpd="sng" algn="ctr">
+                      <a:solidFill>
+                        <a:srgbClr val="000000"/>
+                      </a:solidFill>
+                      <a:prstDash val="solid"/>
+                      <a:round/>
+                      <a:headEnd type="none" w="med" len="med"/>
+                      <a:tailEnd type="none" w="med" len="med"/>
+                    </a:lnB>
+                    <a:solidFill>
+                      <a:srgbClr val="BDD7EE"/>
+                    </a:solidFill>
+                  </a:tcPr>
+                </a:tc>
+                <a:extLst>
+                  <a:ext uri="{0D108BD9-81ED-4DB2-BD59-A6C34878D82A}">
+                    <a16:rowId xmlns:a16="http://schemas.microsoft.com/office/drawing/2014/main" val="2782821016"/>
                   </a:ext>
                 </a:extLst>
               </a:tr>
